--- a/telas.pptx
+++ b/telas.pptx
@@ -7,6 +7,12 @@
   <p:sldIdLst>
     <p:sldId id="256" r:id="rId2"/>
     <p:sldId id="257" r:id="rId3"/>
+    <p:sldId id="258" r:id="rId4"/>
+    <p:sldId id="259" r:id="rId5"/>
+    <p:sldId id="260" r:id="rId6"/>
+    <p:sldId id="261" r:id="rId7"/>
+    <p:sldId id="262" r:id="rId8"/>
+    <p:sldId id="263" r:id="rId9"/>
   </p:sldIdLst>
   <p:sldSz cx="12192000" cy="6858000"/>
   <p:notesSz cx="6858000" cy="9144000"/>
@@ -105,6 +111,11 @@
       </a:defRPr>
     </a:lvl9pPr>
   </p:defaultTextStyle>
+  <p:extLst>
+    <p:ext uri="{EFAFB233-063F-42B5-8137-9DF3F51BA10A}">
+      <p15:sldGuideLst xmlns:p15="http://schemas.microsoft.com/office/powerpoint/2012/main"/>
+    </p:ext>
+  </p:extLst>
 </p:presentation>
 </file>
 
@@ -239,7 +250,7 @@
           <a:p>
             <a:fld id="{9D4331E9-24D5-4AEC-86D0-93F379BA8D45}" type="datetimeFigureOut">
               <a:rPr lang="pt-BR" smtClean="0"/>
-              <a:t>04/03/2022</a:t>
+              <a:t>11/03/2022</a:t>
             </a:fld>
             <a:endParaRPr lang="pt-BR"/>
           </a:p>
@@ -409,7 +420,7 @@
           <a:p>
             <a:fld id="{9D4331E9-24D5-4AEC-86D0-93F379BA8D45}" type="datetimeFigureOut">
               <a:rPr lang="pt-BR" smtClean="0"/>
-              <a:t>04/03/2022</a:t>
+              <a:t>11/03/2022</a:t>
             </a:fld>
             <a:endParaRPr lang="pt-BR"/>
           </a:p>
@@ -589,7 +600,7 @@
           <a:p>
             <a:fld id="{9D4331E9-24D5-4AEC-86D0-93F379BA8D45}" type="datetimeFigureOut">
               <a:rPr lang="pt-BR" smtClean="0"/>
-              <a:t>04/03/2022</a:t>
+              <a:t>11/03/2022</a:t>
             </a:fld>
             <a:endParaRPr lang="pt-BR"/>
           </a:p>
@@ -759,7 +770,7 @@
           <a:p>
             <a:fld id="{9D4331E9-24D5-4AEC-86D0-93F379BA8D45}" type="datetimeFigureOut">
               <a:rPr lang="pt-BR" smtClean="0"/>
-              <a:t>04/03/2022</a:t>
+              <a:t>11/03/2022</a:t>
             </a:fld>
             <a:endParaRPr lang="pt-BR"/>
           </a:p>
@@ -1005,7 +1016,7 @@
           <a:p>
             <a:fld id="{9D4331E9-24D5-4AEC-86D0-93F379BA8D45}" type="datetimeFigureOut">
               <a:rPr lang="pt-BR" smtClean="0"/>
-              <a:t>04/03/2022</a:t>
+              <a:t>11/03/2022</a:t>
             </a:fld>
             <a:endParaRPr lang="pt-BR"/>
           </a:p>
@@ -1237,7 +1248,7 @@
           <a:p>
             <a:fld id="{9D4331E9-24D5-4AEC-86D0-93F379BA8D45}" type="datetimeFigureOut">
               <a:rPr lang="pt-BR" smtClean="0"/>
-              <a:t>04/03/2022</a:t>
+              <a:t>11/03/2022</a:t>
             </a:fld>
             <a:endParaRPr lang="pt-BR"/>
           </a:p>
@@ -1604,7 +1615,7 @@
           <a:p>
             <a:fld id="{9D4331E9-24D5-4AEC-86D0-93F379BA8D45}" type="datetimeFigureOut">
               <a:rPr lang="pt-BR" smtClean="0"/>
-              <a:t>04/03/2022</a:t>
+              <a:t>11/03/2022</a:t>
             </a:fld>
             <a:endParaRPr lang="pt-BR"/>
           </a:p>
@@ -1722,7 +1733,7 @@
           <a:p>
             <a:fld id="{9D4331E9-24D5-4AEC-86D0-93F379BA8D45}" type="datetimeFigureOut">
               <a:rPr lang="pt-BR" smtClean="0"/>
-              <a:t>04/03/2022</a:t>
+              <a:t>11/03/2022</a:t>
             </a:fld>
             <a:endParaRPr lang="pt-BR"/>
           </a:p>
@@ -1817,7 +1828,7 @@
           <a:p>
             <a:fld id="{9D4331E9-24D5-4AEC-86D0-93F379BA8D45}" type="datetimeFigureOut">
               <a:rPr lang="pt-BR" smtClean="0"/>
-              <a:t>04/03/2022</a:t>
+              <a:t>11/03/2022</a:t>
             </a:fld>
             <a:endParaRPr lang="pt-BR"/>
           </a:p>
@@ -2094,7 +2105,7 @@
           <a:p>
             <a:fld id="{9D4331E9-24D5-4AEC-86D0-93F379BA8D45}" type="datetimeFigureOut">
               <a:rPr lang="pt-BR" smtClean="0"/>
-              <a:t>04/03/2022</a:t>
+              <a:t>11/03/2022</a:t>
             </a:fld>
             <a:endParaRPr lang="pt-BR"/>
           </a:p>
@@ -2347,7 +2358,7 @@
           <a:p>
             <a:fld id="{9D4331E9-24D5-4AEC-86D0-93F379BA8D45}" type="datetimeFigureOut">
               <a:rPr lang="pt-BR" smtClean="0"/>
-              <a:t>04/03/2022</a:t>
+              <a:t>11/03/2022</a:t>
             </a:fld>
             <a:endParaRPr lang="pt-BR"/>
           </a:p>
@@ -2560,7 +2571,7 @@
           <a:p>
             <a:fld id="{9D4331E9-24D5-4AEC-86D0-93F379BA8D45}" type="datetimeFigureOut">
               <a:rPr lang="pt-BR" smtClean="0"/>
-              <a:t>04/03/2022</a:t>
+              <a:t>11/03/2022</a:t>
             </a:fld>
             <a:endParaRPr lang="pt-BR"/>
           </a:p>
@@ -3281,7 +3292,7 @@
         </p:nvSpPr>
         <p:spPr>
           <a:xfrm>
-            <a:off x="0" y="0"/>
+            <a:off x="0" y="26126"/>
             <a:ext cx="12192000" cy="640080"/>
           </a:xfrm>
           <a:prstGeom prst="rect">
@@ -3351,7 +3362,7 @@
         <p:spPr>
           <a:xfrm>
             <a:off x="1463040" y="135374"/>
-            <a:ext cx="1510478" cy="369332"/>
+            <a:ext cx="984629" cy="369332"/>
           </a:xfrm>
           <a:prstGeom prst="rect">
             <a:avLst/>
@@ -3365,8 +3376,8 @@
           <a:lstStyle/>
           <a:p>
             <a:r>
-              <a:rPr lang="pt-BR" dirty="0" smtClean="0"/>
-              <a:t>Agendamento</a:t>
+              <a:rPr lang="pt-BR" dirty="0"/>
+              <a:t>Paciente</a:t>
             </a:r>
             <a:endParaRPr lang="pt-BR" dirty="0"/>
           </a:p>
@@ -3380,8 +3391,8 @@
         </p:nvSpPr>
         <p:spPr>
           <a:xfrm>
-            <a:off x="3240656" y="135374"/>
-            <a:ext cx="984629" cy="369332"/>
+            <a:off x="2831669" y="135374"/>
+            <a:ext cx="1510478" cy="369332"/>
           </a:xfrm>
           <a:prstGeom prst="rect">
             <a:avLst/>
@@ -3396,7 +3407,7 @@
           <a:p>
             <a:r>
               <a:rPr lang="pt-BR" dirty="0" smtClean="0"/>
-              <a:t>Paciente</a:t>
+              <a:t>Agendamento</a:t>
             </a:r>
             <a:endParaRPr lang="pt-BR" dirty="0"/>
           </a:p>
@@ -3441,7 +3452,7 @@
         <p:spPr>
           <a:xfrm>
             <a:off x="169817" y="775454"/>
-            <a:ext cx="678455" cy="369332"/>
+            <a:ext cx="1081450" cy="369332"/>
           </a:xfrm>
           <a:prstGeom prst="rect">
             <a:avLst/>
@@ -3455,8 +3466,8 @@
           <a:lstStyle/>
           <a:p>
             <a:r>
-              <a:rPr lang="pt-BR" dirty="0" smtClean="0"/>
-              <a:t>Novo</a:t>
+              <a:rPr lang="pt-BR" dirty="0"/>
+              <a:t>Cadastrar</a:t>
             </a:r>
             <a:endParaRPr lang="pt-BR" dirty="0"/>
           </a:p>
@@ -3545,8 +3556,128 @@
           <a:lstStyle/>
           <a:p>
             <a:r>
+              <a:rPr lang="pt-BR" dirty="0"/>
+              <a:t>Cadastrar</a:t>
+            </a:r>
+            <a:endParaRPr lang="pt-BR" dirty="0"/>
+          </a:p>
+        </p:txBody>
+      </p:sp>
+      <p:sp>
+        <p:nvSpPr>
+          <p:cNvPr id="12" name="CaixaDeTexto 11"/>
+          <p:cNvSpPr txBox="1"/>
+          <p:nvPr/>
+        </p:nvSpPr>
+        <p:spPr>
+          <a:xfrm>
+            <a:off x="2831669" y="770709"/>
+            <a:ext cx="1081450" cy="369332"/>
+          </a:xfrm>
+          <a:prstGeom prst="rect">
+            <a:avLst/>
+          </a:prstGeom>
+          <a:noFill/>
+        </p:spPr>
+        <p:txBody>
+          <a:bodyPr wrap="none" rtlCol="0">
+            <a:spAutoFit/>
+          </a:bodyPr>
+          <a:lstStyle/>
+          <a:p>
+            <a:r>
+              <a:rPr lang="pt-BR" dirty="0"/>
+              <a:t>Adicionar</a:t>
+            </a:r>
+            <a:endParaRPr lang="pt-BR" dirty="0"/>
+          </a:p>
+        </p:txBody>
+      </p:sp>
+      <p:sp>
+        <p:nvSpPr>
+          <p:cNvPr id="13" name="CaixaDeTexto 12"/>
+          <p:cNvSpPr txBox="1"/>
+          <p:nvPr/>
+        </p:nvSpPr>
+        <p:spPr>
+          <a:xfrm>
+            <a:off x="2831669" y="1192903"/>
+            <a:ext cx="1081130" cy="369332"/>
+          </a:xfrm>
+          <a:prstGeom prst="rect">
+            <a:avLst/>
+          </a:prstGeom>
+          <a:noFill/>
+        </p:spPr>
+        <p:txBody>
+          <a:bodyPr wrap="none" rtlCol="0">
+            <a:spAutoFit/>
+          </a:bodyPr>
+          <a:lstStyle/>
+          <a:p>
+            <a:r>
               <a:rPr lang="pt-BR" dirty="0" smtClean="0"/>
-              <a:t>Adicionar</a:t>
+              <a:t>Consultar</a:t>
+            </a:r>
+            <a:endParaRPr lang="pt-BR" dirty="0"/>
+          </a:p>
+        </p:txBody>
+      </p:sp>
+      <p:sp>
+        <p:nvSpPr>
+          <p:cNvPr id="14" name="CaixaDeTexto 13"/>
+          <p:cNvSpPr txBox="1"/>
+          <p:nvPr/>
+        </p:nvSpPr>
+        <p:spPr>
+          <a:xfrm>
+            <a:off x="4566428" y="1192903"/>
+            <a:ext cx="1081130" cy="369332"/>
+          </a:xfrm>
+          <a:prstGeom prst="rect">
+            <a:avLst/>
+          </a:prstGeom>
+          <a:noFill/>
+        </p:spPr>
+        <p:txBody>
+          <a:bodyPr wrap="none" rtlCol="0">
+            <a:spAutoFit/>
+          </a:bodyPr>
+          <a:lstStyle/>
+          <a:p>
+            <a:r>
+              <a:rPr lang="pt-BR" dirty="0" smtClean="0"/>
+              <a:t>Consultar</a:t>
+            </a:r>
+            <a:endParaRPr lang="pt-BR" dirty="0"/>
+          </a:p>
+        </p:txBody>
+      </p:sp>
+      <p:sp>
+        <p:nvSpPr>
+          <p:cNvPr id="15" name="CaixaDeTexto 14"/>
+          <p:cNvSpPr txBox="1"/>
+          <p:nvPr/>
+        </p:nvSpPr>
+        <p:spPr>
+          <a:xfrm>
+            <a:off x="4566108" y="775454"/>
+            <a:ext cx="1081450" cy="369332"/>
+          </a:xfrm>
+          <a:prstGeom prst="rect">
+            <a:avLst/>
+          </a:prstGeom>
+          <a:noFill/>
+        </p:spPr>
+        <p:txBody>
+          <a:bodyPr wrap="none" rtlCol="0">
+            <a:spAutoFit/>
+          </a:bodyPr>
+          <a:lstStyle/>
+          <a:p>
+            <a:r>
+              <a:rPr lang="pt-BR" dirty="0" smtClean="0"/>
+              <a:t>Cadastrar</a:t>
             </a:r>
             <a:endParaRPr lang="pt-BR" dirty="0"/>
           </a:p>
@@ -3556,6 +3687,6421 @@
     <p:extLst>
       <p:ext uri="{BB962C8B-B14F-4D97-AF65-F5344CB8AC3E}">
         <p14:creationId xmlns:p14="http://schemas.microsoft.com/office/powerpoint/2010/main" val="2286047106"/>
+      </p:ext>
+    </p:extLst>
+  </p:cSld>
+  <p:clrMapOvr>
+    <a:masterClrMapping/>
+  </p:clrMapOvr>
+</p:sld>
+</file>
+
+<file path=ppt/slides/slide3.xml><?xml version="1.0" encoding="utf-8"?>
+<p:sld xmlns:a="http://schemas.openxmlformats.org/drawingml/2006/main" xmlns:r="http://schemas.openxmlformats.org/officeDocument/2006/relationships" xmlns:p="http://schemas.openxmlformats.org/presentationml/2006/main">
+  <p:cSld>
+    <p:spTree>
+      <p:nvGrpSpPr>
+        <p:cNvPr id="1" name=""/>
+        <p:cNvGrpSpPr/>
+        <p:nvPr/>
+      </p:nvGrpSpPr>
+      <p:grpSpPr>
+        <a:xfrm>
+          <a:off x="0" y="0"/>
+          <a:ext cx="0" cy="0"/>
+          <a:chOff x="0" y="0"/>
+          <a:chExt cx="0" cy="0"/>
+        </a:xfrm>
+      </p:grpSpPr>
+      <p:sp>
+        <p:nvSpPr>
+          <p:cNvPr id="4" name="Retângulo 3"/>
+          <p:cNvSpPr/>
+          <p:nvPr/>
+        </p:nvSpPr>
+        <p:spPr>
+          <a:xfrm>
+            <a:off x="0" y="0"/>
+            <a:ext cx="12192000" cy="640080"/>
+          </a:xfrm>
+          <a:prstGeom prst="rect">
+            <a:avLst/>
+          </a:prstGeom>
+          <a:ln w="76200"/>
+        </p:spPr>
+        <p:style>
+          <a:lnRef idx="2">
+            <a:schemeClr val="dk1"/>
+          </a:lnRef>
+          <a:fillRef idx="1">
+            <a:schemeClr val="lt1"/>
+          </a:fillRef>
+          <a:effectRef idx="0">
+            <a:schemeClr val="dk1"/>
+          </a:effectRef>
+          <a:fontRef idx="minor">
+            <a:schemeClr val="dk1"/>
+          </a:fontRef>
+        </p:style>
+        <p:txBody>
+          <a:bodyPr rtlCol="0" anchor="ctr"/>
+          <a:lstStyle/>
+          <a:p>
+            <a:pPr algn="ctr"/>
+            <a:endParaRPr lang="pt-BR" dirty="0"/>
+          </a:p>
+        </p:txBody>
+      </p:sp>
+      <p:sp>
+        <p:nvSpPr>
+          <p:cNvPr id="5" name="CaixaDeTexto 4"/>
+          <p:cNvSpPr txBox="1"/>
+          <p:nvPr/>
+        </p:nvSpPr>
+        <p:spPr>
+          <a:xfrm>
+            <a:off x="274320" y="98277"/>
+            <a:ext cx="909223" cy="369332"/>
+          </a:xfrm>
+          <a:prstGeom prst="rect">
+            <a:avLst/>
+          </a:prstGeom>
+          <a:noFill/>
+        </p:spPr>
+        <p:txBody>
+          <a:bodyPr wrap="none" rtlCol="0">
+            <a:spAutoFit/>
+          </a:bodyPr>
+          <a:lstStyle/>
+          <a:p>
+            <a:r>
+              <a:rPr lang="pt-BR" dirty="0" smtClean="0"/>
+              <a:t>Usuário</a:t>
+            </a:r>
+            <a:endParaRPr lang="pt-BR" dirty="0"/>
+          </a:p>
+        </p:txBody>
+      </p:sp>
+      <p:sp>
+        <p:nvSpPr>
+          <p:cNvPr id="6" name="CaixaDeTexto 5"/>
+          <p:cNvSpPr txBox="1"/>
+          <p:nvPr/>
+        </p:nvSpPr>
+        <p:spPr>
+          <a:xfrm>
+            <a:off x="1567543" y="98277"/>
+            <a:ext cx="984629" cy="369332"/>
+          </a:xfrm>
+          <a:prstGeom prst="rect">
+            <a:avLst/>
+          </a:prstGeom>
+          <a:noFill/>
+        </p:spPr>
+        <p:txBody>
+          <a:bodyPr wrap="none" rtlCol="0">
+            <a:spAutoFit/>
+          </a:bodyPr>
+          <a:lstStyle/>
+          <a:p>
+            <a:r>
+              <a:rPr lang="pt-BR" dirty="0"/>
+              <a:t>Paciente</a:t>
+            </a:r>
+            <a:endParaRPr lang="pt-BR" dirty="0"/>
+          </a:p>
+        </p:txBody>
+      </p:sp>
+      <p:sp>
+        <p:nvSpPr>
+          <p:cNvPr id="7" name="CaixaDeTexto 6"/>
+          <p:cNvSpPr txBox="1"/>
+          <p:nvPr/>
+        </p:nvSpPr>
+        <p:spPr>
+          <a:xfrm>
+            <a:off x="2726615" y="98277"/>
+            <a:ext cx="1510478" cy="369332"/>
+          </a:xfrm>
+          <a:prstGeom prst="rect">
+            <a:avLst/>
+          </a:prstGeom>
+          <a:noFill/>
+        </p:spPr>
+        <p:txBody>
+          <a:bodyPr wrap="none" rtlCol="0">
+            <a:spAutoFit/>
+          </a:bodyPr>
+          <a:lstStyle/>
+          <a:p>
+            <a:r>
+              <a:rPr lang="pt-BR" dirty="0" smtClean="0"/>
+              <a:t>Agendamento</a:t>
+            </a:r>
+            <a:endParaRPr lang="pt-BR" dirty="0"/>
+          </a:p>
+        </p:txBody>
+      </p:sp>
+      <p:sp>
+        <p:nvSpPr>
+          <p:cNvPr id="8" name="CaixaDeTexto 7"/>
+          <p:cNvSpPr txBox="1"/>
+          <p:nvPr/>
+        </p:nvSpPr>
+        <p:spPr>
+          <a:xfrm>
+            <a:off x="4411536" y="98277"/>
+            <a:ext cx="992579" cy="369332"/>
+          </a:xfrm>
+          <a:prstGeom prst="rect">
+            <a:avLst/>
+          </a:prstGeom>
+          <a:noFill/>
+        </p:spPr>
+        <p:txBody>
+          <a:bodyPr wrap="none" rtlCol="0">
+            <a:spAutoFit/>
+          </a:bodyPr>
+          <a:lstStyle/>
+          <a:p>
+            <a:r>
+              <a:rPr lang="pt-BR" dirty="0" err="1" smtClean="0"/>
+              <a:t>Timeline</a:t>
+            </a:r>
+            <a:endParaRPr lang="pt-BR" dirty="0"/>
+          </a:p>
+        </p:txBody>
+      </p:sp>
+      <p:sp>
+        <p:nvSpPr>
+          <p:cNvPr id="9" name="CaixaDeTexto 8"/>
+          <p:cNvSpPr txBox="1"/>
+          <p:nvPr/>
+        </p:nvSpPr>
+        <p:spPr>
+          <a:xfrm>
+            <a:off x="4237093" y="838505"/>
+            <a:ext cx="1858907" cy="369332"/>
+          </a:xfrm>
+          <a:prstGeom prst="rect">
+            <a:avLst/>
+          </a:prstGeom>
+          <a:noFill/>
+        </p:spPr>
+        <p:txBody>
+          <a:bodyPr wrap="none" rtlCol="0">
+            <a:spAutoFit/>
+          </a:bodyPr>
+          <a:lstStyle/>
+          <a:p>
+            <a:r>
+              <a:rPr lang="pt-BR" dirty="0" smtClean="0"/>
+              <a:t>Cadastrar Usuário</a:t>
+            </a:r>
+            <a:endParaRPr lang="pt-BR" dirty="0"/>
+          </a:p>
+        </p:txBody>
+      </p:sp>
+      <p:sp>
+        <p:nvSpPr>
+          <p:cNvPr id="10" name="CaixaDeTexto 9"/>
+          <p:cNvSpPr txBox="1"/>
+          <p:nvPr/>
+        </p:nvSpPr>
+        <p:spPr>
+          <a:xfrm>
+            <a:off x="274320" y="1260089"/>
+            <a:ext cx="755335" cy="369332"/>
+          </a:xfrm>
+          <a:prstGeom prst="rect">
+            <a:avLst/>
+          </a:prstGeom>
+          <a:noFill/>
+        </p:spPr>
+        <p:txBody>
+          <a:bodyPr wrap="none" rtlCol="0">
+            <a:spAutoFit/>
+          </a:bodyPr>
+          <a:lstStyle/>
+          <a:p>
+            <a:r>
+              <a:rPr lang="pt-BR" dirty="0" smtClean="0"/>
+              <a:t>Nome</a:t>
+            </a:r>
+            <a:endParaRPr lang="pt-BR" dirty="0"/>
+          </a:p>
+        </p:txBody>
+      </p:sp>
+      <p:sp>
+        <p:nvSpPr>
+          <p:cNvPr id="11" name="Retângulo 10"/>
+          <p:cNvSpPr/>
+          <p:nvPr/>
+        </p:nvSpPr>
+        <p:spPr>
+          <a:xfrm>
+            <a:off x="274320" y="1566588"/>
+            <a:ext cx="5867534" cy="369332"/>
+          </a:xfrm>
+          <a:prstGeom prst="rect">
+            <a:avLst/>
+          </a:prstGeom>
+        </p:spPr>
+        <p:style>
+          <a:lnRef idx="2">
+            <a:schemeClr val="dk1"/>
+          </a:lnRef>
+          <a:fillRef idx="1">
+            <a:schemeClr val="lt1"/>
+          </a:fillRef>
+          <a:effectRef idx="0">
+            <a:schemeClr val="dk1"/>
+          </a:effectRef>
+          <a:fontRef idx="minor">
+            <a:schemeClr val="dk1"/>
+          </a:fontRef>
+        </p:style>
+        <p:txBody>
+          <a:bodyPr rtlCol="0" anchor="ctr"/>
+          <a:lstStyle/>
+          <a:p>
+            <a:pPr algn="ctr"/>
+            <a:endParaRPr lang="pt-BR"/>
+          </a:p>
+        </p:txBody>
+      </p:sp>
+      <p:sp>
+        <p:nvSpPr>
+          <p:cNvPr id="16" name="CaixaDeTexto 15"/>
+          <p:cNvSpPr txBox="1"/>
+          <p:nvPr/>
+        </p:nvSpPr>
+        <p:spPr>
+          <a:xfrm>
+            <a:off x="274320" y="2043951"/>
+            <a:ext cx="688009" cy="369332"/>
+          </a:xfrm>
+          <a:prstGeom prst="rect">
+            <a:avLst/>
+          </a:prstGeom>
+          <a:noFill/>
+        </p:spPr>
+        <p:txBody>
+          <a:bodyPr wrap="none" rtlCol="0">
+            <a:spAutoFit/>
+          </a:bodyPr>
+          <a:lstStyle/>
+          <a:p>
+            <a:r>
+              <a:rPr lang="pt-BR" dirty="0" err="1" smtClean="0"/>
+              <a:t>Login</a:t>
+            </a:r>
+            <a:endParaRPr lang="pt-BR" dirty="0"/>
+          </a:p>
+        </p:txBody>
+      </p:sp>
+      <p:sp>
+        <p:nvSpPr>
+          <p:cNvPr id="17" name="Retângulo 16"/>
+          <p:cNvSpPr/>
+          <p:nvPr/>
+        </p:nvSpPr>
+        <p:spPr>
+          <a:xfrm>
+            <a:off x="274320" y="2350450"/>
+            <a:ext cx="5867534" cy="369332"/>
+          </a:xfrm>
+          <a:prstGeom prst="rect">
+            <a:avLst/>
+          </a:prstGeom>
+        </p:spPr>
+        <p:style>
+          <a:lnRef idx="2">
+            <a:schemeClr val="dk1"/>
+          </a:lnRef>
+          <a:fillRef idx="1">
+            <a:schemeClr val="lt1"/>
+          </a:fillRef>
+          <a:effectRef idx="0">
+            <a:schemeClr val="dk1"/>
+          </a:effectRef>
+          <a:fontRef idx="minor">
+            <a:schemeClr val="dk1"/>
+          </a:fontRef>
+        </p:style>
+        <p:txBody>
+          <a:bodyPr rtlCol="0" anchor="ctr"/>
+          <a:lstStyle/>
+          <a:p>
+            <a:pPr algn="ctr"/>
+            <a:endParaRPr lang="pt-BR"/>
+          </a:p>
+        </p:txBody>
+      </p:sp>
+      <p:sp>
+        <p:nvSpPr>
+          <p:cNvPr id="18" name="CaixaDeTexto 17"/>
+          <p:cNvSpPr txBox="1"/>
+          <p:nvPr/>
+        </p:nvSpPr>
+        <p:spPr>
+          <a:xfrm>
+            <a:off x="274320" y="3760085"/>
+            <a:ext cx="1757469" cy="369332"/>
+          </a:xfrm>
+          <a:prstGeom prst="rect">
+            <a:avLst/>
+          </a:prstGeom>
+          <a:noFill/>
+        </p:spPr>
+        <p:txBody>
+          <a:bodyPr wrap="none" rtlCol="0">
+            <a:spAutoFit/>
+          </a:bodyPr>
+          <a:lstStyle/>
+          <a:p>
+            <a:r>
+              <a:rPr lang="pt-BR" dirty="0" smtClean="0"/>
+              <a:t>Confirmar Senha</a:t>
+            </a:r>
+            <a:endParaRPr lang="pt-BR" dirty="0"/>
+          </a:p>
+        </p:txBody>
+      </p:sp>
+      <p:sp>
+        <p:nvSpPr>
+          <p:cNvPr id="19" name="Retângulo 18"/>
+          <p:cNvSpPr/>
+          <p:nvPr/>
+        </p:nvSpPr>
+        <p:spPr>
+          <a:xfrm>
+            <a:off x="274320" y="4066584"/>
+            <a:ext cx="5867534" cy="369332"/>
+          </a:xfrm>
+          <a:prstGeom prst="rect">
+            <a:avLst/>
+          </a:prstGeom>
+        </p:spPr>
+        <p:style>
+          <a:lnRef idx="2">
+            <a:schemeClr val="dk1"/>
+          </a:lnRef>
+          <a:fillRef idx="1">
+            <a:schemeClr val="lt1"/>
+          </a:fillRef>
+          <a:effectRef idx="0">
+            <a:schemeClr val="dk1"/>
+          </a:effectRef>
+          <a:fontRef idx="minor">
+            <a:schemeClr val="dk1"/>
+          </a:fontRef>
+        </p:style>
+        <p:txBody>
+          <a:bodyPr rtlCol="0" anchor="ctr"/>
+          <a:lstStyle/>
+          <a:p>
+            <a:pPr algn="ctr"/>
+            <a:endParaRPr lang="pt-BR"/>
+          </a:p>
+        </p:txBody>
+      </p:sp>
+      <p:sp>
+        <p:nvSpPr>
+          <p:cNvPr id="22" name="CaixaDeTexto 21"/>
+          <p:cNvSpPr txBox="1"/>
+          <p:nvPr/>
+        </p:nvSpPr>
+        <p:spPr>
+          <a:xfrm>
+            <a:off x="274320" y="4657386"/>
+            <a:ext cx="532518" cy="369332"/>
+          </a:xfrm>
+          <a:prstGeom prst="rect">
+            <a:avLst/>
+          </a:prstGeom>
+          <a:noFill/>
+        </p:spPr>
+        <p:txBody>
+          <a:bodyPr wrap="none" rtlCol="0">
+            <a:spAutoFit/>
+          </a:bodyPr>
+          <a:lstStyle/>
+          <a:p>
+            <a:r>
+              <a:rPr lang="pt-BR" dirty="0" smtClean="0"/>
+              <a:t>CPF</a:t>
+            </a:r>
+            <a:endParaRPr lang="pt-BR" dirty="0"/>
+          </a:p>
+        </p:txBody>
+      </p:sp>
+      <p:sp>
+        <p:nvSpPr>
+          <p:cNvPr id="23" name="Retângulo 22"/>
+          <p:cNvSpPr/>
+          <p:nvPr/>
+        </p:nvSpPr>
+        <p:spPr>
+          <a:xfrm>
+            <a:off x="274320" y="4963885"/>
+            <a:ext cx="5867534" cy="369332"/>
+          </a:xfrm>
+          <a:prstGeom prst="rect">
+            <a:avLst/>
+          </a:prstGeom>
+        </p:spPr>
+        <p:style>
+          <a:lnRef idx="2">
+            <a:schemeClr val="dk1"/>
+          </a:lnRef>
+          <a:fillRef idx="1">
+            <a:schemeClr val="lt1"/>
+          </a:fillRef>
+          <a:effectRef idx="0">
+            <a:schemeClr val="dk1"/>
+          </a:effectRef>
+          <a:fontRef idx="minor">
+            <a:schemeClr val="dk1"/>
+          </a:fontRef>
+        </p:style>
+        <p:txBody>
+          <a:bodyPr rtlCol="0" anchor="ctr"/>
+          <a:lstStyle/>
+          <a:p>
+            <a:pPr algn="ctr"/>
+            <a:endParaRPr lang="pt-BR"/>
+          </a:p>
+        </p:txBody>
+      </p:sp>
+      <p:sp>
+        <p:nvSpPr>
+          <p:cNvPr id="24" name="CaixaDeTexto 23"/>
+          <p:cNvSpPr txBox="1"/>
+          <p:nvPr/>
+        </p:nvSpPr>
+        <p:spPr>
+          <a:xfrm>
+            <a:off x="274320" y="5554687"/>
+            <a:ext cx="538930" cy="369332"/>
+          </a:xfrm>
+          <a:prstGeom prst="rect">
+            <a:avLst/>
+          </a:prstGeom>
+          <a:noFill/>
+        </p:spPr>
+        <p:txBody>
+          <a:bodyPr wrap="none" rtlCol="0">
+            <a:spAutoFit/>
+          </a:bodyPr>
+          <a:lstStyle/>
+          <a:p>
+            <a:r>
+              <a:rPr lang="pt-BR" dirty="0" smtClean="0"/>
+              <a:t>CEP</a:t>
+            </a:r>
+            <a:endParaRPr lang="pt-BR" dirty="0"/>
+          </a:p>
+        </p:txBody>
+      </p:sp>
+      <p:sp>
+        <p:nvSpPr>
+          <p:cNvPr id="25" name="Retângulo 24"/>
+          <p:cNvSpPr/>
+          <p:nvPr/>
+        </p:nvSpPr>
+        <p:spPr>
+          <a:xfrm>
+            <a:off x="274320" y="5861186"/>
+            <a:ext cx="5867534" cy="369332"/>
+          </a:xfrm>
+          <a:prstGeom prst="rect">
+            <a:avLst/>
+          </a:prstGeom>
+        </p:spPr>
+        <p:style>
+          <a:lnRef idx="2">
+            <a:schemeClr val="dk1"/>
+          </a:lnRef>
+          <a:fillRef idx="1">
+            <a:schemeClr val="lt1"/>
+          </a:fillRef>
+          <a:effectRef idx="0">
+            <a:schemeClr val="dk1"/>
+          </a:effectRef>
+          <a:fontRef idx="minor">
+            <a:schemeClr val="dk1"/>
+          </a:fontRef>
+        </p:style>
+        <p:txBody>
+          <a:bodyPr rtlCol="0" anchor="ctr"/>
+          <a:lstStyle/>
+          <a:p>
+            <a:pPr algn="ctr"/>
+            <a:endParaRPr lang="pt-BR"/>
+          </a:p>
+        </p:txBody>
+      </p:sp>
+      <p:sp>
+        <p:nvSpPr>
+          <p:cNvPr id="26" name="CaixaDeTexto 25"/>
+          <p:cNvSpPr txBox="1"/>
+          <p:nvPr/>
+        </p:nvSpPr>
+        <p:spPr>
+          <a:xfrm>
+            <a:off x="6324466" y="5554687"/>
+            <a:ext cx="2244768" cy="369332"/>
+          </a:xfrm>
+          <a:prstGeom prst="rect">
+            <a:avLst/>
+          </a:prstGeom>
+          <a:noFill/>
+        </p:spPr>
+        <p:txBody>
+          <a:bodyPr wrap="square" rtlCol="0">
+            <a:spAutoFit/>
+          </a:bodyPr>
+          <a:lstStyle/>
+          <a:p>
+            <a:r>
+              <a:rPr lang="pt-BR" dirty="0" smtClean="0"/>
+              <a:t>Nº e Complemento</a:t>
+            </a:r>
+            <a:endParaRPr lang="pt-BR" dirty="0"/>
+          </a:p>
+        </p:txBody>
+      </p:sp>
+      <p:sp>
+        <p:nvSpPr>
+          <p:cNvPr id="27" name="Retângulo 26"/>
+          <p:cNvSpPr/>
+          <p:nvPr/>
+        </p:nvSpPr>
+        <p:spPr>
+          <a:xfrm>
+            <a:off x="6324466" y="5861186"/>
+            <a:ext cx="3394300" cy="369332"/>
+          </a:xfrm>
+          <a:prstGeom prst="rect">
+            <a:avLst/>
+          </a:prstGeom>
+        </p:spPr>
+        <p:style>
+          <a:lnRef idx="2">
+            <a:schemeClr val="dk1"/>
+          </a:lnRef>
+          <a:fillRef idx="1">
+            <a:schemeClr val="lt1"/>
+          </a:fillRef>
+          <a:effectRef idx="0">
+            <a:schemeClr val="dk1"/>
+          </a:effectRef>
+          <a:fontRef idx="minor">
+            <a:schemeClr val="dk1"/>
+          </a:fontRef>
+        </p:style>
+        <p:txBody>
+          <a:bodyPr rtlCol="0" anchor="ctr"/>
+          <a:lstStyle/>
+          <a:p>
+            <a:pPr algn="ctr"/>
+            <a:endParaRPr lang="pt-BR"/>
+          </a:p>
+        </p:txBody>
+      </p:sp>
+      <p:sp>
+        <p:nvSpPr>
+          <p:cNvPr id="28" name="CaixaDeTexto 27"/>
+          <p:cNvSpPr txBox="1"/>
+          <p:nvPr/>
+        </p:nvSpPr>
+        <p:spPr>
+          <a:xfrm>
+            <a:off x="6324466" y="1260089"/>
+            <a:ext cx="2244768" cy="369332"/>
+          </a:xfrm>
+          <a:prstGeom prst="rect">
+            <a:avLst/>
+          </a:prstGeom>
+          <a:noFill/>
+        </p:spPr>
+        <p:txBody>
+          <a:bodyPr wrap="square" rtlCol="0">
+            <a:spAutoFit/>
+          </a:bodyPr>
+          <a:lstStyle/>
+          <a:p>
+            <a:r>
+              <a:rPr lang="pt-BR" dirty="0" smtClean="0"/>
+              <a:t>Tipo de Usuário</a:t>
+            </a:r>
+            <a:endParaRPr lang="pt-BR" dirty="0"/>
+          </a:p>
+        </p:txBody>
+      </p:sp>
+      <p:sp>
+        <p:nvSpPr>
+          <p:cNvPr id="29" name="Retângulo 28"/>
+          <p:cNvSpPr/>
+          <p:nvPr/>
+        </p:nvSpPr>
+        <p:spPr>
+          <a:xfrm>
+            <a:off x="6324466" y="1566588"/>
+            <a:ext cx="3394300" cy="369332"/>
+          </a:xfrm>
+          <a:prstGeom prst="rect">
+            <a:avLst/>
+          </a:prstGeom>
+        </p:spPr>
+        <p:style>
+          <a:lnRef idx="2">
+            <a:schemeClr val="dk1"/>
+          </a:lnRef>
+          <a:fillRef idx="1">
+            <a:schemeClr val="lt1"/>
+          </a:fillRef>
+          <a:effectRef idx="0">
+            <a:schemeClr val="dk1"/>
+          </a:effectRef>
+          <a:fontRef idx="minor">
+            <a:schemeClr val="dk1"/>
+          </a:fontRef>
+        </p:style>
+        <p:txBody>
+          <a:bodyPr rtlCol="0" anchor="ctr"/>
+          <a:lstStyle/>
+          <a:p>
+            <a:pPr algn="ctr"/>
+            <a:endParaRPr lang="pt-BR"/>
+          </a:p>
+        </p:txBody>
+      </p:sp>
+      <p:sp>
+        <p:nvSpPr>
+          <p:cNvPr id="32" name="Retângulo 31"/>
+          <p:cNvSpPr/>
+          <p:nvPr/>
+        </p:nvSpPr>
+        <p:spPr>
+          <a:xfrm>
+            <a:off x="9261566" y="1566588"/>
+            <a:ext cx="457200" cy="369332"/>
+          </a:xfrm>
+          <a:prstGeom prst="rect">
+            <a:avLst/>
+          </a:prstGeom>
+        </p:spPr>
+        <p:style>
+          <a:lnRef idx="2">
+            <a:schemeClr val="dk1"/>
+          </a:lnRef>
+          <a:fillRef idx="1">
+            <a:schemeClr val="lt1"/>
+          </a:fillRef>
+          <a:effectRef idx="0">
+            <a:schemeClr val="dk1"/>
+          </a:effectRef>
+          <a:fontRef idx="minor">
+            <a:schemeClr val="dk1"/>
+          </a:fontRef>
+        </p:style>
+        <p:txBody>
+          <a:bodyPr rtlCol="0" anchor="ctr"/>
+          <a:lstStyle/>
+          <a:p>
+            <a:pPr algn="ctr"/>
+            <a:endParaRPr lang="pt-BR"/>
+          </a:p>
+        </p:txBody>
+      </p:sp>
+      <p:sp>
+        <p:nvSpPr>
+          <p:cNvPr id="33" name="Triângulo isósceles 32"/>
+          <p:cNvSpPr/>
+          <p:nvPr/>
+        </p:nvSpPr>
+        <p:spPr>
+          <a:xfrm rot="10800000">
+            <a:off x="9313817" y="1571878"/>
+            <a:ext cx="352697" cy="358751"/>
+          </a:xfrm>
+          <a:prstGeom prst="triangle">
+            <a:avLst/>
+          </a:prstGeom>
+        </p:spPr>
+        <p:style>
+          <a:lnRef idx="2">
+            <a:schemeClr val="dk1">
+              <a:shade val="50000"/>
+            </a:schemeClr>
+          </a:lnRef>
+          <a:fillRef idx="1">
+            <a:schemeClr val="dk1"/>
+          </a:fillRef>
+          <a:effectRef idx="0">
+            <a:schemeClr val="dk1"/>
+          </a:effectRef>
+          <a:fontRef idx="minor">
+            <a:schemeClr val="lt1"/>
+          </a:fontRef>
+        </p:style>
+        <p:txBody>
+          <a:bodyPr rtlCol="0" anchor="ctr"/>
+          <a:lstStyle/>
+          <a:p>
+            <a:pPr algn="ctr"/>
+            <a:endParaRPr lang="pt-BR"/>
+          </a:p>
+        </p:txBody>
+      </p:sp>
+      <p:sp>
+        <p:nvSpPr>
+          <p:cNvPr id="35" name="Retângulo 34"/>
+          <p:cNvSpPr/>
+          <p:nvPr/>
+        </p:nvSpPr>
+        <p:spPr>
+          <a:xfrm>
+            <a:off x="6324466" y="1954505"/>
+            <a:ext cx="3394300" cy="369332"/>
+          </a:xfrm>
+          <a:prstGeom prst="rect">
+            <a:avLst/>
+          </a:prstGeom>
+        </p:spPr>
+        <p:style>
+          <a:lnRef idx="2">
+            <a:schemeClr val="dk1"/>
+          </a:lnRef>
+          <a:fillRef idx="1">
+            <a:schemeClr val="lt1"/>
+          </a:fillRef>
+          <a:effectRef idx="0">
+            <a:schemeClr val="dk1"/>
+          </a:effectRef>
+          <a:fontRef idx="minor">
+            <a:schemeClr val="dk1"/>
+          </a:fontRef>
+        </p:style>
+        <p:txBody>
+          <a:bodyPr rtlCol="0" anchor="ctr"/>
+          <a:lstStyle/>
+          <a:p>
+            <a:r>
+              <a:rPr lang="pt-BR" dirty="0" smtClean="0"/>
+              <a:t>Profissional</a:t>
+            </a:r>
+            <a:endParaRPr lang="pt-BR" dirty="0"/>
+          </a:p>
+        </p:txBody>
+      </p:sp>
+      <p:sp>
+        <p:nvSpPr>
+          <p:cNvPr id="36" name="Retângulo 35"/>
+          <p:cNvSpPr/>
+          <p:nvPr/>
+        </p:nvSpPr>
+        <p:spPr>
+          <a:xfrm>
+            <a:off x="6324466" y="2330679"/>
+            <a:ext cx="3394300" cy="369332"/>
+          </a:xfrm>
+          <a:prstGeom prst="rect">
+            <a:avLst/>
+          </a:prstGeom>
+        </p:spPr>
+        <p:style>
+          <a:lnRef idx="2">
+            <a:schemeClr val="dk1"/>
+          </a:lnRef>
+          <a:fillRef idx="1">
+            <a:schemeClr val="lt1"/>
+          </a:fillRef>
+          <a:effectRef idx="0">
+            <a:schemeClr val="dk1"/>
+          </a:effectRef>
+          <a:fontRef idx="minor">
+            <a:schemeClr val="dk1"/>
+          </a:fontRef>
+        </p:style>
+        <p:txBody>
+          <a:bodyPr rtlCol="0" anchor="ctr"/>
+          <a:lstStyle/>
+          <a:p>
+            <a:r>
+              <a:rPr lang="pt-BR" dirty="0" smtClean="0"/>
+              <a:t>Operador</a:t>
+            </a:r>
+            <a:endParaRPr lang="pt-BR" dirty="0"/>
+          </a:p>
+        </p:txBody>
+      </p:sp>
+      <p:sp>
+        <p:nvSpPr>
+          <p:cNvPr id="37" name="CaixaDeTexto 36"/>
+          <p:cNvSpPr txBox="1"/>
+          <p:nvPr/>
+        </p:nvSpPr>
+        <p:spPr>
+          <a:xfrm>
+            <a:off x="274320" y="2831019"/>
+            <a:ext cx="760144" cy="369332"/>
+          </a:xfrm>
+          <a:prstGeom prst="rect">
+            <a:avLst/>
+          </a:prstGeom>
+          <a:noFill/>
+        </p:spPr>
+        <p:txBody>
+          <a:bodyPr wrap="none" rtlCol="0">
+            <a:spAutoFit/>
+          </a:bodyPr>
+          <a:lstStyle/>
+          <a:p>
+            <a:r>
+              <a:rPr lang="pt-BR" dirty="0" smtClean="0"/>
+              <a:t>Senha</a:t>
+            </a:r>
+            <a:endParaRPr lang="pt-BR" dirty="0"/>
+          </a:p>
+        </p:txBody>
+      </p:sp>
+      <p:sp>
+        <p:nvSpPr>
+          <p:cNvPr id="38" name="Retângulo 37"/>
+          <p:cNvSpPr/>
+          <p:nvPr/>
+        </p:nvSpPr>
+        <p:spPr>
+          <a:xfrm>
+            <a:off x="274320" y="3137518"/>
+            <a:ext cx="5867534" cy="369332"/>
+          </a:xfrm>
+          <a:prstGeom prst="rect">
+            <a:avLst/>
+          </a:prstGeom>
+        </p:spPr>
+        <p:style>
+          <a:lnRef idx="2">
+            <a:schemeClr val="dk1"/>
+          </a:lnRef>
+          <a:fillRef idx="1">
+            <a:schemeClr val="lt1"/>
+          </a:fillRef>
+          <a:effectRef idx="0">
+            <a:schemeClr val="dk1"/>
+          </a:effectRef>
+          <a:fontRef idx="minor">
+            <a:schemeClr val="dk1"/>
+          </a:fontRef>
+        </p:style>
+        <p:txBody>
+          <a:bodyPr rtlCol="0" anchor="ctr"/>
+          <a:lstStyle/>
+          <a:p>
+            <a:pPr algn="ctr"/>
+            <a:endParaRPr lang="pt-BR"/>
+          </a:p>
+        </p:txBody>
+      </p:sp>
+      <p:sp>
+        <p:nvSpPr>
+          <p:cNvPr id="39" name="CaixaDeTexto 38"/>
+          <p:cNvSpPr txBox="1"/>
+          <p:nvPr/>
+        </p:nvSpPr>
+        <p:spPr>
+          <a:xfrm>
+            <a:off x="7946107" y="3694096"/>
+            <a:ext cx="1965218" cy="369332"/>
+          </a:xfrm>
+          <a:prstGeom prst="rect">
+            <a:avLst/>
+          </a:prstGeom>
+          <a:noFill/>
+        </p:spPr>
+        <p:txBody>
+          <a:bodyPr wrap="none" rtlCol="0">
+            <a:spAutoFit/>
+          </a:bodyPr>
+          <a:lstStyle/>
+          <a:p>
+            <a:r>
+              <a:rPr lang="pt-BR" dirty="0" smtClean="0"/>
+              <a:t>Horário de entrada</a:t>
+            </a:r>
+            <a:endParaRPr lang="pt-BR" dirty="0"/>
+          </a:p>
+        </p:txBody>
+      </p:sp>
+      <p:sp>
+        <p:nvSpPr>
+          <p:cNvPr id="40" name="Retângulo 39"/>
+          <p:cNvSpPr/>
+          <p:nvPr/>
+        </p:nvSpPr>
+        <p:spPr>
+          <a:xfrm>
+            <a:off x="8041210" y="4066584"/>
+            <a:ext cx="1056048" cy="369332"/>
+          </a:xfrm>
+          <a:prstGeom prst="rect">
+            <a:avLst/>
+          </a:prstGeom>
+        </p:spPr>
+        <p:style>
+          <a:lnRef idx="2">
+            <a:schemeClr val="dk1"/>
+          </a:lnRef>
+          <a:fillRef idx="1">
+            <a:schemeClr val="lt1"/>
+          </a:fillRef>
+          <a:effectRef idx="0">
+            <a:schemeClr val="dk1"/>
+          </a:effectRef>
+          <a:fontRef idx="minor">
+            <a:schemeClr val="dk1"/>
+          </a:fontRef>
+        </p:style>
+        <p:txBody>
+          <a:bodyPr rtlCol="0" anchor="ctr"/>
+          <a:lstStyle/>
+          <a:p>
+            <a:pPr algn="ctr"/>
+            <a:endParaRPr lang="pt-BR"/>
+          </a:p>
+        </p:txBody>
+      </p:sp>
+      <p:sp>
+        <p:nvSpPr>
+          <p:cNvPr id="41" name="CaixaDeTexto 40"/>
+          <p:cNvSpPr txBox="1"/>
+          <p:nvPr/>
+        </p:nvSpPr>
+        <p:spPr>
+          <a:xfrm>
+            <a:off x="7946107" y="2912370"/>
+            <a:ext cx="1720407" cy="369332"/>
+          </a:xfrm>
+          <a:prstGeom prst="rect">
+            <a:avLst/>
+          </a:prstGeom>
+          <a:noFill/>
+        </p:spPr>
+        <p:txBody>
+          <a:bodyPr wrap="none" rtlCol="0">
+            <a:spAutoFit/>
+          </a:bodyPr>
+          <a:lstStyle/>
+          <a:p>
+            <a:r>
+              <a:rPr lang="pt-BR" dirty="0" smtClean="0"/>
+              <a:t>Horário de saída</a:t>
+            </a:r>
+            <a:endParaRPr lang="pt-BR" dirty="0"/>
+          </a:p>
+        </p:txBody>
+      </p:sp>
+      <p:sp>
+        <p:nvSpPr>
+          <p:cNvPr id="42" name="Retângulo 41"/>
+          <p:cNvSpPr/>
+          <p:nvPr/>
+        </p:nvSpPr>
+        <p:spPr>
+          <a:xfrm>
+            <a:off x="8041210" y="3244930"/>
+            <a:ext cx="1056048" cy="369332"/>
+          </a:xfrm>
+          <a:prstGeom prst="rect">
+            <a:avLst/>
+          </a:prstGeom>
+        </p:spPr>
+        <p:style>
+          <a:lnRef idx="2">
+            <a:schemeClr val="dk1"/>
+          </a:lnRef>
+          <a:fillRef idx="1">
+            <a:schemeClr val="lt1"/>
+          </a:fillRef>
+          <a:effectRef idx="0">
+            <a:schemeClr val="dk1"/>
+          </a:effectRef>
+          <a:fontRef idx="minor">
+            <a:schemeClr val="dk1"/>
+          </a:fontRef>
+        </p:style>
+        <p:txBody>
+          <a:bodyPr rtlCol="0" anchor="ctr"/>
+          <a:lstStyle/>
+          <a:p>
+            <a:pPr algn="ctr"/>
+            <a:endParaRPr lang="pt-BR"/>
+          </a:p>
+        </p:txBody>
+      </p:sp>
+    </p:spTree>
+    <p:extLst>
+      <p:ext uri="{BB962C8B-B14F-4D97-AF65-F5344CB8AC3E}">
+        <p14:creationId xmlns:p14="http://schemas.microsoft.com/office/powerpoint/2010/main" val="3798934096"/>
+      </p:ext>
+    </p:extLst>
+  </p:cSld>
+  <p:clrMapOvr>
+    <a:masterClrMapping/>
+  </p:clrMapOvr>
+</p:sld>
+</file>
+
+<file path=ppt/slides/slide4.xml><?xml version="1.0" encoding="utf-8"?>
+<p:sld xmlns:a="http://schemas.openxmlformats.org/drawingml/2006/main" xmlns:r="http://schemas.openxmlformats.org/officeDocument/2006/relationships" xmlns:p="http://schemas.openxmlformats.org/presentationml/2006/main">
+  <p:cSld>
+    <p:spTree>
+      <p:nvGrpSpPr>
+        <p:cNvPr id="1" name=""/>
+        <p:cNvGrpSpPr/>
+        <p:nvPr/>
+      </p:nvGrpSpPr>
+      <p:grpSpPr>
+        <a:xfrm>
+          <a:off x="0" y="0"/>
+          <a:ext cx="0" cy="0"/>
+          <a:chOff x="0" y="0"/>
+          <a:chExt cx="0" cy="0"/>
+        </a:xfrm>
+      </p:grpSpPr>
+      <p:sp>
+        <p:nvSpPr>
+          <p:cNvPr id="4" name="Retângulo 3"/>
+          <p:cNvSpPr/>
+          <p:nvPr/>
+        </p:nvSpPr>
+        <p:spPr>
+          <a:xfrm>
+            <a:off x="0" y="0"/>
+            <a:ext cx="12192000" cy="640080"/>
+          </a:xfrm>
+          <a:prstGeom prst="rect">
+            <a:avLst/>
+          </a:prstGeom>
+          <a:ln w="76200"/>
+        </p:spPr>
+        <p:style>
+          <a:lnRef idx="2">
+            <a:schemeClr val="dk1"/>
+          </a:lnRef>
+          <a:fillRef idx="1">
+            <a:schemeClr val="lt1"/>
+          </a:fillRef>
+          <a:effectRef idx="0">
+            <a:schemeClr val="dk1"/>
+          </a:effectRef>
+          <a:fontRef idx="minor">
+            <a:schemeClr val="dk1"/>
+          </a:fontRef>
+        </p:style>
+        <p:txBody>
+          <a:bodyPr rtlCol="0" anchor="ctr"/>
+          <a:lstStyle/>
+          <a:p>
+            <a:pPr algn="ctr"/>
+            <a:endParaRPr lang="pt-BR" dirty="0"/>
+          </a:p>
+        </p:txBody>
+      </p:sp>
+      <p:sp>
+        <p:nvSpPr>
+          <p:cNvPr id="5" name="CaixaDeTexto 4"/>
+          <p:cNvSpPr txBox="1"/>
+          <p:nvPr/>
+        </p:nvSpPr>
+        <p:spPr>
+          <a:xfrm>
+            <a:off x="274320" y="98277"/>
+            <a:ext cx="909223" cy="369332"/>
+          </a:xfrm>
+          <a:prstGeom prst="rect">
+            <a:avLst/>
+          </a:prstGeom>
+          <a:noFill/>
+        </p:spPr>
+        <p:txBody>
+          <a:bodyPr wrap="none" rtlCol="0">
+            <a:spAutoFit/>
+          </a:bodyPr>
+          <a:lstStyle/>
+          <a:p>
+            <a:r>
+              <a:rPr lang="pt-BR" dirty="0" smtClean="0"/>
+              <a:t>Usuário</a:t>
+            </a:r>
+            <a:endParaRPr lang="pt-BR" dirty="0"/>
+          </a:p>
+        </p:txBody>
+      </p:sp>
+      <p:sp>
+        <p:nvSpPr>
+          <p:cNvPr id="6" name="CaixaDeTexto 5"/>
+          <p:cNvSpPr txBox="1"/>
+          <p:nvPr/>
+        </p:nvSpPr>
+        <p:spPr>
+          <a:xfrm>
+            <a:off x="1567543" y="98277"/>
+            <a:ext cx="984629" cy="369332"/>
+          </a:xfrm>
+          <a:prstGeom prst="rect">
+            <a:avLst/>
+          </a:prstGeom>
+          <a:noFill/>
+        </p:spPr>
+        <p:txBody>
+          <a:bodyPr wrap="none" rtlCol="0">
+            <a:spAutoFit/>
+          </a:bodyPr>
+          <a:lstStyle/>
+          <a:p>
+            <a:r>
+              <a:rPr lang="pt-BR" dirty="0" smtClean="0"/>
+              <a:t>Paciente</a:t>
+            </a:r>
+            <a:endParaRPr lang="pt-BR" dirty="0"/>
+          </a:p>
+        </p:txBody>
+      </p:sp>
+      <p:sp>
+        <p:nvSpPr>
+          <p:cNvPr id="7" name="CaixaDeTexto 6"/>
+          <p:cNvSpPr txBox="1"/>
+          <p:nvPr/>
+        </p:nvSpPr>
+        <p:spPr>
+          <a:xfrm>
+            <a:off x="2856152" y="87307"/>
+            <a:ext cx="1510478" cy="369332"/>
+          </a:xfrm>
+          <a:prstGeom prst="rect">
+            <a:avLst/>
+          </a:prstGeom>
+          <a:noFill/>
+        </p:spPr>
+        <p:txBody>
+          <a:bodyPr wrap="none" rtlCol="0">
+            <a:spAutoFit/>
+          </a:bodyPr>
+          <a:lstStyle/>
+          <a:p>
+            <a:r>
+              <a:rPr lang="pt-BR" dirty="0" smtClean="0"/>
+              <a:t>Agendamento</a:t>
+            </a:r>
+            <a:endParaRPr lang="pt-BR" dirty="0"/>
+          </a:p>
+        </p:txBody>
+      </p:sp>
+      <p:sp>
+        <p:nvSpPr>
+          <p:cNvPr id="8" name="CaixaDeTexto 7"/>
+          <p:cNvSpPr txBox="1"/>
+          <p:nvPr/>
+        </p:nvSpPr>
+        <p:spPr>
+          <a:xfrm>
+            <a:off x="4670611" y="98277"/>
+            <a:ext cx="992579" cy="369332"/>
+          </a:xfrm>
+          <a:prstGeom prst="rect">
+            <a:avLst/>
+          </a:prstGeom>
+          <a:noFill/>
+        </p:spPr>
+        <p:txBody>
+          <a:bodyPr wrap="none" rtlCol="0">
+            <a:spAutoFit/>
+          </a:bodyPr>
+          <a:lstStyle/>
+          <a:p>
+            <a:r>
+              <a:rPr lang="pt-BR" dirty="0" err="1" smtClean="0"/>
+              <a:t>Timeline</a:t>
+            </a:r>
+            <a:endParaRPr lang="pt-BR" dirty="0"/>
+          </a:p>
+        </p:txBody>
+      </p:sp>
+      <p:sp>
+        <p:nvSpPr>
+          <p:cNvPr id="9" name="CaixaDeTexto 8"/>
+          <p:cNvSpPr txBox="1"/>
+          <p:nvPr/>
+        </p:nvSpPr>
+        <p:spPr>
+          <a:xfrm>
+            <a:off x="4237093" y="838505"/>
+            <a:ext cx="1858586" cy="369332"/>
+          </a:xfrm>
+          <a:prstGeom prst="rect">
+            <a:avLst/>
+          </a:prstGeom>
+          <a:noFill/>
+        </p:spPr>
+        <p:txBody>
+          <a:bodyPr wrap="none" rtlCol="0">
+            <a:spAutoFit/>
+          </a:bodyPr>
+          <a:lstStyle/>
+          <a:p>
+            <a:r>
+              <a:rPr lang="pt-BR" smtClean="0"/>
+              <a:t>Consultar Usuario</a:t>
+            </a:r>
+            <a:endParaRPr lang="pt-BR" dirty="0"/>
+          </a:p>
+        </p:txBody>
+      </p:sp>
+      <p:sp>
+        <p:nvSpPr>
+          <p:cNvPr id="10" name="CaixaDeTexto 9"/>
+          <p:cNvSpPr txBox="1"/>
+          <p:nvPr/>
+        </p:nvSpPr>
+        <p:spPr>
+          <a:xfrm>
+            <a:off x="274320" y="3243858"/>
+            <a:ext cx="755335" cy="369332"/>
+          </a:xfrm>
+          <a:prstGeom prst="rect">
+            <a:avLst/>
+          </a:prstGeom>
+          <a:noFill/>
+        </p:spPr>
+        <p:txBody>
+          <a:bodyPr wrap="none" rtlCol="0">
+            <a:spAutoFit/>
+          </a:bodyPr>
+          <a:lstStyle/>
+          <a:p>
+            <a:r>
+              <a:rPr lang="pt-BR" dirty="0" smtClean="0"/>
+              <a:t>Nome</a:t>
+            </a:r>
+            <a:endParaRPr lang="pt-BR" dirty="0"/>
+          </a:p>
+        </p:txBody>
+      </p:sp>
+      <p:sp>
+        <p:nvSpPr>
+          <p:cNvPr id="11" name="Retângulo 10"/>
+          <p:cNvSpPr/>
+          <p:nvPr/>
+        </p:nvSpPr>
+        <p:spPr>
+          <a:xfrm>
+            <a:off x="274320" y="3550357"/>
+            <a:ext cx="5867534" cy="369332"/>
+          </a:xfrm>
+          <a:prstGeom prst="rect">
+            <a:avLst/>
+          </a:prstGeom>
+        </p:spPr>
+        <p:style>
+          <a:lnRef idx="2">
+            <a:schemeClr val="dk1"/>
+          </a:lnRef>
+          <a:fillRef idx="1">
+            <a:schemeClr val="lt1"/>
+          </a:fillRef>
+          <a:effectRef idx="0">
+            <a:schemeClr val="dk1"/>
+          </a:effectRef>
+          <a:fontRef idx="minor">
+            <a:schemeClr val="dk1"/>
+          </a:fontRef>
+        </p:style>
+        <p:txBody>
+          <a:bodyPr rtlCol="0" anchor="ctr"/>
+          <a:lstStyle/>
+          <a:p>
+            <a:pPr algn="ctr"/>
+            <a:endParaRPr lang="pt-BR"/>
+          </a:p>
+        </p:txBody>
+      </p:sp>
+      <p:sp>
+        <p:nvSpPr>
+          <p:cNvPr id="22" name="CaixaDeTexto 21"/>
+          <p:cNvSpPr txBox="1"/>
+          <p:nvPr/>
+        </p:nvSpPr>
+        <p:spPr>
+          <a:xfrm>
+            <a:off x="274320" y="1311510"/>
+            <a:ext cx="688009" cy="369332"/>
+          </a:xfrm>
+          <a:prstGeom prst="rect">
+            <a:avLst/>
+          </a:prstGeom>
+          <a:noFill/>
+        </p:spPr>
+        <p:txBody>
+          <a:bodyPr wrap="none" rtlCol="0">
+            <a:spAutoFit/>
+          </a:bodyPr>
+          <a:lstStyle/>
+          <a:p>
+            <a:r>
+              <a:rPr lang="pt-BR" smtClean="0"/>
+              <a:t>Login</a:t>
+            </a:r>
+            <a:endParaRPr lang="pt-BR" dirty="0"/>
+          </a:p>
+        </p:txBody>
+      </p:sp>
+      <p:sp>
+        <p:nvSpPr>
+          <p:cNvPr id="23" name="Retângulo 22"/>
+          <p:cNvSpPr/>
+          <p:nvPr/>
+        </p:nvSpPr>
+        <p:spPr>
+          <a:xfrm>
+            <a:off x="274320" y="1618009"/>
+            <a:ext cx="5867534" cy="369332"/>
+          </a:xfrm>
+          <a:prstGeom prst="rect">
+            <a:avLst/>
+          </a:prstGeom>
+        </p:spPr>
+        <p:style>
+          <a:lnRef idx="2">
+            <a:schemeClr val="dk1"/>
+          </a:lnRef>
+          <a:fillRef idx="1">
+            <a:schemeClr val="lt1"/>
+          </a:fillRef>
+          <a:effectRef idx="0">
+            <a:schemeClr val="dk1"/>
+          </a:effectRef>
+          <a:fontRef idx="minor">
+            <a:schemeClr val="dk1"/>
+          </a:fontRef>
+        </p:style>
+        <p:txBody>
+          <a:bodyPr rtlCol="0" anchor="ctr"/>
+          <a:lstStyle/>
+          <a:p>
+            <a:pPr algn="ctr"/>
+            <a:endParaRPr lang="pt-BR"/>
+          </a:p>
+        </p:txBody>
+      </p:sp>
+      <p:sp>
+        <p:nvSpPr>
+          <p:cNvPr id="24" name="CaixaDeTexto 23"/>
+          <p:cNvSpPr txBox="1"/>
+          <p:nvPr/>
+        </p:nvSpPr>
+        <p:spPr>
+          <a:xfrm>
+            <a:off x="274320" y="4637453"/>
+            <a:ext cx="538930" cy="369332"/>
+          </a:xfrm>
+          <a:prstGeom prst="rect">
+            <a:avLst/>
+          </a:prstGeom>
+          <a:noFill/>
+        </p:spPr>
+        <p:txBody>
+          <a:bodyPr wrap="none" rtlCol="0">
+            <a:spAutoFit/>
+          </a:bodyPr>
+          <a:lstStyle/>
+          <a:p>
+            <a:r>
+              <a:rPr lang="pt-BR" dirty="0" smtClean="0"/>
+              <a:t>CEP</a:t>
+            </a:r>
+            <a:endParaRPr lang="pt-BR" dirty="0"/>
+          </a:p>
+        </p:txBody>
+      </p:sp>
+      <p:sp>
+        <p:nvSpPr>
+          <p:cNvPr id="25" name="Retângulo 24"/>
+          <p:cNvSpPr/>
+          <p:nvPr/>
+        </p:nvSpPr>
+        <p:spPr>
+          <a:xfrm>
+            <a:off x="274320" y="4943952"/>
+            <a:ext cx="5867534" cy="369332"/>
+          </a:xfrm>
+          <a:prstGeom prst="rect">
+            <a:avLst/>
+          </a:prstGeom>
+        </p:spPr>
+        <p:style>
+          <a:lnRef idx="2">
+            <a:schemeClr val="dk1"/>
+          </a:lnRef>
+          <a:fillRef idx="1">
+            <a:schemeClr val="lt1"/>
+          </a:fillRef>
+          <a:effectRef idx="0">
+            <a:schemeClr val="dk1"/>
+          </a:effectRef>
+          <a:fontRef idx="minor">
+            <a:schemeClr val="dk1"/>
+          </a:fontRef>
+        </p:style>
+        <p:txBody>
+          <a:bodyPr rtlCol="0" anchor="ctr"/>
+          <a:lstStyle/>
+          <a:p>
+            <a:pPr algn="ctr"/>
+            <a:endParaRPr lang="pt-BR"/>
+          </a:p>
+        </p:txBody>
+      </p:sp>
+      <p:sp>
+        <p:nvSpPr>
+          <p:cNvPr id="26" name="CaixaDeTexto 25"/>
+          <p:cNvSpPr txBox="1"/>
+          <p:nvPr/>
+        </p:nvSpPr>
+        <p:spPr>
+          <a:xfrm>
+            <a:off x="6324466" y="4637453"/>
+            <a:ext cx="2244768" cy="369332"/>
+          </a:xfrm>
+          <a:prstGeom prst="rect">
+            <a:avLst/>
+          </a:prstGeom>
+          <a:noFill/>
+        </p:spPr>
+        <p:txBody>
+          <a:bodyPr wrap="square" rtlCol="0">
+            <a:spAutoFit/>
+          </a:bodyPr>
+          <a:lstStyle/>
+          <a:p>
+            <a:r>
+              <a:rPr lang="pt-BR" dirty="0" smtClean="0"/>
+              <a:t>Nº e Complemento</a:t>
+            </a:r>
+            <a:endParaRPr lang="pt-BR" dirty="0"/>
+          </a:p>
+        </p:txBody>
+      </p:sp>
+      <p:sp>
+        <p:nvSpPr>
+          <p:cNvPr id="27" name="Retângulo 26"/>
+          <p:cNvSpPr/>
+          <p:nvPr/>
+        </p:nvSpPr>
+        <p:spPr>
+          <a:xfrm>
+            <a:off x="6324466" y="4943952"/>
+            <a:ext cx="3394300" cy="369332"/>
+          </a:xfrm>
+          <a:prstGeom prst="rect">
+            <a:avLst/>
+          </a:prstGeom>
+        </p:spPr>
+        <p:style>
+          <a:lnRef idx="2">
+            <a:schemeClr val="dk1"/>
+          </a:lnRef>
+          <a:fillRef idx="1">
+            <a:schemeClr val="lt1"/>
+          </a:fillRef>
+          <a:effectRef idx="0">
+            <a:schemeClr val="dk1"/>
+          </a:effectRef>
+          <a:fontRef idx="minor">
+            <a:schemeClr val="dk1"/>
+          </a:fontRef>
+        </p:style>
+        <p:txBody>
+          <a:bodyPr rtlCol="0" anchor="ctr"/>
+          <a:lstStyle/>
+          <a:p>
+            <a:pPr algn="ctr"/>
+            <a:endParaRPr lang="pt-BR"/>
+          </a:p>
+        </p:txBody>
+      </p:sp>
+      <p:sp>
+        <p:nvSpPr>
+          <p:cNvPr id="28" name="CaixaDeTexto 27"/>
+          <p:cNvSpPr txBox="1"/>
+          <p:nvPr/>
+        </p:nvSpPr>
+        <p:spPr>
+          <a:xfrm>
+            <a:off x="6324466" y="3271769"/>
+            <a:ext cx="2244768" cy="369332"/>
+          </a:xfrm>
+          <a:prstGeom prst="rect">
+            <a:avLst/>
+          </a:prstGeom>
+          <a:noFill/>
+        </p:spPr>
+        <p:txBody>
+          <a:bodyPr wrap="square" rtlCol="0">
+            <a:spAutoFit/>
+          </a:bodyPr>
+          <a:lstStyle/>
+          <a:p>
+            <a:r>
+              <a:rPr lang="pt-BR" dirty="0" smtClean="0"/>
+              <a:t>Tipo de Usuário</a:t>
+            </a:r>
+            <a:endParaRPr lang="pt-BR" dirty="0"/>
+          </a:p>
+        </p:txBody>
+      </p:sp>
+      <p:sp>
+        <p:nvSpPr>
+          <p:cNvPr id="35" name="Retângulo 34"/>
+          <p:cNvSpPr/>
+          <p:nvPr/>
+        </p:nvSpPr>
+        <p:spPr>
+          <a:xfrm>
+            <a:off x="6324466" y="3572158"/>
+            <a:ext cx="3394300" cy="369332"/>
+          </a:xfrm>
+          <a:prstGeom prst="rect">
+            <a:avLst/>
+          </a:prstGeom>
+        </p:spPr>
+        <p:style>
+          <a:lnRef idx="2">
+            <a:schemeClr val="dk1"/>
+          </a:lnRef>
+          <a:fillRef idx="1">
+            <a:schemeClr val="lt1"/>
+          </a:fillRef>
+          <a:effectRef idx="0">
+            <a:schemeClr val="dk1"/>
+          </a:effectRef>
+          <a:fontRef idx="minor">
+            <a:schemeClr val="dk1"/>
+          </a:fontRef>
+        </p:style>
+        <p:txBody>
+          <a:bodyPr rtlCol="0" anchor="ctr"/>
+          <a:lstStyle/>
+          <a:p>
+            <a:endParaRPr lang="pt-BR" dirty="0"/>
+          </a:p>
+        </p:txBody>
+      </p:sp>
+      <p:sp>
+        <p:nvSpPr>
+          <p:cNvPr id="30" name="CaixaDeTexto 29"/>
+          <p:cNvSpPr txBox="1"/>
+          <p:nvPr/>
+        </p:nvSpPr>
+        <p:spPr>
+          <a:xfrm>
+            <a:off x="274320" y="2055896"/>
+            <a:ext cx="532518" cy="369332"/>
+          </a:xfrm>
+          <a:prstGeom prst="rect">
+            <a:avLst/>
+          </a:prstGeom>
+          <a:noFill/>
+        </p:spPr>
+        <p:txBody>
+          <a:bodyPr wrap="none" rtlCol="0">
+            <a:spAutoFit/>
+          </a:bodyPr>
+          <a:lstStyle/>
+          <a:p>
+            <a:r>
+              <a:rPr lang="pt-BR" dirty="0" smtClean="0"/>
+              <a:t>CPF</a:t>
+            </a:r>
+            <a:endParaRPr lang="pt-BR" dirty="0"/>
+          </a:p>
+        </p:txBody>
+      </p:sp>
+      <p:sp>
+        <p:nvSpPr>
+          <p:cNvPr id="31" name="Retângulo 30"/>
+          <p:cNvSpPr/>
+          <p:nvPr/>
+        </p:nvSpPr>
+        <p:spPr>
+          <a:xfrm>
+            <a:off x="274320" y="2362395"/>
+            <a:ext cx="5867534" cy="369332"/>
+          </a:xfrm>
+          <a:prstGeom prst="rect">
+            <a:avLst/>
+          </a:prstGeom>
+        </p:spPr>
+        <p:style>
+          <a:lnRef idx="2">
+            <a:schemeClr val="dk1"/>
+          </a:lnRef>
+          <a:fillRef idx="1">
+            <a:schemeClr val="lt1"/>
+          </a:fillRef>
+          <a:effectRef idx="0">
+            <a:schemeClr val="dk1"/>
+          </a:effectRef>
+          <a:fontRef idx="minor">
+            <a:schemeClr val="dk1"/>
+          </a:fontRef>
+        </p:style>
+        <p:txBody>
+          <a:bodyPr rtlCol="0" anchor="ctr"/>
+          <a:lstStyle/>
+          <a:p>
+            <a:pPr algn="ctr"/>
+            <a:endParaRPr lang="pt-BR"/>
+          </a:p>
+        </p:txBody>
+      </p:sp>
+      <p:sp>
+        <p:nvSpPr>
+          <p:cNvPr id="2" name="Retângulo 1"/>
+          <p:cNvSpPr/>
+          <p:nvPr/>
+        </p:nvSpPr>
+        <p:spPr>
+          <a:xfrm>
+            <a:off x="6324466" y="1618009"/>
+            <a:ext cx="389843" cy="369332"/>
+          </a:xfrm>
+          <a:prstGeom prst="rect">
+            <a:avLst/>
+          </a:prstGeom>
+        </p:spPr>
+        <p:style>
+          <a:lnRef idx="2">
+            <a:schemeClr val="dk1"/>
+          </a:lnRef>
+          <a:fillRef idx="1">
+            <a:schemeClr val="lt1"/>
+          </a:fillRef>
+          <a:effectRef idx="0">
+            <a:schemeClr val="dk1"/>
+          </a:effectRef>
+          <a:fontRef idx="minor">
+            <a:schemeClr val="dk1"/>
+          </a:fontRef>
+        </p:style>
+        <p:txBody>
+          <a:bodyPr rtlCol="0" anchor="ctr"/>
+          <a:lstStyle/>
+          <a:p>
+            <a:pPr algn="ctr"/>
+            <a:endParaRPr lang="pt-BR"/>
+          </a:p>
+        </p:txBody>
+      </p:sp>
+      <p:sp>
+        <p:nvSpPr>
+          <p:cNvPr id="3" name="Retângulo 2"/>
+          <p:cNvSpPr/>
+          <p:nvPr/>
+        </p:nvSpPr>
+        <p:spPr>
+          <a:xfrm>
+            <a:off x="6324466" y="2362395"/>
+            <a:ext cx="402905" cy="369332"/>
+          </a:xfrm>
+          <a:prstGeom prst="rect">
+            <a:avLst/>
+          </a:prstGeom>
+        </p:spPr>
+        <p:style>
+          <a:lnRef idx="2">
+            <a:schemeClr val="dk1"/>
+          </a:lnRef>
+          <a:fillRef idx="1">
+            <a:schemeClr val="lt1"/>
+          </a:fillRef>
+          <a:effectRef idx="0">
+            <a:schemeClr val="dk1"/>
+          </a:effectRef>
+          <a:fontRef idx="minor">
+            <a:schemeClr val="dk1"/>
+          </a:fontRef>
+        </p:style>
+        <p:txBody>
+          <a:bodyPr rtlCol="0" anchor="ctr"/>
+          <a:lstStyle/>
+          <a:p>
+            <a:pPr algn="ctr"/>
+            <a:endParaRPr lang="pt-BR" dirty="0"/>
+          </a:p>
+        </p:txBody>
+      </p:sp>
+    </p:spTree>
+    <p:extLst>
+      <p:ext uri="{BB962C8B-B14F-4D97-AF65-F5344CB8AC3E}">
+        <p14:creationId xmlns:p14="http://schemas.microsoft.com/office/powerpoint/2010/main" val="1053590910"/>
+      </p:ext>
+    </p:extLst>
+  </p:cSld>
+  <p:clrMapOvr>
+    <a:masterClrMapping/>
+  </p:clrMapOvr>
+</p:sld>
+</file>
+
+<file path=ppt/slides/slide5.xml><?xml version="1.0" encoding="utf-8"?>
+<p:sld xmlns:a="http://schemas.openxmlformats.org/drawingml/2006/main" xmlns:r="http://schemas.openxmlformats.org/officeDocument/2006/relationships" xmlns:p="http://schemas.openxmlformats.org/presentationml/2006/main">
+  <p:cSld>
+    <p:spTree>
+      <p:nvGrpSpPr>
+        <p:cNvPr id="1" name=""/>
+        <p:cNvGrpSpPr/>
+        <p:nvPr/>
+      </p:nvGrpSpPr>
+      <p:grpSpPr>
+        <a:xfrm>
+          <a:off x="0" y="0"/>
+          <a:ext cx="0" cy="0"/>
+          <a:chOff x="0" y="0"/>
+          <a:chExt cx="0" cy="0"/>
+        </a:xfrm>
+      </p:grpSpPr>
+      <p:sp>
+        <p:nvSpPr>
+          <p:cNvPr id="2" name="Retângulo 1"/>
+          <p:cNvSpPr/>
+          <p:nvPr/>
+        </p:nvSpPr>
+        <p:spPr>
+          <a:xfrm>
+            <a:off x="0" y="26126"/>
+            <a:ext cx="12192000" cy="640080"/>
+          </a:xfrm>
+          <a:prstGeom prst="rect">
+            <a:avLst/>
+          </a:prstGeom>
+          <a:ln w="76200"/>
+        </p:spPr>
+        <p:style>
+          <a:lnRef idx="2">
+            <a:schemeClr val="dk1"/>
+          </a:lnRef>
+          <a:fillRef idx="1">
+            <a:schemeClr val="lt1"/>
+          </a:fillRef>
+          <a:effectRef idx="0">
+            <a:schemeClr val="dk1"/>
+          </a:effectRef>
+          <a:fontRef idx="minor">
+            <a:schemeClr val="dk1"/>
+          </a:fontRef>
+        </p:style>
+        <p:txBody>
+          <a:bodyPr rtlCol="0" anchor="ctr"/>
+          <a:lstStyle/>
+          <a:p>
+            <a:pPr algn="ctr"/>
+            <a:endParaRPr lang="pt-BR" dirty="0"/>
+          </a:p>
+        </p:txBody>
+      </p:sp>
+      <p:sp>
+        <p:nvSpPr>
+          <p:cNvPr id="4" name="CaixaDeTexto 3"/>
+          <p:cNvSpPr txBox="1"/>
+          <p:nvPr/>
+        </p:nvSpPr>
+        <p:spPr>
+          <a:xfrm>
+            <a:off x="169817" y="135374"/>
+            <a:ext cx="909223" cy="369332"/>
+          </a:xfrm>
+          <a:prstGeom prst="rect">
+            <a:avLst/>
+          </a:prstGeom>
+          <a:noFill/>
+        </p:spPr>
+        <p:txBody>
+          <a:bodyPr wrap="none" rtlCol="0">
+            <a:spAutoFit/>
+          </a:bodyPr>
+          <a:lstStyle/>
+          <a:p>
+            <a:r>
+              <a:rPr lang="pt-BR" dirty="0" smtClean="0"/>
+              <a:t>Usuário</a:t>
+            </a:r>
+            <a:endParaRPr lang="pt-BR" dirty="0"/>
+          </a:p>
+        </p:txBody>
+      </p:sp>
+      <p:sp>
+        <p:nvSpPr>
+          <p:cNvPr id="5" name="CaixaDeTexto 4"/>
+          <p:cNvSpPr txBox="1"/>
+          <p:nvPr/>
+        </p:nvSpPr>
+        <p:spPr>
+          <a:xfrm>
+            <a:off x="1463040" y="135374"/>
+            <a:ext cx="984629" cy="369332"/>
+          </a:xfrm>
+          <a:prstGeom prst="rect">
+            <a:avLst/>
+          </a:prstGeom>
+          <a:noFill/>
+        </p:spPr>
+        <p:txBody>
+          <a:bodyPr wrap="none" rtlCol="0">
+            <a:spAutoFit/>
+          </a:bodyPr>
+          <a:lstStyle/>
+          <a:p>
+            <a:r>
+              <a:rPr lang="pt-BR" dirty="0" smtClean="0"/>
+              <a:t>Paciente</a:t>
+            </a:r>
+            <a:endParaRPr lang="pt-BR" dirty="0"/>
+          </a:p>
+        </p:txBody>
+      </p:sp>
+      <p:sp>
+        <p:nvSpPr>
+          <p:cNvPr id="6" name="CaixaDeTexto 5"/>
+          <p:cNvSpPr txBox="1"/>
+          <p:nvPr/>
+        </p:nvSpPr>
+        <p:spPr>
+          <a:xfrm>
+            <a:off x="2751649" y="135374"/>
+            <a:ext cx="1510478" cy="369332"/>
+          </a:xfrm>
+          <a:prstGeom prst="rect">
+            <a:avLst/>
+          </a:prstGeom>
+          <a:noFill/>
+        </p:spPr>
+        <p:txBody>
+          <a:bodyPr wrap="none" rtlCol="0">
+            <a:spAutoFit/>
+          </a:bodyPr>
+          <a:lstStyle/>
+          <a:p>
+            <a:r>
+              <a:rPr lang="pt-BR" dirty="0" smtClean="0"/>
+              <a:t>Agendamento</a:t>
+            </a:r>
+            <a:endParaRPr lang="pt-BR" dirty="0"/>
+          </a:p>
+        </p:txBody>
+      </p:sp>
+      <p:sp>
+        <p:nvSpPr>
+          <p:cNvPr id="7" name="CaixaDeTexto 6"/>
+          <p:cNvSpPr txBox="1"/>
+          <p:nvPr/>
+        </p:nvSpPr>
+        <p:spPr>
+          <a:xfrm>
+            <a:off x="4566108" y="135374"/>
+            <a:ext cx="992579" cy="369332"/>
+          </a:xfrm>
+          <a:prstGeom prst="rect">
+            <a:avLst/>
+          </a:prstGeom>
+          <a:noFill/>
+        </p:spPr>
+        <p:txBody>
+          <a:bodyPr wrap="none" rtlCol="0">
+            <a:spAutoFit/>
+          </a:bodyPr>
+          <a:lstStyle/>
+          <a:p>
+            <a:r>
+              <a:rPr lang="pt-BR" dirty="0" err="1" smtClean="0"/>
+              <a:t>Timeline</a:t>
+            </a:r>
+            <a:endParaRPr lang="pt-BR" dirty="0"/>
+          </a:p>
+        </p:txBody>
+      </p:sp>
+      <p:sp>
+        <p:nvSpPr>
+          <p:cNvPr id="15" name="CaixaDeTexto 14"/>
+          <p:cNvSpPr txBox="1"/>
+          <p:nvPr/>
+        </p:nvSpPr>
+        <p:spPr>
+          <a:xfrm>
+            <a:off x="4566108" y="775454"/>
+            <a:ext cx="2456250" cy="369332"/>
+          </a:xfrm>
+          <a:prstGeom prst="rect">
+            <a:avLst/>
+          </a:prstGeom>
+          <a:noFill/>
+        </p:spPr>
+        <p:txBody>
+          <a:bodyPr wrap="none" rtlCol="0">
+            <a:spAutoFit/>
+          </a:bodyPr>
+          <a:lstStyle/>
+          <a:p>
+            <a:r>
+              <a:rPr lang="pt-BR" dirty="0" smtClean="0"/>
+              <a:t>Adicionar Agendamento</a:t>
+            </a:r>
+            <a:endParaRPr lang="pt-BR" dirty="0"/>
+          </a:p>
+        </p:txBody>
+      </p:sp>
+      <p:sp>
+        <p:nvSpPr>
+          <p:cNvPr id="16" name="CaixaDeTexto 15"/>
+          <p:cNvSpPr txBox="1"/>
+          <p:nvPr/>
+        </p:nvSpPr>
+        <p:spPr>
+          <a:xfrm>
+            <a:off x="274320" y="1311510"/>
+            <a:ext cx="984629" cy="369332"/>
+          </a:xfrm>
+          <a:prstGeom prst="rect">
+            <a:avLst/>
+          </a:prstGeom>
+          <a:noFill/>
+        </p:spPr>
+        <p:txBody>
+          <a:bodyPr wrap="none" rtlCol="0">
+            <a:spAutoFit/>
+          </a:bodyPr>
+          <a:lstStyle/>
+          <a:p>
+            <a:r>
+              <a:rPr lang="pt-BR" dirty="0" smtClean="0"/>
+              <a:t>Paciente</a:t>
+            </a:r>
+            <a:endParaRPr lang="pt-BR" dirty="0"/>
+          </a:p>
+        </p:txBody>
+      </p:sp>
+      <p:sp>
+        <p:nvSpPr>
+          <p:cNvPr id="17" name="Retângulo 16"/>
+          <p:cNvSpPr/>
+          <p:nvPr/>
+        </p:nvSpPr>
+        <p:spPr>
+          <a:xfrm>
+            <a:off x="274320" y="1618009"/>
+            <a:ext cx="5867534" cy="369332"/>
+          </a:xfrm>
+          <a:prstGeom prst="rect">
+            <a:avLst/>
+          </a:prstGeom>
+        </p:spPr>
+        <p:style>
+          <a:lnRef idx="2">
+            <a:schemeClr val="dk1"/>
+          </a:lnRef>
+          <a:fillRef idx="1">
+            <a:schemeClr val="lt1"/>
+          </a:fillRef>
+          <a:effectRef idx="0">
+            <a:schemeClr val="dk1"/>
+          </a:effectRef>
+          <a:fontRef idx="minor">
+            <a:schemeClr val="dk1"/>
+          </a:fontRef>
+        </p:style>
+        <p:txBody>
+          <a:bodyPr rtlCol="0" anchor="ctr"/>
+          <a:lstStyle/>
+          <a:p>
+            <a:pPr algn="ctr"/>
+            <a:endParaRPr lang="pt-BR"/>
+          </a:p>
+        </p:txBody>
+      </p:sp>
+      <p:sp>
+        <p:nvSpPr>
+          <p:cNvPr id="18" name="CaixaDeTexto 17"/>
+          <p:cNvSpPr txBox="1"/>
+          <p:nvPr/>
+        </p:nvSpPr>
+        <p:spPr>
+          <a:xfrm>
+            <a:off x="274320" y="2096589"/>
+            <a:ext cx="1508811" cy="369332"/>
+          </a:xfrm>
+          <a:prstGeom prst="rect">
+            <a:avLst/>
+          </a:prstGeom>
+          <a:noFill/>
+        </p:spPr>
+        <p:txBody>
+          <a:bodyPr wrap="none" rtlCol="0">
+            <a:spAutoFit/>
+          </a:bodyPr>
+          <a:lstStyle/>
+          <a:p>
+            <a:r>
+              <a:rPr lang="pt-BR" dirty="0" smtClean="0"/>
+              <a:t>CPF - Paciente</a:t>
+            </a:r>
+            <a:endParaRPr lang="pt-BR" dirty="0"/>
+          </a:p>
+        </p:txBody>
+      </p:sp>
+      <p:sp>
+        <p:nvSpPr>
+          <p:cNvPr id="19" name="Retângulo 18"/>
+          <p:cNvSpPr/>
+          <p:nvPr/>
+        </p:nvSpPr>
+        <p:spPr>
+          <a:xfrm>
+            <a:off x="274320" y="2403088"/>
+            <a:ext cx="5867534" cy="369332"/>
+          </a:xfrm>
+          <a:prstGeom prst="rect">
+            <a:avLst/>
+          </a:prstGeom>
+        </p:spPr>
+        <p:style>
+          <a:lnRef idx="2">
+            <a:schemeClr val="dk1"/>
+          </a:lnRef>
+          <a:fillRef idx="1">
+            <a:schemeClr val="lt1"/>
+          </a:fillRef>
+          <a:effectRef idx="0">
+            <a:schemeClr val="dk1"/>
+          </a:effectRef>
+          <a:fontRef idx="minor">
+            <a:schemeClr val="dk1"/>
+          </a:fontRef>
+        </p:style>
+        <p:txBody>
+          <a:bodyPr rtlCol="0" anchor="ctr"/>
+          <a:lstStyle/>
+          <a:p>
+            <a:pPr algn="ctr"/>
+            <a:endParaRPr lang="pt-BR"/>
+          </a:p>
+        </p:txBody>
+      </p:sp>
+      <p:sp>
+        <p:nvSpPr>
+          <p:cNvPr id="23" name="Retângulo Arredondado 22"/>
+          <p:cNvSpPr/>
+          <p:nvPr/>
+        </p:nvSpPr>
+        <p:spPr>
+          <a:xfrm>
+            <a:off x="6290838" y="3069770"/>
+            <a:ext cx="1128865" cy="444137"/>
+          </a:xfrm>
+          <a:prstGeom prst="roundRect">
+            <a:avLst/>
+          </a:prstGeom>
+          <a:solidFill>
+            <a:srgbClr val="0070C0"/>
+          </a:solidFill>
+        </p:spPr>
+        <p:style>
+          <a:lnRef idx="2">
+            <a:schemeClr val="accent1">
+              <a:shade val="50000"/>
+            </a:schemeClr>
+          </a:lnRef>
+          <a:fillRef idx="1">
+            <a:schemeClr val="accent1"/>
+          </a:fillRef>
+          <a:effectRef idx="0">
+            <a:schemeClr val="accent1"/>
+          </a:effectRef>
+          <a:fontRef idx="minor">
+            <a:schemeClr val="lt1"/>
+          </a:fontRef>
+        </p:style>
+        <p:txBody>
+          <a:bodyPr rtlCol="0" anchor="ctr"/>
+          <a:lstStyle/>
+          <a:p>
+            <a:pPr algn="ctr"/>
+            <a:r>
+              <a:rPr lang="pt-BR" dirty="0" smtClean="0"/>
+              <a:t>Adicionar</a:t>
+            </a:r>
+            <a:endParaRPr lang="pt-BR" dirty="0"/>
+          </a:p>
+        </p:txBody>
+      </p:sp>
+    </p:spTree>
+    <p:extLst>
+      <p:ext uri="{BB962C8B-B14F-4D97-AF65-F5344CB8AC3E}">
+        <p14:creationId xmlns:p14="http://schemas.microsoft.com/office/powerpoint/2010/main" val="3308623550"/>
+      </p:ext>
+    </p:extLst>
+  </p:cSld>
+  <p:clrMapOvr>
+    <a:masterClrMapping/>
+  </p:clrMapOvr>
+</p:sld>
+</file>
+
+<file path=ppt/slides/slide6.xml><?xml version="1.0" encoding="utf-8"?>
+<p:sld xmlns:a="http://schemas.openxmlformats.org/drawingml/2006/main" xmlns:r="http://schemas.openxmlformats.org/officeDocument/2006/relationships" xmlns:p="http://schemas.openxmlformats.org/presentationml/2006/main">
+  <p:cSld>
+    <p:spTree>
+      <p:nvGrpSpPr>
+        <p:cNvPr id="1" name=""/>
+        <p:cNvGrpSpPr/>
+        <p:nvPr/>
+      </p:nvGrpSpPr>
+      <p:grpSpPr>
+        <a:xfrm>
+          <a:off x="0" y="0"/>
+          <a:ext cx="0" cy="0"/>
+          <a:chOff x="0" y="0"/>
+          <a:chExt cx="0" cy="0"/>
+        </a:xfrm>
+      </p:grpSpPr>
+      <p:sp>
+        <p:nvSpPr>
+          <p:cNvPr id="2" name="Retângulo 1"/>
+          <p:cNvSpPr/>
+          <p:nvPr/>
+        </p:nvSpPr>
+        <p:spPr>
+          <a:xfrm>
+            <a:off x="326571" y="182880"/>
+            <a:ext cx="9784080" cy="6583680"/>
+          </a:xfrm>
+          <a:prstGeom prst="rect">
+            <a:avLst/>
+          </a:prstGeom>
+        </p:spPr>
+        <p:style>
+          <a:lnRef idx="2">
+            <a:schemeClr val="dk1"/>
+          </a:lnRef>
+          <a:fillRef idx="1">
+            <a:schemeClr val="lt1"/>
+          </a:fillRef>
+          <a:effectRef idx="0">
+            <a:schemeClr val="dk1"/>
+          </a:effectRef>
+          <a:fontRef idx="minor">
+            <a:schemeClr val="dk1"/>
+          </a:fontRef>
+        </p:style>
+        <p:txBody>
+          <a:bodyPr rtlCol="0" anchor="ctr"/>
+          <a:lstStyle/>
+          <a:p>
+            <a:pPr algn="ctr"/>
+            <a:endParaRPr lang="pt-BR" dirty="0"/>
+          </a:p>
+        </p:txBody>
+      </p:sp>
+      <p:sp>
+        <p:nvSpPr>
+          <p:cNvPr id="3" name="Retângulo 2"/>
+          <p:cNvSpPr/>
+          <p:nvPr/>
+        </p:nvSpPr>
+        <p:spPr>
+          <a:xfrm>
+            <a:off x="666205" y="2233748"/>
+            <a:ext cx="4075612" cy="3304903"/>
+          </a:xfrm>
+          <a:prstGeom prst="rect">
+            <a:avLst/>
+          </a:prstGeom>
+        </p:spPr>
+        <p:style>
+          <a:lnRef idx="2">
+            <a:schemeClr val="dk1"/>
+          </a:lnRef>
+          <a:fillRef idx="1">
+            <a:schemeClr val="lt1"/>
+          </a:fillRef>
+          <a:effectRef idx="0">
+            <a:schemeClr val="dk1"/>
+          </a:effectRef>
+          <a:fontRef idx="minor">
+            <a:schemeClr val="dk1"/>
+          </a:fontRef>
+        </p:style>
+        <p:txBody>
+          <a:bodyPr rtlCol="0" anchor="ctr"/>
+          <a:lstStyle/>
+          <a:p>
+            <a:pPr algn="ctr"/>
+            <a:r>
+              <a:rPr lang="pt-BR" dirty="0" smtClean="0"/>
+              <a:t>Calendário</a:t>
+            </a:r>
+            <a:endParaRPr lang="pt-BR" dirty="0"/>
+          </a:p>
+        </p:txBody>
+      </p:sp>
+      <p:sp>
+        <p:nvSpPr>
+          <p:cNvPr id="4" name="CaixaDeTexto 3"/>
+          <p:cNvSpPr txBox="1"/>
+          <p:nvPr/>
+        </p:nvSpPr>
+        <p:spPr>
+          <a:xfrm>
+            <a:off x="483326" y="182880"/>
+            <a:ext cx="984629" cy="369332"/>
+          </a:xfrm>
+          <a:prstGeom prst="rect">
+            <a:avLst/>
+          </a:prstGeom>
+          <a:noFill/>
+        </p:spPr>
+        <p:txBody>
+          <a:bodyPr wrap="none" rtlCol="0">
+            <a:spAutoFit/>
+          </a:bodyPr>
+          <a:lstStyle/>
+          <a:p>
+            <a:r>
+              <a:rPr lang="pt-BR" dirty="0" smtClean="0"/>
+              <a:t>Paciente</a:t>
+            </a:r>
+            <a:endParaRPr lang="pt-BR" dirty="0"/>
+          </a:p>
+        </p:txBody>
+      </p:sp>
+      <p:sp>
+        <p:nvSpPr>
+          <p:cNvPr id="5" name="Retângulo 4"/>
+          <p:cNvSpPr/>
+          <p:nvPr/>
+        </p:nvSpPr>
+        <p:spPr>
+          <a:xfrm>
+            <a:off x="483326" y="489379"/>
+            <a:ext cx="4258491" cy="369332"/>
+          </a:xfrm>
+          <a:prstGeom prst="rect">
+            <a:avLst/>
+          </a:prstGeom>
+        </p:spPr>
+        <p:style>
+          <a:lnRef idx="2">
+            <a:schemeClr val="dk1"/>
+          </a:lnRef>
+          <a:fillRef idx="1">
+            <a:schemeClr val="lt1"/>
+          </a:fillRef>
+          <a:effectRef idx="0">
+            <a:schemeClr val="dk1"/>
+          </a:effectRef>
+          <a:fontRef idx="minor">
+            <a:schemeClr val="dk1"/>
+          </a:fontRef>
+        </p:style>
+        <p:txBody>
+          <a:bodyPr rtlCol="0" anchor="ctr"/>
+          <a:lstStyle/>
+          <a:p>
+            <a:pPr algn="ctr"/>
+            <a:endParaRPr lang="pt-BR"/>
+          </a:p>
+        </p:txBody>
+      </p:sp>
+      <p:sp>
+        <p:nvSpPr>
+          <p:cNvPr id="6" name="CaixaDeTexto 5"/>
+          <p:cNvSpPr txBox="1"/>
+          <p:nvPr/>
+        </p:nvSpPr>
+        <p:spPr>
+          <a:xfrm>
+            <a:off x="483326" y="1030247"/>
+            <a:ext cx="1264577" cy="369332"/>
+          </a:xfrm>
+          <a:prstGeom prst="rect">
+            <a:avLst/>
+          </a:prstGeom>
+          <a:noFill/>
+        </p:spPr>
+        <p:txBody>
+          <a:bodyPr wrap="none" rtlCol="0">
+            <a:spAutoFit/>
+          </a:bodyPr>
+          <a:lstStyle/>
+          <a:p>
+            <a:r>
+              <a:rPr lang="pt-BR" dirty="0" smtClean="0"/>
+              <a:t>Profissional</a:t>
+            </a:r>
+            <a:endParaRPr lang="pt-BR" dirty="0"/>
+          </a:p>
+        </p:txBody>
+      </p:sp>
+      <p:sp>
+        <p:nvSpPr>
+          <p:cNvPr id="7" name="Retângulo 6"/>
+          <p:cNvSpPr/>
+          <p:nvPr/>
+        </p:nvSpPr>
+        <p:spPr>
+          <a:xfrm>
+            <a:off x="483326" y="1336746"/>
+            <a:ext cx="4258491" cy="369332"/>
+          </a:xfrm>
+          <a:prstGeom prst="rect">
+            <a:avLst/>
+          </a:prstGeom>
+        </p:spPr>
+        <p:style>
+          <a:lnRef idx="2">
+            <a:schemeClr val="dk1"/>
+          </a:lnRef>
+          <a:fillRef idx="1">
+            <a:schemeClr val="lt1"/>
+          </a:fillRef>
+          <a:effectRef idx="0">
+            <a:schemeClr val="dk1"/>
+          </a:effectRef>
+          <a:fontRef idx="minor">
+            <a:schemeClr val="dk1"/>
+          </a:fontRef>
+        </p:style>
+        <p:txBody>
+          <a:bodyPr rtlCol="0" anchor="ctr"/>
+          <a:lstStyle/>
+          <a:p>
+            <a:pPr algn="ctr"/>
+            <a:endParaRPr lang="pt-BR"/>
+          </a:p>
+        </p:txBody>
+      </p:sp>
+      <p:grpSp>
+        <p:nvGrpSpPr>
+          <p:cNvPr id="23" name="Agrupar 22"/>
+          <p:cNvGrpSpPr/>
+          <p:nvPr/>
+        </p:nvGrpSpPr>
+        <p:grpSpPr>
+          <a:xfrm>
+            <a:off x="4898572" y="482368"/>
+            <a:ext cx="4284618" cy="5056283"/>
+            <a:chOff x="4898572" y="482368"/>
+            <a:chExt cx="4284618" cy="5056283"/>
+          </a:xfrm>
+        </p:grpSpPr>
+        <p:sp>
+          <p:nvSpPr>
+            <p:cNvPr id="8" name="Retângulo 7"/>
+            <p:cNvSpPr/>
+            <p:nvPr/>
+          </p:nvSpPr>
+          <p:spPr>
+            <a:xfrm>
+              <a:off x="4898573" y="489379"/>
+              <a:ext cx="4284617" cy="5049272"/>
+            </a:xfrm>
+            <a:prstGeom prst="rect">
+              <a:avLst/>
+            </a:prstGeom>
+          </p:spPr>
+          <p:style>
+            <a:lnRef idx="2">
+              <a:schemeClr val="dk1"/>
+            </a:lnRef>
+            <a:fillRef idx="1">
+              <a:schemeClr val="lt1"/>
+            </a:fillRef>
+            <a:effectRef idx="0">
+              <a:schemeClr val="dk1"/>
+            </a:effectRef>
+            <a:fontRef idx="minor">
+              <a:schemeClr val="dk1"/>
+            </a:fontRef>
+          </p:style>
+          <p:txBody>
+            <a:bodyPr rtlCol="0" anchor="ctr"/>
+            <a:lstStyle/>
+            <a:p>
+              <a:pPr algn="ctr"/>
+              <a:endParaRPr lang="pt-BR"/>
+            </a:p>
+          </p:txBody>
+        </p:sp>
+        <p:sp>
+          <p:nvSpPr>
+            <p:cNvPr id="10" name="Retângulo 9"/>
+            <p:cNvSpPr/>
+            <p:nvPr/>
+          </p:nvSpPr>
+          <p:spPr>
+            <a:xfrm>
+              <a:off x="4898572" y="5212081"/>
+              <a:ext cx="4284618" cy="326570"/>
+            </a:xfrm>
+            <a:prstGeom prst="rect">
+              <a:avLst/>
+            </a:prstGeom>
+          </p:spPr>
+          <p:style>
+            <a:lnRef idx="2">
+              <a:schemeClr val="dk1"/>
+            </a:lnRef>
+            <a:fillRef idx="1">
+              <a:schemeClr val="lt1"/>
+            </a:fillRef>
+            <a:effectRef idx="0">
+              <a:schemeClr val="dk1"/>
+            </a:effectRef>
+            <a:fontRef idx="minor">
+              <a:schemeClr val="dk1"/>
+            </a:fontRef>
+          </p:style>
+          <p:txBody>
+            <a:bodyPr rtlCol="0" anchor="ctr"/>
+            <a:lstStyle/>
+            <a:p>
+              <a:pPr algn="ctr"/>
+              <a:endParaRPr lang="pt-BR"/>
+            </a:p>
+          </p:txBody>
+        </p:sp>
+        <p:sp>
+          <p:nvSpPr>
+            <p:cNvPr id="11" name="Retângulo 10"/>
+            <p:cNvSpPr/>
+            <p:nvPr/>
+          </p:nvSpPr>
+          <p:spPr>
+            <a:xfrm>
+              <a:off x="4898572" y="489379"/>
+              <a:ext cx="4284618" cy="326570"/>
+            </a:xfrm>
+            <a:prstGeom prst="rect">
+              <a:avLst/>
+            </a:prstGeom>
+          </p:spPr>
+          <p:style>
+            <a:lnRef idx="2">
+              <a:schemeClr val="dk1"/>
+            </a:lnRef>
+            <a:fillRef idx="1">
+              <a:schemeClr val="lt1"/>
+            </a:fillRef>
+            <a:effectRef idx="0">
+              <a:schemeClr val="dk1"/>
+            </a:effectRef>
+            <a:fontRef idx="minor">
+              <a:schemeClr val="dk1"/>
+            </a:fontRef>
+          </p:style>
+          <p:txBody>
+            <a:bodyPr rtlCol="0" anchor="ctr"/>
+            <a:lstStyle/>
+            <a:p>
+              <a:pPr algn="ctr"/>
+              <a:endParaRPr lang="pt-BR"/>
+            </a:p>
+          </p:txBody>
+        </p:sp>
+        <p:sp>
+          <p:nvSpPr>
+            <p:cNvPr id="12" name="Triângulo isósceles 11"/>
+            <p:cNvSpPr/>
+            <p:nvPr/>
+          </p:nvSpPr>
+          <p:spPr>
+            <a:xfrm>
+              <a:off x="6819967" y="482368"/>
+              <a:ext cx="441826" cy="313508"/>
+            </a:xfrm>
+            <a:prstGeom prst="triangle">
+              <a:avLst/>
+            </a:prstGeom>
+          </p:spPr>
+          <p:style>
+            <a:lnRef idx="2">
+              <a:schemeClr val="dk1"/>
+            </a:lnRef>
+            <a:fillRef idx="1">
+              <a:schemeClr val="lt1"/>
+            </a:fillRef>
+            <a:effectRef idx="0">
+              <a:schemeClr val="dk1"/>
+            </a:effectRef>
+            <a:fontRef idx="minor">
+              <a:schemeClr val="dk1"/>
+            </a:fontRef>
+          </p:style>
+          <p:txBody>
+            <a:bodyPr rtlCol="0" anchor="ctr"/>
+            <a:lstStyle/>
+            <a:p>
+              <a:pPr algn="ctr"/>
+              <a:endParaRPr lang="pt-BR"/>
+            </a:p>
+          </p:txBody>
+        </p:sp>
+        <p:sp>
+          <p:nvSpPr>
+            <p:cNvPr id="13" name="Triângulo isósceles 12"/>
+            <p:cNvSpPr/>
+            <p:nvPr/>
+          </p:nvSpPr>
+          <p:spPr>
+            <a:xfrm rot="10800000">
+              <a:off x="6762190" y="5225143"/>
+              <a:ext cx="557381" cy="313508"/>
+            </a:xfrm>
+            <a:prstGeom prst="triangle">
+              <a:avLst/>
+            </a:prstGeom>
+          </p:spPr>
+          <p:style>
+            <a:lnRef idx="2">
+              <a:schemeClr val="dk1"/>
+            </a:lnRef>
+            <a:fillRef idx="1">
+              <a:schemeClr val="lt1"/>
+            </a:fillRef>
+            <a:effectRef idx="0">
+              <a:schemeClr val="dk1"/>
+            </a:effectRef>
+            <a:fontRef idx="minor">
+              <a:schemeClr val="dk1"/>
+            </a:fontRef>
+          </p:style>
+          <p:txBody>
+            <a:bodyPr rtlCol="0" anchor="ctr"/>
+            <a:lstStyle/>
+            <a:p>
+              <a:pPr algn="ctr"/>
+              <a:endParaRPr lang="pt-BR"/>
+            </a:p>
+          </p:txBody>
+        </p:sp>
+      </p:grpSp>
+      <p:sp>
+        <p:nvSpPr>
+          <p:cNvPr id="21" name="Retângulo 20"/>
+          <p:cNvSpPr/>
+          <p:nvPr/>
+        </p:nvSpPr>
+        <p:spPr>
+          <a:xfrm>
+            <a:off x="4898572" y="815949"/>
+            <a:ext cx="757647" cy="470264"/>
+          </a:xfrm>
+          <a:prstGeom prst="rect">
+            <a:avLst/>
+          </a:prstGeom>
+        </p:spPr>
+        <p:style>
+          <a:lnRef idx="2">
+            <a:schemeClr val="accent1">
+              <a:shade val="50000"/>
+            </a:schemeClr>
+          </a:lnRef>
+          <a:fillRef idx="1">
+            <a:schemeClr val="accent1"/>
+          </a:fillRef>
+          <a:effectRef idx="0">
+            <a:schemeClr val="accent1"/>
+          </a:effectRef>
+          <a:fontRef idx="minor">
+            <a:schemeClr val="lt1"/>
+          </a:fontRef>
+        </p:style>
+        <p:txBody>
+          <a:bodyPr rtlCol="0" anchor="ctr"/>
+          <a:lstStyle/>
+          <a:p>
+            <a:pPr algn="ctr"/>
+            <a:r>
+              <a:rPr lang="pt-BR" dirty="0" smtClean="0"/>
+              <a:t>00:00</a:t>
+            </a:r>
+            <a:endParaRPr lang="pt-BR" dirty="0"/>
+          </a:p>
+        </p:txBody>
+      </p:sp>
+      <p:sp>
+        <p:nvSpPr>
+          <p:cNvPr id="22" name="Retângulo 21"/>
+          <p:cNvSpPr/>
+          <p:nvPr/>
+        </p:nvSpPr>
+        <p:spPr>
+          <a:xfrm>
+            <a:off x="4898572" y="1293224"/>
+            <a:ext cx="757647" cy="470264"/>
+          </a:xfrm>
+          <a:prstGeom prst="rect">
+            <a:avLst/>
+          </a:prstGeom>
+        </p:spPr>
+        <p:style>
+          <a:lnRef idx="2">
+            <a:schemeClr val="accent1">
+              <a:shade val="50000"/>
+            </a:schemeClr>
+          </a:lnRef>
+          <a:fillRef idx="1">
+            <a:schemeClr val="accent1"/>
+          </a:fillRef>
+          <a:effectRef idx="0">
+            <a:schemeClr val="accent1"/>
+          </a:effectRef>
+          <a:fontRef idx="minor">
+            <a:schemeClr val="lt1"/>
+          </a:fontRef>
+        </p:style>
+        <p:txBody>
+          <a:bodyPr rtlCol="0" anchor="ctr"/>
+          <a:lstStyle/>
+          <a:p>
+            <a:pPr algn="ctr"/>
+            <a:r>
+              <a:rPr lang="pt-BR" dirty="0" smtClean="0"/>
+              <a:t>01:00</a:t>
+            </a:r>
+            <a:endParaRPr lang="pt-BR" dirty="0"/>
+          </a:p>
+        </p:txBody>
+      </p:sp>
+      <p:sp>
+        <p:nvSpPr>
+          <p:cNvPr id="24" name="Retângulo 23"/>
+          <p:cNvSpPr/>
+          <p:nvPr/>
+        </p:nvSpPr>
+        <p:spPr>
+          <a:xfrm>
+            <a:off x="4898572" y="1756473"/>
+            <a:ext cx="757647" cy="470264"/>
+          </a:xfrm>
+          <a:prstGeom prst="rect">
+            <a:avLst/>
+          </a:prstGeom>
+        </p:spPr>
+        <p:style>
+          <a:lnRef idx="2">
+            <a:schemeClr val="accent1">
+              <a:shade val="50000"/>
+            </a:schemeClr>
+          </a:lnRef>
+          <a:fillRef idx="1">
+            <a:schemeClr val="accent1"/>
+          </a:fillRef>
+          <a:effectRef idx="0">
+            <a:schemeClr val="accent1"/>
+          </a:effectRef>
+          <a:fontRef idx="minor">
+            <a:schemeClr val="lt1"/>
+          </a:fontRef>
+        </p:style>
+        <p:txBody>
+          <a:bodyPr rtlCol="0" anchor="ctr"/>
+          <a:lstStyle/>
+          <a:p>
+            <a:pPr algn="ctr"/>
+            <a:r>
+              <a:rPr lang="pt-BR" dirty="0" smtClean="0"/>
+              <a:t>02:00</a:t>
+            </a:r>
+            <a:endParaRPr lang="pt-BR" dirty="0"/>
+          </a:p>
+        </p:txBody>
+      </p:sp>
+      <p:sp>
+        <p:nvSpPr>
+          <p:cNvPr id="25" name="Retângulo 24"/>
+          <p:cNvSpPr/>
+          <p:nvPr/>
+        </p:nvSpPr>
+        <p:spPr>
+          <a:xfrm>
+            <a:off x="4898572" y="2233748"/>
+            <a:ext cx="757647" cy="470264"/>
+          </a:xfrm>
+          <a:prstGeom prst="rect">
+            <a:avLst/>
+          </a:prstGeom>
+        </p:spPr>
+        <p:style>
+          <a:lnRef idx="2">
+            <a:schemeClr val="accent1">
+              <a:shade val="50000"/>
+            </a:schemeClr>
+          </a:lnRef>
+          <a:fillRef idx="1">
+            <a:schemeClr val="accent1"/>
+          </a:fillRef>
+          <a:effectRef idx="0">
+            <a:schemeClr val="accent1"/>
+          </a:effectRef>
+          <a:fontRef idx="minor">
+            <a:schemeClr val="lt1"/>
+          </a:fontRef>
+        </p:style>
+        <p:txBody>
+          <a:bodyPr rtlCol="0" anchor="ctr"/>
+          <a:lstStyle/>
+          <a:p>
+            <a:pPr algn="ctr"/>
+            <a:r>
+              <a:rPr lang="pt-BR" dirty="0" smtClean="0"/>
+              <a:t>03:00</a:t>
+            </a:r>
+            <a:endParaRPr lang="pt-BR" dirty="0"/>
+          </a:p>
+        </p:txBody>
+      </p:sp>
+      <p:sp>
+        <p:nvSpPr>
+          <p:cNvPr id="26" name="Retângulo 25"/>
+          <p:cNvSpPr/>
+          <p:nvPr/>
+        </p:nvSpPr>
+        <p:spPr>
+          <a:xfrm>
+            <a:off x="4898572" y="2711023"/>
+            <a:ext cx="757647" cy="470264"/>
+          </a:xfrm>
+          <a:prstGeom prst="rect">
+            <a:avLst/>
+          </a:prstGeom>
+        </p:spPr>
+        <p:style>
+          <a:lnRef idx="2">
+            <a:schemeClr val="accent1">
+              <a:shade val="50000"/>
+            </a:schemeClr>
+          </a:lnRef>
+          <a:fillRef idx="1">
+            <a:schemeClr val="accent1"/>
+          </a:fillRef>
+          <a:effectRef idx="0">
+            <a:schemeClr val="accent1"/>
+          </a:effectRef>
+          <a:fontRef idx="minor">
+            <a:schemeClr val="lt1"/>
+          </a:fontRef>
+        </p:style>
+        <p:txBody>
+          <a:bodyPr rtlCol="0" anchor="ctr"/>
+          <a:lstStyle/>
+          <a:p>
+            <a:pPr algn="ctr"/>
+            <a:r>
+              <a:rPr lang="pt-BR" dirty="0" smtClean="0"/>
+              <a:t>04:00</a:t>
+            </a:r>
+            <a:endParaRPr lang="pt-BR" dirty="0"/>
+          </a:p>
+        </p:txBody>
+      </p:sp>
+      <p:sp>
+        <p:nvSpPr>
+          <p:cNvPr id="27" name="Retângulo 26"/>
+          <p:cNvSpPr/>
+          <p:nvPr/>
+        </p:nvSpPr>
+        <p:spPr>
+          <a:xfrm>
+            <a:off x="4898572" y="3188298"/>
+            <a:ext cx="757647" cy="470264"/>
+          </a:xfrm>
+          <a:prstGeom prst="rect">
+            <a:avLst/>
+          </a:prstGeom>
+        </p:spPr>
+        <p:style>
+          <a:lnRef idx="2">
+            <a:schemeClr val="accent1">
+              <a:shade val="50000"/>
+            </a:schemeClr>
+          </a:lnRef>
+          <a:fillRef idx="1">
+            <a:schemeClr val="accent1"/>
+          </a:fillRef>
+          <a:effectRef idx="0">
+            <a:schemeClr val="accent1"/>
+          </a:effectRef>
+          <a:fontRef idx="minor">
+            <a:schemeClr val="lt1"/>
+          </a:fontRef>
+        </p:style>
+        <p:txBody>
+          <a:bodyPr rtlCol="0" anchor="ctr"/>
+          <a:lstStyle/>
+          <a:p>
+            <a:pPr algn="ctr"/>
+            <a:r>
+              <a:rPr lang="pt-BR" dirty="0" smtClean="0"/>
+              <a:t>05:00</a:t>
+            </a:r>
+            <a:endParaRPr lang="pt-BR" dirty="0"/>
+          </a:p>
+        </p:txBody>
+      </p:sp>
+      <p:sp>
+        <p:nvSpPr>
+          <p:cNvPr id="28" name="Retângulo 27"/>
+          <p:cNvSpPr/>
+          <p:nvPr/>
+        </p:nvSpPr>
+        <p:spPr>
+          <a:xfrm>
+            <a:off x="4898572" y="3651547"/>
+            <a:ext cx="757647" cy="470264"/>
+          </a:xfrm>
+          <a:prstGeom prst="rect">
+            <a:avLst/>
+          </a:prstGeom>
+        </p:spPr>
+        <p:style>
+          <a:lnRef idx="2">
+            <a:schemeClr val="accent1">
+              <a:shade val="50000"/>
+            </a:schemeClr>
+          </a:lnRef>
+          <a:fillRef idx="1">
+            <a:schemeClr val="accent1"/>
+          </a:fillRef>
+          <a:effectRef idx="0">
+            <a:schemeClr val="accent1"/>
+          </a:effectRef>
+          <a:fontRef idx="minor">
+            <a:schemeClr val="lt1"/>
+          </a:fontRef>
+        </p:style>
+        <p:txBody>
+          <a:bodyPr rtlCol="0" anchor="ctr"/>
+          <a:lstStyle/>
+          <a:p>
+            <a:pPr algn="ctr"/>
+            <a:r>
+              <a:rPr lang="pt-BR" dirty="0" smtClean="0"/>
+              <a:t>06:00</a:t>
+            </a:r>
+            <a:endParaRPr lang="pt-BR" dirty="0"/>
+          </a:p>
+        </p:txBody>
+      </p:sp>
+      <p:sp>
+        <p:nvSpPr>
+          <p:cNvPr id="29" name="Retângulo 28"/>
+          <p:cNvSpPr/>
+          <p:nvPr/>
+        </p:nvSpPr>
+        <p:spPr>
+          <a:xfrm>
+            <a:off x="4898572" y="4128822"/>
+            <a:ext cx="757647" cy="470264"/>
+          </a:xfrm>
+          <a:prstGeom prst="rect">
+            <a:avLst/>
+          </a:prstGeom>
+        </p:spPr>
+        <p:style>
+          <a:lnRef idx="2">
+            <a:schemeClr val="accent1">
+              <a:shade val="50000"/>
+            </a:schemeClr>
+          </a:lnRef>
+          <a:fillRef idx="1">
+            <a:schemeClr val="accent1"/>
+          </a:fillRef>
+          <a:effectRef idx="0">
+            <a:schemeClr val="accent1"/>
+          </a:effectRef>
+          <a:fontRef idx="minor">
+            <a:schemeClr val="lt1"/>
+          </a:fontRef>
+        </p:style>
+        <p:txBody>
+          <a:bodyPr rtlCol="0" anchor="ctr"/>
+          <a:lstStyle/>
+          <a:p>
+            <a:pPr algn="ctr"/>
+            <a:r>
+              <a:rPr lang="pt-BR" dirty="0" smtClean="0"/>
+              <a:t>07:00</a:t>
+            </a:r>
+          </a:p>
+        </p:txBody>
+      </p:sp>
+      <p:sp>
+        <p:nvSpPr>
+          <p:cNvPr id="30" name="Retângulo 29"/>
+          <p:cNvSpPr/>
+          <p:nvPr/>
+        </p:nvSpPr>
+        <p:spPr>
+          <a:xfrm>
+            <a:off x="4898571" y="4585060"/>
+            <a:ext cx="757647" cy="470264"/>
+          </a:xfrm>
+          <a:prstGeom prst="rect">
+            <a:avLst/>
+          </a:prstGeom>
+        </p:spPr>
+        <p:style>
+          <a:lnRef idx="2">
+            <a:schemeClr val="accent1">
+              <a:shade val="50000"/>
+            </a:schemeClr>
+          </a:lnRef>
+          <a:fillRef idx="1">
+            <a:schemeClr val="accent1"/>
+          </a:fillRef>
+          <a:effectRef idx="0">
+            <a:schemeClr val="accent1"/>
+          </a:effectRef>
+          <a:fontRef idx="minor">
+            <a:schemeClr val="lt1"/>
+          </a:fontRef>
+        </p:style>
+        <p:txBody>
+          <a:bodyPr rtlCol="0" anchor="ctr"/>
+          <a:lstStyle/>
+          <a:p>
+            <a:pPr algn="ctr"/>
+            <a:r>
+              <a:rPr lang="pt-BR" dirty="0" smtClean="0"/>
+              <a:t>08:00</a:t>
+            </a:r>
+            <a:endParaRPr lang="pt-BR" dirty="0"/>
+          </a:p>
+        </p:txBody>
+      </p:sp>
+      <p:sp>
+        <p:nvSpPr>
+          <p:cNvPr id="31" name="Retângulo 30"/>
+          <p:cNvSpPr/>
+          <p:nvPr/>
+        </p:nvSpPr>
+        <p:spPr>
+          <a:xfrm>
+            <a:off x="4898571" y="5028235"/>
+            <a:ext cx="757647" cy="183845"/>
+          </a:xfrm>
+          <a:prstGeom prst="rect">
+            <a:avLst/>
+          </a:prstGeom>
+        </p:spPr>
+        <p:style>
+          <a:lnRef idx="2">
+            <a:schemeClr val="accent1">
+              <a:shade val="50000"/>
+            </a:schemeClr>
+          </a:lnRef>
+          <a:fillRef idx="1">
+            <a:schemeClr val="accent1"/>
+          </a:fillRef>
+          <a:effectRef idx="0">
+            <a:schemeClr val="accent1"/>
+          </a:effectRef>
+          <a:fontRef idx="minor">
+            <a:schemeClr val="lt1"/>
+          </a:fontRef>
+        </p:style>
+        <p:txBody>
+          <a:bodyPr rtlCol="0" anchor="ctr"/>
+          <a:lstStyle/>
+          <a:p>
+            <a:pPr algn="ctr"/>
+            <a:endParaRPr lang="pt-BR" dirty="0"/>
+          </a:p>
+        </p:txBody>
+      </p:sp>
+      <p:sp>
+        <p:nvSpPr>
+          <p:cNvPr id="32" name="Retângulo 31"/>
+          <p:cNvSpPr/>
+          <p:nvPr/>
+        </p:nvSpPr>
+        <p:spPr>
+          <a:xfrm>
+            <a:off x="5656218" y="815949"/>
+            <a:ext cx="3526972" cy="477275"/>
+          </a:xfrm>
+          <a:prstGeom prst="rect">
+            <a:avLst/>
+          </a:prstGeom>
+        </p:spPr>
+        <p:style>
+          <a:lnRef idx="2">
+            <a:schemeClr val="dk1"/>
+          </a:lnRef>
+          <a:fillRef idx="1">
+            <a:schemeClr val="lt1"/>
+          </a:fillRef>
+          <a:effectRef idx="0">
+            <a:schemeClr val="dk1"/>
+          </a:effectRef>
+          <a:fontRef idx="minor">
+            <a:schemeClr val="dk1"/>
+          </a:fontRef>
+        </p:style>
+        <p:txBody>
+          <a:bodyPr rtlCol="0" anchor="ctr"/>
+          <a:lstStyle/>
+          <a:p>
+            <a:pPr algn="ctr"/>
+            <a:r>
+              <a:rPr lang="pt-BR" dirty="0" smtClean="0"/>
+              <a:t>Indisponível</a:t>
+            </a:r>
+            <a:endParaRPr lang="pt-BR" dirty="0"/>
+          </a:p>
+        </p:txBody>
+      </p:sp>
+      <p:sp>
+        <p:nvSpPr>
+          <p:cNvPr id="33" name="Retângulo 32"/>
+          <p:cNvSpPr/>
+          <p:nvPr/>
+        </p:nvSpPr>
+        <p:spPr>
+          <a:xfrm>
+            <a:off x="5656218" y="1296248"/>
+            <a:ext cx="3526972" cy="477275"/>
+          </a:xfrm>
+          <a:prstGeom prst="rect">
+            <a:avLst/>
+          </a:prstGeom>
+        </p:spPr>
+        <p:style>
+          <a:lnRef idx="2">
+            <a:schemeClr val="dk1"/>
+          </a:lnRef>
+          <a:fillRef idx="1">
+            <a:schemeClr val="lt1"/>
+          </a:fillRef>
+          <a:effectRef idx="0">
+            <a:schemeClr val="dk1"/>
+          </a:effectRef>
+          <a:fontRef idx="minor">
+            <a:schemeClr val="dk1"/>
+          </a:fontRef>
+        </p:style>
+        <p:txBody>
+          <a:bodyPr rtlCol="0" anchor="ctr"/>
+          <a:lstStyle/>
+          <a:p>
+            <a:pPr algn="ctr"/>
+            <a:r>
+              <a:rPr lang="pt-BR" dirty="0" smtClean="0"/>
+              <a:t>Indisponível</a:t>
+            </a:r>
+            <a:endParaRPr lang="pt-BR" dirty="0"/>
+          </a:p>
+        </p:txBody>
+      </p:sp>
+      <p:sp>
+        <p:nvSpPr>
+          <p:cNvPr id="34" name="Retângulo 33"/>
+          <p:cNvSpPr/>
+          <p:nvPr/>
+        </p:nvSpPr>
+        <p:spPr>
+          <a:xfrm>
+            <a:off x="5656218" y="1748984"/>
+            <a:ext cx="3526972" cy="484283"/>
+          </a:xfrm>
+          <a:prstGeom prst="rect">
+            <a:avLst/>
+          </a:prstGeom>
+        </p:spPr>
+        <p:style>
+          <a:lnRef idx="2">
+            <a:schemeClr val="dk1"/>
+          </a:lnRef>
+          <a:fillRef idx="1">
+            <a:schemeClr val="lt1"/>
+          </a:fillRef>
+          <a:effectRef idx="0">
+            <a:schemeClr val="dk1"/>
+          </a:effectRef>
+          <a:fontRef idx="minor">
+            <a:schemeClr val="dk1"/>
+          </a:fontRef>
+        </p:style>
+        <p:txBody>
+          <a:bodyPr rtlCol="0" anchor="ctr"/>
+          <a:lstStyle/>
+          <a:p>
+            <a:pPr algn="ctr"/>
+            <a:r>
+              <a:rPr lang="pt-BR"/>
+              <a:t>Indisponível</a:t>
+            </a:r>
+            <a:endParaRPr lang="pt-BR" dirty="0"/>
+          </a:p>
+        </p:txBody>
+      </p:sp>
+      <p:sp>
+        <p:nvSpPr>
+          <p:cNvPr id="35" name="Retângulo 34"/>
+          <p:cNvSpPr/>
+          <p:nvPr/>
+        </p:nvSpPr>
+        <p:spPr>
+          <a:xfrm>
+            <a:off x="5656218" y="2236773"/>
+            <a:ext cx="3526972" cy="481264"/>
+          </a:xfrm>
+          <a:prstGeom prst="rect">
+            <a:avLst/>
+          </a:prstGeom>
+        </p:spPr>
+        <p:style>
+          <a:lnRef idx="2">
+            <a:schemeClr val="dk1"/>
+          </a:lnRef>
+          <a:fillRef idx="1">
+            <a:schemeClr val="lt1"/>
+          </a:fillRef>
+          <a:effectRef idx="0">
+            <a:schemeClr val="dk1"/>
+          </a:effectRef>
+          <a:fontRef idx="minor">
+            <a:schemeClr val="dk1"/>
+          </a:fontRef>
+        </p:style>
+        <p:txBody>
+          <a:bodyPr rtlCol="0" anchor="ctr"/>
+          <a:lstStyle/>
+          <a:p>
+            <a:pPr algn="ctr"/>
+            <a:r>
+              <a:rPr lang="pt-BR"/>
+              <a:t>Indisponível</a:t>
+            </a:r>
+            <a:endParaRPr lang="pt-BR" dirty="0"/>
+          </a:p>
+        </p:txBody>
+      </p:sp>
+      <p:sp>
+        <p:nvSpPr>
+          <p:cNvPr id="36" name="Retângulo 35"/>
+          <p:cNvSpPr/>
+          <p:nvPr/>
+        </p:nvSpPr>
+        <p:spPr>
+          <a:xfrm>
+            <a:off x="5656218" y="2707518"/>
+            <a:ext cx="3526972" cy="477275"/>
+          </a:xfrm>
+          <a:prstGeom prst="rect">
+            <a:avLst/>
+          </a:prstGeom>
+        </p:spPr>
+        <p:style>
+          <a:lnRef idx="2">
+            <a:schemeClr val="dk1"/>
+          </a:lnRef>
+          <a:fillRef idx="1">
+            <a:schemeClr val="lt1"/>
+          </a:fillRef>
+          <a:effectRef idx="0">
+            <a:schemeClr val="dk1"/>
+          </a:effectRef>
+          <a:fontRef idx="minor">
+            <a:schemeClr val="dk1"/>
+          </a:fontRef>
+        </p:style>
+        <p:txBody>
+          <a:bodyPr rtlCol="0" anchor="ctr"/>
+          <a:lstStyle/>
+          <a:p>
+            <a:pPr algn="ctr"/>
+            <a:r>
+              <a:rPr lang="pt-BR"/>
+              <a:t>Indisponível</a:t>
+            </a:r>
+            <a:endParaRPr lang="pt-BR" dirty="0"/>
+          </a:p>
+        </p:txBody>
+      </p:sp>
+      <p:sp>
+        <p:nvSpPr>
+          <p:cNvPr id="37" name="Retângulo 36"/>
+          <p:cNvSpPr/>
+          <p:nvPr/>
+        </p:nvSpPr>
+        <p:spPr>
+          <a:xfrm>
+            <a:off x="5656218" y="3187335"/>
+            <a:ext cx="3526972" cy="477275"/>
+          </a:xfrm>
+          <a:prstGeom prst="rect">
+            <a:avLst/>
+          </a:prstGeom>
+        </p:spPr>
+        <p:style>
+          <a:lnRef idx="2">
+            <a:schemeClr val="dk1"/>
+          </a:lnRef>
+          <a:fillRef idx="1">
+            <a:schemeClr val="lt1"/>
+          </a:fillRef>
+          <a:effectRef idx="0">
+            <a:schemeClr val="dk1"/>
+          </a:effectRef>
+          <a:fontRef idx="minor">
+            <a:schemeClr val="dk1"/>
+          </a:fontRef>
+        </p:style>
+        <p:txBody>
+          <a:bodyPr rtlCol="0" anchor="ctr"/>
+          <a:lstStyle/>
+          <a:p>
+            <a:pPr algn="ctr"/>
+            <a:r>
+              <a:rPr lang="pt-BR"/>
+              <a:t>Indisponível</a:t>
+            </a:r>
+            <a:endParaRPr lang="pt-BR" dirty="0"/>
+          </a:p>
+        </p:txBody>
+      </p:sp>
+      <p:sp>
+        <p:nvSpPr>
+          <p:cNvPr id="38" name="Retângulo 37"/>
+          <p:cNvSpPr/>
+          <p:nvPr/>
+        </p:nvSpPr>
+        <p:spPr>
+          <a:xfrm>
+            <a:off x="5656218" y="3653132"/>
+            <a:ext cx="3526972" cy="477275"/>
+          </a:xfrm>
+          <a:prstGeom prst="rect">
+            <a:avLst/>
+          </a:prstGeom>
+        </p:spPr>
+        <p:style>
+          <a:lnRef idx="2">
+            <a:schemeClr val="dk1"/>
+          </a:lnRef>
+          <a:fillRef idx="1">
+            <a:schemeClr val="lt1"/>
+          </a:fillRef>
+          <a:effectRef idx="0">
+            <a:schemeClr val="dk1"/>
+          </a:effectRef>
+          <a:fontRef idx="minor">
+            <a:schemeClr val="dk1"/>
+          </a:fontRef>
+        </p:style>
+        <p:txBody>
+          <a:bodyPr rtlCol="0" anchor="ctr"/>
+          <a:lstStyle/>
+          <a:p>
+            <a:pPr algn="ctr"/>
+            <a:r>
+              <a:rPr lang="pt-BR"/>
+              <a:t>Indisponível</a:t>
+            </a:r>
+            <a:endParaRPr lang="pt-BR" dirty="0"/>
+          </a:p>
+        </p:txBody>
+      </p:sp>
+      <p:sp>
+        <p:nvSpPr>
+          <p:cNvPr id="39" name="Retângulo 38"/>
+          <p:cNvSpPr/>
+          <p:nvPr/>
+        </p:nvSpPr>
+        <p:spPr>
+          <a:xfrm>
+            <a:off x="5656218" y="4131846"/>
+            <a:ext cx="3526972" cy="477275"/>
+          </a:xfrm>
+          <a:prstGeom prst="rect">
+            <a:avLst/>
+          </a:prstGeom>
+        </p:spPr>
+        <p:style>
+          <a:lnRef idx="2">
+            <a:schemeClr val="dk1"/>
+          </a:lnRef>
+          <a:fillRef idx="1">
+            <a:schemeClr val="lt1"/>
+          </a:fillRef>
+          <a:effectRef idx="0">
+            <a:schemeClr val="dk1"/>
+          </a:effectRef>
+          <a:fontRef idx="minor">
+            <a:schemeClr val="dk1"/>
+          </a:fontRef>
+        </p:style>
+        <p:txBody>
+          <a:bodyPr rtlCol="0" anchor="ctr"/>
+          <a:lstStyle/>
+          <a:p>
+            <a:pPr algn="ctr"/>
+            <a:r>
+              <a:rPr lang="pt-BR" dirty="0" smtClean="0"/>
+              <a:t>Valdemar Brito</a:t>
+            </a:r>
+            <a:endParaRPr lang="pt-BR" dirty="0"/>
+          </a:p>
+        </p:txBody>
+      </p:sp>
+      <p:sp>
+        <p:nvSpPr>
+          <p:cNvPr id="41" name="Retângulo 40"/>
+          <p:cNvSpPr/>
+          <p:nvPr/>
+        </p:nvSpPr>
+        <p:spPr>
+          <a:xfrm>
+            <a:off x="5658737" y="4578049"/>
+            <a:ext cx="3526972" cy="477275"/>
+          </a:xfrm>
+          <a:prstGeom prst="rect">
+            <a:avLst/>
+          </a:prstGeom>
+        </p:spPr>
+        <p:style>
+          <a:lnRef idx="2">
+            <a:schemeClr val="dk1"/>
+          </a:lnRef>
+          <a:fillRef idx="1">
+            <a:schemeClr val="lt1"/>
+          </a:fillRef>
+          <a:effectRef idx="0">
+            <a:schemeClr val="dk1"/>
+          </a:effectRef>
+          <a:fontRef idx="minor">
+            <a:schemeClr val="dk1"/>
+          </a:fontRef>
+        </p:style>
+        <p:txBody>
+          <a:bodyPr rtlCol="0" anchor="ctr"/>
+          <a:lstStyle/>
+          <a:p>
+            <a:pPr algn="ctr"/>
+            <a:endParaRPr lang="pt-BR"/>
+          </a:p>
+        </p:txBody>
+      </p:sp>
+      <p:sp>
+        <p:nvSpPr>
+          <p:cNvPr id="42" name="Retângulo Arredondado 41"/>
+          <p:cNvSpPr/>
+          <p:nvPr/>
+        </p:nvSpPr>
+        <p:spPr>
+          <a:xfrm>
+            <a:off x="8281853" y="5966218"/>
+            <a:ext cx="1502229" cy="404948"/>
+          </a:xfrm>
+          <a:prstGeom prst="roundRect">
+            <a:avLst/>
+          </a:prstGeom>
+        </p:spPr>
+        <p:style>
+          <a:lnRef idx="2">
+            <a:schemeClr val="accent1">
+              <a:shade val="50000"/>
+            </a:schemeClr>
+          </a:lnRef>
+          <a:fillRef idx="1">
+            <a:schemeClr val="accent1"/>
+          </a:fillRef>
+          <a:effectRef idx="0">
+            <a:schemeClr val="accent1"/>
+          </a:effectRef>
+          <a:fontRef idx="minor">
+            <a:schemeClr val="lt1"/>
+          </a:fontRef>
+        </p:style>
+        <p:txBody>
+          <a:bodyPr rtlCol="0" anchor="ctr"/>
+          <a:lstStyle/>
+          <a:p>
+            <a:pPr algn="ctr"/>
+            <a:r>
+              <a:rPr lang="pt-BR" dirty="0" smtClean="0"/>
+              <a:t>Confirmar</a:t>
+            </a:r>
+            <a:endParaRPr lang="pt-BR" dirty="0"/>
+          </a:p>
+        </p:txBody>
+      </p:sp>
+      <p:graphicFrame>
+        <p:nvGraphicFramePr>
+          <p:cNvPr id="43" name="Tabela 42"/>
+          <p:cNvGraphicFramePr>
+            <a:graphicFrameLocks noGrp="1"/>
+          </p:cNvGraphicFramePr>
+          <p:nvPr>
+            <p:extLst>
+              <p:ext uri="{D42A27DB-BD31-4B8C-83A1-F6EECF244321}">
+                <p14:modId xmlns:p14="http://schemas.microsoft.com/office/powerpoint/2010/main" val="3311133275"/>
+              </p:ext>
+            </p:extLst>
+          </p:nvPr>
+        </p:nvGraphicFramePr>
+        <p:xfrm>
+          <a:off x="663689" y="2718035"/>
+          <a:ext cx="4065068" cy="2820615"/>
+        </p:xfrm>
+        <a:graphic>
+          <a:graphicData uri="http://schemas.openxmlformats.org/drawingml/2006/table">
+            <a:tbl>
+              <a:tblPr firstRow="1" bandRow="1">
+                <a:tableStyleId>{5C22544A-7EE6-4342-B048-85BDC9FD1C3A}</a:tableStyleId>
+              </a:tblPr>
+              <a:tblGrid>
+                <a:gridCol w="580724">
+                  <a:extLst>
+                    <a:ext uri="{9D8B030D-6E8A-4147-A177-3AD203B41FA5}">
+                      <a16:colId xmlns:a16="http://schemas.microsoft.com/office/drawing/2014/main" val="2178240852"/>
+                    </a:ext>
+                  </a:extLst>
+                </a:gridCol>
+                <a:gridCol w="580724">
+                  <a:extLst>
+                    <a:ext uri="{9D8B030D-6E8A-4147-A177-3AD203B41FA5}">
+                      <a16:colId xmlns:a16="http://schemas.microsoft.com/office/drawing/2014/main" val="893968468"/>
+                    </a:ext>
+                  </a:extLst>
+                </a:gridCol>
+                <a:gridCol w="580724">
+                  <a:extLst>
+                    <a:ext uri="{9D8B030D-6E8A-4147-A177-3AD203B41FA5}">
+                      <a16:colId xmlns:a16="http://schemas.microsoft.com/office/drawing/2014/main" val="1780453"/>
+                    </a:ext>
+                  </a:extLst>
+                </a:gridCol>
+                <a:gridCol w="580724">
+                  <a:extLst>
+                    <a:ext uri="{9D8B030D-6E8A-4147-A177-3AD203B41FA5}">
+                      <a16:colId xmlns:a16="http://schemas.microsoft.com/office/drawing/2014/main" val="2198646424"/>
+                    </a:ext>
+                  </a:extLst>
+                </a:gridCol>
+                <a:gridCol w="580724">
+                  <a:extLst>
+                    <a:ext uri="{9D8B030D-6E8A-4147-A177-3AD203B41FA5}">
+                      <a16:colId xmlns:a16="http://schemas.microsoft.com/office/drawing/2014/main" val="3272303127"/>
+                    </a:ext>
+                  </a:extLst>
+                </a:gridCol>
+                <a:gridCol w="580724">
+                  <a:extLst>
+                    <a:ext uri="{9D8B030D-6E8A-4147-A177-3AD203B41FA5}">
+                      <a16:colId xmlns:a16="http://schemas.microsoft.com/office/drawing/2014/main" val="3651930426"/>
+                    </a:ext>
+                  </a:extLst>
+                </a:gridCol>
+                <a:gridCol w="580724">
+                  <a:extLst>
+                    <a:ext uri="{9D8B030D-6E8A-4147-A177-3AD203B41FA5}">
+                      <a16:colId xmlns:a16="http://schemas.microsoft.com/office/drawing/2014/main" val="152288878"/>
+                    </a:ext>
+                  </a:extLst>
+                </a:gridCol>
+              </a:tblGrid>
+              <a:tr h="564123">
+                <a:tc>
+                  <a:txBody>
+                    <a:bodyPr/>
+                    <a:lstStyle/>
+                    <a:p>
+                      <a:endParaRPr lang="pt-BR" dirty="0"/>
+                    </a:p>
+                  </a:txBody>
+                  <a:tcPr/>
+                </a:tc>
+                <a:tc>
+                  <a:txBody>
+                    <a:bodyPr/>
+                    <a:lstStyle/>
+                    <a:p>
+                      <a:endParaRPr lang="pt-BR"/>
+                    </a:p>
+                  </a:txBody>
+                  <a:tcPr/>
+                </a:tc>
+                <a:tc>
+                  <a:txBody>
+                    <a:bodyPr/>
+                    <a:lstStyle/>
+                    <a:p>
+                      <a:endParaRPr lang="pt-BR"/>
+                    </a:p>
+                  </a:txBody>
+                  <a:tcPr/>
+                </a:tc>
+                <a:tc>
+                  <a:txBody>
+                    <a:bodyPr/>
+                    <a:lstStyle/>
+                    <a:p>
+                      <a:endParaRPr lang="pt-BR"/>
+                    </a:p>
+                  </a:txBody>
+                  <a:tcPr/>
+                </a:tc>
+                <a:tc>
+                  <a:txBody>
+                    <a:bodyPr/>
+                    <a:lstStyle/>
+                    <a:p>
+                      <a:endParaRPr lang="pt-BR"/>
+                    </a:p>
+                  </a:txBody>
+                  <a:tcPr/>
+                </a:tc>
+                <a:tc>
+                  <a:txBody>
+                    <a:bodyPr/>
+                    <a:lstStyle/>
+                    <a:p>
+                      <a:endParaRPr lang="pt-BR"/>
+                    </a:p>
+                  </a:txBody>
+                  <a:tcPr/>
+                </a:tc>
+                <a:tc>
+                  <a:txBody>
+                    <a:bodyPr/>
+                    <a:lstStyle/>
+                    <a:p>
+                      <a:endParaRPr lang="pt-BR"/>
+                    </a:p>
+                  </a:txBody>
+                  <a:tcPr/>
+                </a:tc>
+                <a:extLst>
+                  <a:ext uri="{0D108BD9-81ED-4DB2-BD59-A6C34878D82A}">
+                    <a16:rowId xmlns:a16="http://schemas.microsoft.com/office/drawing/2014/main" val="3654838123"/>
+                  </a:ext>
+                </a:extLst>
+              </a:tr>
+              <a:tr h="564123">
+                <a:tc>
+                  <a:txBody>
+                    <a:bodyPr/>
+                    <a:lstStyle/>
+                    <a:p>
+                      <a:endParaRPr lang="pt-BR"/>
+                    </a:p>
+                  </a:txBody>
+                  <a:tcPr/>
+                </a:tc>
+                <a:tc>
+                  <a:txBody>
+                    <a:bodyPr/>
+                    <a:lstStyle/>
+                    <a:p>
+                      <a:endParaRPr lang="pt-BR"/>
+                    </a:p>
+                  </a:txBody>
+                  <a:tcPr/>
+                </a:tc>
+                <a:tc>
+                  <a:txBody>
+                    <a:bodyPr/>
+                    <a:lstStyle/>
+                    <a:p>
+                      <a:endParaRPr lang="pt-BR"/>
+                    </a:p>
+                  </a:txBody>
+                  <a:tcPr/>
+                </a:tc>
+                <a:tc>
+                  <a:txBody>
+                    <a:bodyPr/>
+                    <a:lstStyle/>
+                    <a:p>
+                      <a:endParaRPr lang="pt-BR"/>
+                    </a:p>
+                  </a:txBody>
+                  <a:tcPr/>
+                </a:tc>
+                <a:tc>
+                  <a:txBody>
+                    <a:bodyPr/>
+                    <a:lstStyle/>
+                    <a:p>
+                      <a:endParaRPr lang="pt-BR"/>
+                    </a:p>
+                  </a:txBody>
+                  <a:tcPr/>
+                </a:tc>
+                <a:tc>
+                  <a:txBody>
+                    <a:bodyPr/>
+                    <a:lstStyle/>
+                    <a:p>
+                      <a:endParaRPr lang="pt-BR"/>
+                    </a:p>
+                  </a:txBody>
+                  <a:tcPr/>
+                </a:tc>
+                <a:tc>
+                  <a:txBody>
+                    <a:bodyPr/>
+                    <a:lstStyle/>
+                    <a:p>
+                      <a:endParaRPr lang="pt-BR"/>
+                    </a:p>
+                  </a:txBody>
+                  <a:tcPr/>
+                </a:tc>
+                <a:extLst>
+                  <a:ext uri="{0D108BD9-81ED-4DB2-BD59-A6C34878D82A}">
+                    <a16:rowId xmlns:a16="http://schemas.microsoft.com/office/drawing/2014/main" val="916380572"/>
+                  </a:ext>
+                </a:extLst>
+              </a:tr>
+              <a:tr h="564123">
+                <a:tc>
+                  <a:txBody>
+                    <a:bodyPr/>
+                    <a:lstStyle/>
+                    <a:p>
+                      <a:endParaRPr lang="pt-BR"/>
+                    </a:p>
+                  </a:txBody>
+                  <a:tcPr/>
+                </a:tc>
+                <a:tc>
+                  <a:txBody>
+                    <a:bodyPr/>
+                    <a:lstStyle/>
+                    <a:p>
+                      <a:endParaRPr lang="pt-BR"/>
+                    </a:p>
+                  </a:txBody>
+                  <a:tcPr/>
+                </a:tc>
+                <a:tc>
+                  <a:txBody>
+                    <a:bodyPr/>
+                    <a:lstStyle/>
+                    <a:p>
+                      <a:endParaRPr lang="pt-BR"/>
+                    </a:p>
+                  </a:txBody>
+                  <a:tcPr/>
+                </a:tc>
+                <a:tc>
+                  <a:txBody>
+                    <a:bodyPr/>
+                    <a:lstStyle/>
+                    <a:p>
+                      <a:endParaRPr lang="pt-BR"/>
+                    </a:p>
+                  </a:txBody>
+                  <a:tcPr/>
+                </a:tc>
+                <a:tc>
+                  <a:txBody>
+                    <a:bodyPr/>
+                    <a:lstStyle/>
+                    <a:p>
+                      <a:endParaRPr lang="pt-BR"/>
+                    </a:p>
+                  </a:txBody>
+                  <a:tcPr/>
+                </a:tc>
+                <a:tc>
+                  <a:txBody>
+                    <a:bodyPr/>
+                    <a:lstStyle/>
+                    <a:p>
+                      <a:endParaRPr lang="pt-BR"/>
+                    </a:p>
+                  </a:txBody>
+                  <a:tcPr/>
+                </a:tc>
+                <a:tc>
+                  <a:txBody>
+                    <a:bodyPr/>
+                    <a:lstStyle/>
+                    <a:p>
+                      <a:endParaRPr lang="pt-BR"/>
+                    </a:p>
+                  </a:txBody>
+                  <a:tcPr/>
+                </a:tc>
+                <a:extLst>
+                  <a:ext uri="{0D108BD9-81ED-4DB2-BD59-A6C34878D82A}">
+                    <a16:rowId xmlns:a16="http://schemas.microsoft.com/office/drawing/2014/main" val="883338013"/>
+                  </a:ext>
+                </a:extLst>
+              </a:tr>
+              <a:tr h="564123">
+                <a:tc>
+                  <a:txBody>
+                    <a:bodyPr/>
+                    <a:lstStyle/>
+                    <a:p>
+                      <a:endParaRPr lang="pt-BR"/>
+                    </a:p>
+                  </a:txBody>
+                  <a:tcPr/>
+                </a:tc>
+                <a:tc>
+                  <a:txBody>
+                    <a:bodyPr/>
+                    <a:lstStyle/>
+                    <a:p>
+                      <a:endParaRPr lang="pt-BR"/>
+                    </a:p>
+                  </a:txBody>
+                  <a:tcPr/>
+                </a:tc>
+                <a:tc>
+                  <a:txBody>
+                    <a:bodyPr/>
+                    <a:lstStyle/>
+                    <a:p>
+                      <a:endParaRPr lang="pt-BR"/>
+                    </a:p>
+                  </a:txBody>
+                  <a:tcPr/>
+                </a:tc>
+                <a:tc>
+                  <a:txBody>
+                    <a:bodyPr/>
+                    <a:lstStyle/>
+                    <a:p>
+                      <a:endParaRPr lang="pt-BR"/>
+                    </a:p>
+                  </a:txBody>
+                  <a:tcPr/>
+                </a:tc>
+                <a:tc>
+                  <a:txBody>
+                    <a:bodyPr/>
+                    <a:lstStyle/>
+                    <a:p>
+                      <a:endParaRPr lang="pt-BR"/>
+                    </a:p>
+                  </a:txBody>
+                  <a:tcPr/>
+                </a:tc>
+                <a:tc>
+                  <a:txBody>
+                    <a:bodyPr/>
+                    <a:lstStyle/>
+                    <a:p>
+                      <a:endParaRPr lang="pt-BR" dirty="0"/>
+                    </a:p>
+                  </a:txBody>
+                  <a:tcPr/>
+                </a:tc>
+                <a:tc>
+                  <a:txBody>
+                    <a:bodyPr/>
+                    <a:lstStyle/>
+                    <a:p>
+                      <a:endParaRPr lang="pt-BR"/>
+                    </a:p>
+                  </a:txBody>
+                  <a:tcPr/>
+                </a:tc>
+                <a:extLst>
+                  <a:ext uri="{0D108BD9-81ED-4DB2-BD59-A6C34878D82A}">
+                    <a16:rowId xmlns:a16="http://schemas.microsoft.com/office/drawing/2014/main" val="392017305"/>
+                  </a:ext>
+                </a:extLst>
+              </a:tr>
+              <a:tr h="564123">
+                <a:tc>
+                  <a:txBody>
+                    <a:bodyPr/>
+                    <a:lstStyle/>
+                    <a:p>
+                      <a:endParaRPr lang="pt-BR"/>
+                    </a:p>
+                  </a:txBody>
+                  <a:tcPr/>
+                </a:tc>
+                <a:tc>
+                  <a:txBody>
+                    <a:bodyPr/>
+                    <a:lstStyle/>
+                    <a:p>
+                      <a:endParaRPr lang="pt-BR"/>
+                    </a:p>
+                  </a:txBody>
+                  <a:tcPr/>
+                </a:tc>
+                <a:tc>
+                  <a:txBody>
+                    <a:bodyPr/>
+                    <a:lstStyle/>
+                    <a:p>
+                      <a:endParaRPr lang="pt-BR"/>
+                    </a:p>
+                  </a:txBody>
+                  <a:tcPr/>
+                </a:tc>
+                <a:tc>
+                  <a:txBody>
+                    <a:bodyPr/>
+                    <a:lstStyle/>
+                    <a:p>
+                      <a:endParaRPr lang="pt-BR"/>
+                    </a:p>
+                  </a:txBody>
+                  <a:tcPr/>
+                </a:tc>
+                <a:tc>
+                  <a:txBody>
+                    <a:bodyPr/>
+                    <a:lstStyle/>
+                    <a:p>
+                      <a:endParaRPr lang="pt-BR"/>
+                    </a:p>
+                  </a:txBody>
+                  <a:tcPr/>
+                </a:tc>
+                <a:tc>
+                  <a:txBody>
+                    <a:bodyPr/>
+                    <a:lstStyle/>
+                    <a:p>
+                      <a:endParaRPr lang="pt-BR"/>
+                    </a:p>
+                  </a:txBody>
+                  <a:tcPr/>
+                </a:tc>
+                <a:tc>
+                  <a:txBody>
+                    <a:bodyPr/>
+                    <a:lstStyle/>
+                    <a:p>
+                      <a:endParaRPr lang="pt-BR" dirty="0"/>
+                    </a:p>
+                  </a:txBody>
+                  <a:tcPr/>
+                </a:tc>
+                <a:extLst>
+                  <a:ext uri="{0D108BD9-81ED-4DB2-BD59-A6C34878D82A}">
+                    <a16:rowId xmlns:a16="http://schemas.microsoft.com/office/drawing/2014/main" val="2124904493"/>
+                  </a:ext>
+                </a:extLst>
+              </a:tr>
+            </a:tbl>
+          </a:graphicData>
+        </a:graphic>
+      </p:graphicFrame>
+      <p:sp>
+        <p:nvSpPr>
+          <p:cNvPr id="44" name="Retângulo 43"/>
+          <p:cNvSpPr/>
+          <p:nvPr/>
+        </p:nvSpPr>
+        <p:spPr>
+          <a:xfrm>
+            <a:off x="1449976" y="2247048"/>
+            <a:ext cx="2508069" cy="470745"/>
+          </a:xfrm>
+          <a:prstGeom prst="rect">
+            <a:avLst/>
+          </a:prstGeom>
+        </p:spPr>
+        <p:style>
+          <a:lnRef idx="2">
+            <a:schemeClr val="accent1">
+              <a:shade val="50000"/>
+            </a:schemeClr>
+          </a:lnRef>
+          <a:fillRef idx="1">
+            <a:schemeClr val="accent1"/>
+          </a:fillRef>
+          <a:effectRef idx="0">
+            <a:schemeClr val="accent1"/>
+          </a:effectRef>
+          <a:fontRef idx="minor">
+            <a:schemeClr val="lt1"/>
+          </a:fontRef>
+        </p:style>
+        <p:txBody>
+          <a:bodyPr rtlCol="0" anchor="ctr"/>
+          <a:lstStyle/>
+          <a:p>
+            <a:pPr algn="ctr"/>
+            <a:r>
+              <a:rPr lang="pt-BR" dirty="0" smtClean="0"/>
+              <a:t>Mês</a:t>
+            </a:r>
+            <a:endParaRPr lang="pt-BR" dirty="0"/>
+          </a:p>
+        </p:txBody>
+      </p:sp>
+      <p:sp>
+        <p:nvSpPr>
+          <p:cNvPr id="45" name="Seta para a Direita 44"/>
+          <p:cNvSpPr/>
+          <p:nvPr/>
+        </p:nvSpPr>
+        <p:spPr>
+          <a:xfrm>
+            <a:off x="4193174" y="2264820"/>
+            <a:ext cx="470261" cy="439192"/>
+          </a:xfrm>
+          <a:prstGeom prst="rightArrow">
+            <a:avLst/>
+          </a:prstGeom>
+        </p:spPr>
+        <p:style>
+          <a:lnRef idx="2">
+            <a:schemeClr val="accent1">
+              <a:shade val="50000"/>
+            </a:schemeClr>
+          </a:lnRef>
+          <a:fillRef idx="1">
+            <a:schemeClr val="accent1"/>
+          </a:fillRef>
+          <a:effectRef idx="0">
+            <a:schemeClr val="accent1"/>
+          </a:effectRef>
+          <a:fontRef idx="minor">
+            <a:schemeClr val="lt1"/>
+          </a:fontRef>
+        </p:style>
+        <p:txBody>
+          <a:bodyPr rtlCol="0" anchor="ctr"/>
+          <a:lstStyle/>
+          <a:p>
+            <a:pPr algn="ctr"/>
+            <a:endParaRPr lang="pt-BR"/>
+          </a:p>
+        </p:txBody>
+      </p:sp>
+      <p:sp>
+        <p:nvSpPr>
+          <p:cNvPr id="46" name="Seta para a Direita 45"/>
+          <p:cNvSpPr/>
+          <p:nvPr/>
+        </p:nvSpPr>
+        <p:spPr>
+          <a:xfrm rot="10800000">
+            <a:off x="744583" y="2264820"/>
+            <a:ext cx="470263" cy="453214"/>
+          </a:xfrm>
+          <a:prstGeom prst="rightArrow">
+            <a:avLst/>
+          </a:prstGeom>
+        </p:spPr>
+        <p:style>
+          <a:lnRef idx="2">
+            <a:schemeClr val="accent1">
+              <a:shade val="50000"/>
+            </a:schemeClr>
+          </a:lnRef>
+          <a:fillRef idx="1">
+            <a:schemeClr val="accent1"/>
+          </a:fillRef>
+          <a:effectRef idx="0">
+            <a:schemeClr val="accent1"/>
+          </a:effectRef>
+          <a:fontRef idx="minor">
+            <a:schemeClr val="lt1"/>
+          </a:fontRef>
+        </p:style>
+        <p:txBody>
+          <a:bodyPr rtlCol="0" anchor="ctr"/>
+          <a:lstStyle/>
+          <a:p>
+            <a:pPr algn="ctr"/>
+            <a:endParaRPr lang="pt-BR"/>
+          </a:p>
+        </p:txBody>
+      </p:sp>
+    </p:spTree>
+    <p:extLst>
+      <p:ext uri="{BB962C8B-B14F-4D97-AF65-F5344CB8AC3E}">
+        <p14:creationId xmlns:p14="http://schemas.microsoft.com/office/powerpoint/2010/main" val="604058880"/>
+      </p:ext>
+    </p:extLst>
+  </p:cSld>
+  <p:clrMapOvr>
+    <a:masterClrMapping/>
+  </p:clrMapOvr>
+</p:sld>
+</file>
+
+<file path=ppt/slides/slide7.xml><?xml version="1.0" encoding="utf-8"?>
+<p:sld xmlns:a="http://schemas.openxmlformats.org/drawingml/2006/main" xmlns:r="http://schemas.openxmlformats.org/officeDocument/2006/relationships" xmlns:p="http://schemas.openxmlformats.org/presentationml/2006/main">
+  <p:cSld>
+    <p:spTree>
+      <p:nvGrpSpPr>
+        <p:cNvPr id="1" name=""/>
+        <p:cNvGrpSpPr/>
+        <p:nvPr/>
+      </p:nvGrpSpPr>
+      <p:grpSpPr>
+        <a:xfrm>
+          <a:off x="0" y="0"/>
+          <a:ext cx="0" cy="0"/>
+          <a:chOff x="0" y="0"/>
+          <a:chExt cx="0" cy="0"/>
+        </a:xfrm>
+      </p:grpSpPr>
+      <p:sp>
+        <p:nvSpPr>
+          <p:cNvPr id="2" name="Retângulo 1"/>
+          <p:cNvSpPr/>
+          <p:nvPr/>
+        </p:nvSpPr>
+        <p:spPr>
+          <a:xfrm>
+            <a:off x="0" y="26126"/>
+            <a:ext cx="12192000" cy="640080"/>
+          </a:xfrm>
+          <a:prstGeom prst="rect">
+            <a:avLst/>
+          </a:prstGeom>
+          <a:ln w="76200"/>
+        </p:spPr>
+        <p:style>
+          <a:lnRef idx="2">
+            <a:schemeClr val="dk1"/>
+          </a:lnRef>
+          <a:fillRef idx="1">
+            <a:schemeClr val="lt1"/>
+          </a:fillRef>
+          <a:effectRef idx="0">
+            <a:schemeClr val="dk1"/>
+          </a:effectRef>
+          <a:fontRef idx="minor">
+            <a:schemeClr val="dk1"/>
+          </a:fontRef>
+        </p:style>
+        <p:txBody>
+          <a:bodyPr rtlCol="0" anchor="ctr"/>
+          <a:lstStyle/>
+          <a:p>
+            <a:pPr algn="ctr"/>
+            <a:endParaRPr lang="pt-BR" dirty="0"/>
+          </a:p>
+        </p:txBody>
+      </p:sp>
+      <p:sp>
+        <p:nvSpPr>
+          <p:cNvPr id="4" name="CaixaDeTexto 3"/>
+          <p:cNvSpPr txBox="1"/>
+          <p:nvPr/>
+        </p:nvSpPr>
+        <p:spPr>
+          <a:xfrm>
+            <a:off x="169817" y="135374"/>
+            <a:ext cx="909223" cy="369332"/>
+          </a:xfrm>
+          <a:prstGeom prst="rect">
+            <a:avLst/>
+          </a:prstGeom>
+          <a:noFill/>
+        </p:spPr>
+        <p:txBody>
+          <a:bodyPr wrap="none" rtlCol="0">
+            <a:spAutoFit/>
+          </a:bodyPr>
+          <a:lstStyle/>
+          <a:p>
+            <a:r>
+              <a:rPr lang="pt-BR" dirty="0" smtClean="0"/>
+              <a:t>Usuário</a:t>
+            </a:r>
+            <a:endParaRPr lang="pt-BR" dirty="0"/>
+          </a:p>
+        </p:txBody>
+      </p:sp>
+      <p:sp>
+        <p:nvSpPr>
+          <p:cNvPr id="5" name="CaixaDeTexto 4"/>
+          <p:cNvSpPr txBox="1"/>
+          <p:nvPr/>
+        </p:nvSpPr>
+        <p:spPr>
+          <a:xfrm>
+            <a:off x="1463040" y="135374"/>
+            <a:ext cx="984629" cy="369332"/>
+          </a:xfrm>
+          <a:prstGeom prst="rect">
+            <a:avLst/>
+          </a:prstGeom>
+          <a:noFill/>
+        </p:spPr>
+        <p:txBody>
+          <a:bodyPr wrap="none" rtlCol="0">
+            <a:spAutoFit/>
+          </a:bodyPr>
+          <a:lstStyle/>
+          <a:p>
+            <a:r>
+              <a:rPr lang="pt-BR" dirty="0" smtClean="0"/>
+              <a:t>Paciente</a:t>
+            </a:r>
+            <a:endParaRPr lang="pt-BR" dirty="0"/>
+          </a:p>
+        </p:txBody>
+      </p:sp>
+      <p:sp>
+        <p:nvSpPr>
+          <p:cNvPr id="6" name="CaixaDeTexto 5"/>
+          <p:cNvSpPr txBox="1"/>
+          <p:nvPr/>
+        </p:nvSpPr>
+        <p:spPr>
+          <a:xfrm>
+            <a:off x="2751649" y="135374"/>
+            <a:ext cx="1510478" cy="369332"/>
+          </a:xfrm>
+          <a:prstGeom prst="rect">
+            <a:avLst/>
+          </a:prstGeom>
+          <a:noFill/>
+        </p:spPr>
+        <p:txBody>
+          <a:bodyPr wrap="none" rtlCol="0">
+            <a:spAutoFit/>
+          </a:bodyPr>
+          <a:lstStyle/>
+          <a:p>
+            <a:r>
+              <a:rPr lang="pt-BR" dirty="0" smtClean="0"/>
+              <a:t>Agendamento</a:t>
+            </a:r>
+            <a:endParaRPr lang="pt-BR" dirty="0"/>
+          </a:p>
+        </p:txBody>
+      </p:sp>
+      <p:sp>
+        <p:nvSpPr>
+          <p:cNvPr id="7" name="CaixaDeTexto 6"/>
+          <p:cNvSpPr txBox="1"/>
+          <p:nvPr/>
+        </p:nvSpPr>
+        <p:spPr>
+          <a:xfrm>
+            <a:off x="4566108" y="135374"/>
+            <a:ext cx="992579" cy="369332"/>
+          </a:xfrm>
+          <a:prstGeom prst="rect">
+            <a:avLst/>
+          </a:prstGeom>
+          <a:noFill/>
+        </p:spPr>
+        <p:txBody>
+          <a:bodyPr wrap="none" rtlCol="0">
+            <a:spAutoFit/>
+          </a:bodyPr>
+          <a:lstStyle/>
+          <a:p>
+            <a:r>
+              <a:rPr lang="pt-BR" dirty="0" err="1" smtClean="0"/>
+              <a:t>Timeline</a:t>
+            </a:r>
+            <a:endParaRPr lang="pt-BR" dirty="0"/>
+          </a:p>
+        </p:txBody>
+      </p:sp>
+      <p:sp>
+        <p:nvSpPr>
+          <p:cNvPr id="15" name="CaixaDeTexto 14"/>
+          <p:cNvSpPr txBox="1"/>
+          <p:nvPr/>
+        </p:nvSpPr>
+        <p:spPr>
+          <a:xfrm>
+            <a:off x="4566108" y="775454"/>
+            <a:ext cx="2459841" cy="369332"/>
+          </a:xfrm>
+          <a:prstGeom prst="rect">
+            <a:avLst/>
+          </a:prstGeom>
+          <a:noFill/>
+        </p:spPr>
+        <p:txBody>
+          <a:bodyPr wrap="none" rtlCol="0">
+            <a:spAutoFit/>
+          </a:bodyPr>
+          <a:lstStyle/>
+          <a:p>
+            <a:r>
+              <a:rPr lang="pt-BR" dirty="0" smtClean="0"/>
+              <a:t>Consultar Agendamento</a:t>
+            </a:r>
+            <a:endParaRPr lang="pt-BR" dirty="0"/>
+          </a:p>
+        </p:txBody>
+      </p:sp>
+      <p:sp>
+        <p:nvSpPr>
+          <p:cNvPr id="16" name="CaixaDeTexto 15"/>
+          <p:cNvSpPr txBox="1"/>
+          <p:nvPr/>
+        </p:nvSpPr>
+        <p:spPr>
+          <a:xfrm>
+            <a:off x="274320" y="1311510"/>
+            <a:ext cx="984629" cy="369332"/>
+          </a:xfrm>
+          <a:prstGeom prst="rect">
+            <a:avLst/>
+          </a:prstGeom>
+          <a:noFill/>
+        </p:spPr>
+        <p:txBody>
+          <a:bodyPr wrap="none" rtlCol="0">
+            <a:spAutoFit/>
+          </a:bodyPr>
+          <a:lstStyle/>
+          <a:p>
+            <a:r>
+              <a:rPr lang="pt-BR" dirty="0" smtClean="0"/>
+              <a:t>Paciente</a:t>
+            </a:r>
+            <a:endParaRPr lang="pt-BR" dirty="0"/>
+          </a:p>
+        </p:txBody>
+      </p:sp>
+      <p:sp>
+        <p:nvSpPr>
+          <p:cNvPr id="17" name="Retângulo 16"/>
+          <p:cNvSpPr/>
+          <p:nvPr/>
+        </p:nvSpPr>
+        <p:spPr>
+          <a:xfrm>
+            <a:off x="274320" y="1618009"/>
+            <a:ext cx="5867534" cy="369332"/>
+          </a:xfrm>
+          <a:prstGeom prst="rect">
+            <a:avLst/>
+          </a:prstGeom>
+        </p:spPr>
+        <p:style>
+          <a:lnRef idx="2">
+            <a:schemeClr val="dk1"/>
+          </a:lnRef>
+          <a:fillRef idx="1">
+            <a:schemeClr val="lt1"/>
+          </a:fillRef>
+          <a:effectRef idx="0">
+            <a:schemeClr val="dk1"/>
+          </a:effectRef>
+          <a:fontRef idx="minor">
+            <a:schemeClr val="dk1"/>
+          </a:fontRef>
+        </p:style>
+        <p:txBody>
+          <a:bodyPr rtlCol="0" anchor="ctr"/>
+          <a:lstStyle/>
+          <a:p>
+            <a:pPr algn="ctr"/>
+            <a:endParaRPr lang="pt-BR"/>
+          </a:p>
+        </p:txBody>
+      </p:sp>
+      <p:sp>
+        <p:nvSpPr>
+          <p:cNvPr id="18" name="CaixaDeTexto 17"/>
+          <p:cNvSpPr txBox="1"/>
+          <p:nvPr/>
+        </p:nvSpPr>
+        <p:spPr>
+          <a:xfrm>
+            <a:off x="274320" y="2096589"/>
+            <a:ext cx="1508811" cy="369332"/>
+          </a:xfrm>
+          <a:prstGeom prst="rect">
+            <a:avLst/>
+          </a:prstGeom>
+          <a:noFill/>
+        </p:spPr>
+        <p:txBody>
+          <a:bodyPr wrap="none" rtlCol="0">
+            <a:spAutoFit/>
+          </a:bodyPr>
+          <a:lstStyle/>
+          <a:p>
+            <a:r>
+              <a:rPr lang="pt-BR" dirty="0" smtClean="0"/>
+              <a:t>CPF - Paciente</a:t>
+            </a:r>
+            <a:endParaRPr lang="pt-BR" dirty="0"/>
+          </a:p>
+        </p:txBody>
+      </p:sp>
+      <p:sp>
+        <p:nvSpPr>
+          <p:cNvPr id="19" name="Retângulo 18"/>
+          <p:cNvSpPr/>
+          <p:nvPr/>
+        </p:nvSpPr>
+        <p:spPr>
+          <a:xfrm>
+            <a:off x="274320" y="2403088"/>
+            <a:ext cx="5867534" cy="369332"/>
+          </a:xfrm>
+          <a:prstGeom prst="rect">
+            <a:avLst/>
+          </a:prstGeom>
+        </p:spPr>
+        <p:style>
+          <a:lnRef idx="2">
+            <a:schemeClr val="dk1"/>
+          </a:lnRef>
+          <a:fillRef idx="1">
+            <a:schemeClr val="lt1"/>
+          </a:fillRef>
+          <a:effectRef idx="0">
+            <a:schemeClr val="dk1"/>
+          </a:effectRef>
+          <a:fontRef idx="minor">
+            <a:schemeClr val="dk1"/>
+          </a:fontRef>
+        </p:style>
+        <p:txBody>
+          <a:bodyPr rtlCol="0" anchor="ctr"/>
+          <a:lstStyle/>
+          <a:p>
+            <a:pPr algn="ctr"/>
+            <a:endParaRPr lang="pt-BR"/>
+          </a:p>
+        </p:txBody>
+      </p:sp>
+      <p:sp>
+        <p:nvSpPr>
+          <p:cNvPr id="20" name="CaixaDeTexto 19"/>
+          <p:cNvSpPr txBox="1"/>
+          <p:nvPr/>
+        </p:nvSpPr>
+        <p:spPr>
+          <a:xfrm>
+            <a:off x="274320" y="3358024"/>
+            <a:ext cx="1820819" cy="369332"/>
+          </a:xfrm>
+          <a:prstGeom prst="rect">
+            <a:avLst/>
+          </a:prstGeom>
+          <a:noFill/>
+        </p:spPr>
+        <p:txBody>
+          <a:bodyPr wrap="none" rtlCol="0">
+            <a:spAutoFit/>
+          </a:bodyPr>
+          <a:lstStyle/>
+          <a:p>
+            <a:r>
+              <a:rPr lang="pt-BR" dirty="0" err="1" smtClean="0"/>
+              <a:t>Login</a:t>
+            </a:r>
+            <a:r>
+              <a:rPr lang="pt-BR" dirty="0" smtClean="0"/>
+              <a:t> Profissional</a:t>
+            </a:r>
+            <a:endParaRPr lang="pt-BR" dirty="0"/>
+          </a:p>
+        </p:txBody>
+      </p:sp>
+      <p:sp>
+        <p:nvSpPr>
+          <p:cNvPr id="21" name="Retângulo 20"/>
+          <p:cNvSpPr/>
+          <p:nvPr/>
+        </p:nvSpPr>
+        <p:spPr>
+          <a:xfrm>
+            <a:off x="274320" y="3664523"/>
+            <a:ext cx="5867534" cy="369332"/>
+          </a:xfrm>
+          <a:prstGeom prst="rect">
+            <a:avLst/>
+          </a:prstGeom>
+        </p:spPr>
+        <p:style>
+          <a:lnRef idx="2">
+            <a:schemeClr val="dk1"/>
+          </a:lnRef>
+          <a:fillRef idx="1">
+            <a:schemeClr val="lt1"/>
+          </a:fillRef>
+          <a:effectRef idx="0">
+            <a:schemeClr val="dk1"/>
+          </a:effectRef>
+          <a:fontRef idx="minor">
+            <a:schemeClr val="dk1"/>
+          </a:fontRef>
+        </p:style>
+        <p:txBody>
+          <a:bodyPr rtlCol="0" anchor="ctr"/>
+          <a:lstStyle/>
+          <a:p>
+            <a:pPr algn="ctr"/>
+            <a:endParaRPr lang="pt-BR"/>
+          </a:p>
+        </p:txBody>
+      </p:sp>
+      <p:sp>
+        <p:nvSpPr>
+          <p:cNvPr id="23" name="Retângulo Arredondado 22"/>
+          <p:cNvSpPr/>
+          <p:nvPr/>
+        </p:nvSpPr>
+        <p:spPr>
+          <a:xfrm>
+            <a:off x="6330027" y="4193176"/>
+            <a:ext cx="1128865" cy="444137"/>
+          </a:xfrm>
+          <a:prstGeom prst="roundRect">
+            <a:avLst/>
+          </a:prstGeom>
+          <a:solidFill>
+            <a:srgbClr val="0070C0"/>
+          </a:solidFill>
+        </p:spPr>
+        <p:style>
+          <a:lnRef idx="2">
+            <a:schemeClr val="accent1">
+              <a:shade val="50000"/>
+            </a:schemeClr>
+          </a:lnRef>
+          <a:fillRef idx="1">
+            <a:schemeClr val="accent1"/>
+          </a:fillRef>
+          <a:effectRef idx="0">
+            <a:schemeClr val="accent1"/>
+          </a:effectRef>
+          <a:fontRef idx="minor">
+            <a:schemeClr val="lt1"/>
+          </a:fontRef>
+        </p:style>
+        <p:txBody>
+          <a:bodyPr rtlCol="0" anchor="ctr"/>
+          <a:lstStyle/>
+          <a:p>
+            <a:pPr algn="ctr"/>
+            <a:r>
+              <a:rPr lang="pt-BR" dirty="0" smtClean="0"/>
+              <a:t>Adicionar</a:t>
+            </a:r>
+            <a:endParaRPr lang="pt-BR" dirty="0"/>
+          </a:p>
+        </p:txBody>
+      </p:sp>
+    </p:spTree>
+    <p:extLst>
+      <p:ext uri="{BB962C8B-B14F-4D97-AF65-F5344CB8AC3E}">
+        <p14:creationId xmlns:p14="http://schemas.microsoft.com/office/powerpoint/2010/main" val="2014482303"/>
+      </p:ext>
+    </p:extLst>
+  </p:cSld>
+  <p:clrMapOvr>
+    <a:masterClrMapping/>
+  </p:clrMapOvr>
+</p:sld>
+</file>
+
+<file path=ppt/slides/slide8.xml><?xml version="1.0" encoding="utf-8"?>
+<p:sld xmlns:a="http://schemas.openxmlformats.org/drawingml/2006/main" xmlns:r="http://schemas.openxmlformats.org/officeDocument/2006/relationships" xmlns:p="http://schemas.openxmlformats.org/presentationml/2006/main">
+  <p:cSld>
+    <p:spTree>
+      <p:nvGrpSpPr>
+        <p:cNvPr id="1" name=""/>
+        <p:cNvGrpSpPr/>
+        <p:nvPr/>
+      </p:nvGrpSpPr>
+      <p:grpSpPr>
+        <a:xfrm>
+          <a:off x="0" y="0"/>
+          <a:ext cx="0" cy="0"/>
+          <a:chOff x="0" y="0"/>
+          <a:chExt cx="0" cy="0"/>
+        </a:xfrm>
+      </p:grpSpPr>
+      <p:sp>
+        <p:nvSpPr>
+          <p:cNvPr id="2" name="Retângulo 1"/>
+          <p:cNvSpPr/>
+          <p:nvPr/>
+        </p:nvSpPr>
+        <p:spPr>
+          <a:xfrm>
+            <a:off x="326571" y="182880"/>
+            <a:ext cx="9784080" cy="6583680"/>
+          </a:xfrm>
+          <a:prstGeom prst="rect">
+            <a:avLst/>
+          </a:prstGeom>
+        </p:spPr>
+        <p:style>
+          <a:lnRef idx="2">
+            <a:schemeClr val="dk1"/>
+          </a:lnRef>
+          <a:fillRef idx="1">
+            <a:schemeClr val="lt1"/>
+          </a:fillRef>
+          <a:effectRef idx="0">
+            <a:schemeClr val="dk1"/>
+          </a:effectRef>
+          <a:fontRef idx="minor">
+            <a:schemeClr val="dk1"/>
+          </a:fontRef>
+        </p:style>
+        <p:txBody>
+          <a:bodyPr rtlCol="0" anchor="ctr"/>
+          <a:lstStyle/>
+          <a:p>
+            <a:pPr algn="ctr"/>
+            <a:endParaRPr lang="pt-BR" dirty="0"/>
+          </a:p>
+        </p:txBody>
+      </p:sp>
+      <p:sp>
+        <p:nvSpPr>
+          <p:cNvPr id="3" name="Retângulo 2"/>
+          <p:cNvSpPr/>
+          <p:nvPr/>
+        </p:nvSpPr>
+        <p:spPr>
+          <a:xfrm>
+            <a:off x="666205" y="2233748"/>
+            <a:ext cx="4075612" cy="3304903"/>
+          </a:xfrm>
+          <a:prstGeom prst="rect">
+            <a:avLst/>
+          </a:prstGeom>
+        </p:spPr>
+        <p:style>
+          <a:lnRef idx="2">
+            <a:schemeClr val="dk1"/>
+          </a:lnRef>
+          <a:fillRef idx="1">
+            <a:schemeClr val="lt1"/>
+          </a:fillRef>
+          <a:effectRef idx="0">
+            <a:schemeClr val="dk1"/>
+          </a:effectRef>
+          <a:fontRef idx="minor">
+            <a:schemeClr val="dk1"/>
+          </a:fontRef>
+        </p:style>
+        <p:txBody>
+          <a:bodyPr rtlCol="0" anchor="ctr"/>
+          <a:lstStyle/>
+          <a:p>
+            <a:pPr algn="ctr"/>
+            <a:r>
+              <a:rPr lang="pt-BR" dirty="0" smtClean="0"/>
+              <a:t>Calendário</a:t>
+            </a:r>
+            <a:endParaRPr lang="pt-BR" dirty="0"/>
+          </a:p>
+        </p:txBody>
+      </p:sp>
+      <p:sp>
+        <p:nvSpPr>
+          <p:cNvPr id="4" name="CaixaDeTexto 3"/>
+          <p:cNvSpPr txBox="1"/>
+          <p:nvPr/>
+        </p:nvSpPr>
+        <p:spPr>
+          <a:xfrm>
+            <a:off x="483326" y="182880"/>
+            <a:ext cx="984629" cy="369332"/>
+          </a:xfrm>
+          <a:prstGeom prst="rect">
+            <a:avLst/>
+          </a:prstGeom>
+          <a:noFill/>
+        </p:spPr>
+        <p:txBody>
+          <a:bodyPr wrap="none" rtlCol="0">
+            <a:spAutoFit/>
+          </a:bodyPr>
+          <a:lstStyle/>
+          <a:p>
+            <a:r>
+              <a:rPr lang="pt-BR" dirty="0" smtClean="0"/>
+              <a:t>Paciente</a:t>
+            </a:r>
+            <a:endParaRPr lang="pt-BR" dirty="0"/>
+          </a:p>
+        </p:txBody>
+      </p:sp>
+      <p:sp>
+        <p:nvSpPr>
+          <p:cNvPr id="5" name="Retângulo 4"/>
+          <p:cNvSpPr/>
+          <p:nvPr/>
+        </p:nvSpPr>
+        <p:spPr>
+          <a:xfrm>
+            <a:off x="483326" y="489379"/>
+            <a:ext cx="4258491" cy="369332"/>
+          </a:xfrm>
+          <a:prstGeom prst="rect">
+            <a:avLst/>
+          </a:prstGeom>
+        </p:spPr>
+        <p:style>
+          <a:lnRef idx="2">
+            <a:schemeClr val="dk1"/>
+          </a:lnRef>
+          <a:fillRef idx="1">
+            <a:schemeClr val="lt1"/>
+          </a:fillRef>
+          <a:effectRef idx="0">
+            <a:schemeClr val="dk1"/>
+          </a:effectRef>
+          <a:fontRef idx="minor">
+            <a:schemeClr val="dk1"/>
+          </a:fontRef>
+        </p:style>
+        <p:txBody>
+          <a:bodyPr rtlCol="0" anchor="ctr"/>
+          <a:lstStyle/>
+          <a:p>
+            <a:pPr algn="ctr"/>
+            <a:endParaRPr lang="pt-BR"/>
+          </a:p>
+        </p:txBody>
+      </p:sp>
+      <p:sp>
+        <p:nvSpPr>
+          <p:cNvPr id="6" name="CaixaDeTexto 5"/>
+          <p:cNvSpPr txBox="1"/>
+          <p:nvPr/>
+        </p:nvSpPr>
+        <p:spPr>
+          <a:xfrm>
+            <a:off x="483326" y="1030247"/>
+            <a:ext cx="1264577" cy="369332"/>
+          </a:xfrm>
+          <a:prstGeom prst="rect">
+            <a:avLst/>
+          </a:prstGeom>
+          <a:noFill/>
+        </p:spPr>
+        <p:txBody>
+          <a:bodyPr wrap="none" rtlCol="0">
+            <a:spAutoFit/>
+          </a:bodyPr>
+          <a:lstStyle/>
+          <a:p>
+            <a:r>
+              <a:rPr lang="pt-BR" dirty="0" smtClean="0"/>
+              <a:t>Profissional</a:t>
+            </a:r>
+            <a:endParaRPr lang="pt-BR" dirty="0"/>
+          </a:p>
+        </p:txBody>
+      </p:sp>
+      <p:sp>
+        <p:nvSpPr>
+          <p:cNvPr id="7" name="Retângulo 6"/>
+          <p:cNvSpPr/>
+          <p:nvPr/>
+        </p:nvSpPr>
+        <p:spPr>
+          <a:xfrm>
+            <a:off x="483326" y="1336746"/>
+            <a:ext cx="4258491" cy="369332"/>
+          </a:xfrm>
+          <a:prstGeom prst="rect">
+            <a:avLst/>
+          </a:prstGeom>
+        </p:spPr>
+        <p:style>
+          <a:lnRef idx="2">
+            <a:schemeClr val="dk1"/>
+          </a:lnRef>
+          <a:fillRef idx="1">
+            <a:schemeClr val="lt1"/>
+          </a:fillRef>
+          <a:effectRef idx="0">
+            <a:schemeClr val="dk1"/>
+          </a:effectRef>
+          <a:fontRef idx="minor">
+            <a:schemeClr val="dk1"/>
+          </a:fontRef>
+        </p:style>
+        <p:txBody>
+          <a:bodyPr rtlCol="0" anchor="ctr"/>
+          <a:lstStyle/>
+          <a:p>
+            <a:pPr algn="ctr"/>
+            <a:endParaRPr lang="pt-BR"/>
+          </a:p>
+        </p:txBody>
+      </p:sp>
+      <p:grpSp>
+        <p:nvGrpSpPr>
+          <p:cNvPr id="23" name="Agrupar 22"/>
+          <p:cNvGrpSpPr/>
+          <p:nvPr/>
+        </p:nvGrpSpPr>
+        <p:grpSpPr>
+          <a:xfrm>
+            <a:off x="4898572" y="482368"/>
+            <a:ext cx="4284618" cy="5056283"/>
+            <a:chOff x="4898572" y="482368"/>
+            <a:chExt cx="4284618" cy="5056283"/>
+          </a:xfrm>
+        </p:grpSpPr>
+        <p:sp>
+          <p:nvSpPr>
+            <p:cNvPr id="8" name="Retângulo 7"/>
+            <p:cNvSpPr/>
+            <p:nvPr/>
+          </p:nvSpPr>
+          <p:spPr>
+            <a:xfrm>
+              <a:off x="4898573" y="489379"/>
+              <a:ext cx="4284617" cy="5049272"/>
+            </a:xfrm>
+            <a:prstGeom prst="rect">
+              <a:avLst/>
+            </a:prstGeom>
+          </p:spPr>
+          <p:style>
+            <a:lnRef idx="2">
+              <a:schemeClr val="dk1"/>
+            </a:lnRef>
+            <a:fillRef idx="1">
+              <a:schemeClr val="lt1"/>
+            </a:fillRef>
+            <a:effectRef idx="0">
+              <a:schemeClr val="dk1"/>
+            </a:effectRef>
+            <a:fontRef idx="minor">
+              <a:schemeClr val="dk1"/>
+            </a:fontRef>
+          </p:style>
+          <p:txBody>
+            <a:bodyPr rtlCol="0" anchor="ctr"/>
+            <a:lstStyle/>
+            <a:p>
+              <a:pPr algn="ctr"/>
+              <a:endParaRPr lang="pt-BR"/>
+            </a:p>
+          </p:txBody>
+        </p:sp>
+        <p:sp>
+          <p:nvSpPr>
+            <p:cNvPr id="10" name="Retângulo 9"/>
+            <p:cNvSpPr/>
+            <p:nvPr/>
+          </p:nvSpPr>
+          <p:spPr>
+            <a:xfrm>
+              <a:off x="4898572" y="5212081"/>
+              <a:ext cx="4284618" cy="326570"/>
+            </a:xfrm>
+            <a:prstGeom prst="rect">
+              <a:avLst/>
+            </a:prstGeom>
+          </p:spPr>
+          <p:style>
+            <a:lnRef idx="2">
+              <a:schemeClr val="dk1"/>
+            </a:lnRef>
+            <a:fillRef idx="1">
+              <a:schemeClr val="lt1"/>
+            </a:fillRef>
+            <a:effectRef idx="0">
+              <a:schemeClr val="dk1"/>
+            </a:effectRef>
+            <a:fontRef idx="minor">
+              <a:schemeClr val="dk1"/>
+            </a:fontRef>
+          </p:style>
+          <p:txBody>
+            <a:bodyPr rtlCol="0" anchor="ctr"/>
+            <a:lstStyle/>
+            <a:p>
+              <a:pPr algn="ctr"/>
+              <a:endParaRPr lang="pt-BR"/>
+            </a:p>
+          </p:txBody>
+        </p:sp>
+        <p:sp>
+          <p:nvSpPr>
+            <p:cNvPr id="11" name="Retângulo 10"/>
+            <p:cNvSpPr/>
+            <p:nvPr/>
+          </p:nvSpPr>
+          <p:spPr>
+            <a:xfrm>
+              <a:off x="4898572" y="489379"/>
+              <a:ext cx="4284618" cy="326570"/>
+            </a:xfrm>
+            <a:prstGeom prst="rect">
+              <a:avLst/>
+            </a:prstGeom>
+          </p:spPr>
+          <p:style>
+            <a:lnRef idx="2">
+              <a:schemeClr val="dk1"/>
+            </a:lnRef>
+            <a:fillRef idx="1">
+              <a:schemeClr val="lt1"/>
+            </a:fillRef>
+            <a:effectRef idx="0">
+              <a:schemeClr val="dk1"/>
+            </a:effectRef>
+            <a:fontRef idx="minor">
+              <a:schemeClr val="dk1"/>
+            </a:fontRef>
+          </p:style>
+          <p:txBody>
+            <a:bodyPr rtlCol="0" anchor="ctr"/>
+            <a:lstStyle/>
+            <a:p>
+              <a:pPr algn="ctr"/>
+              <a:endParaRPr lang="pt-BR"/>
+            </a:p>
+          </p:txBody>
+        </p:sp>
+        <p:sp>
+          <p:nvSpPr>
+            <p:cNvPr id="12" name="Triângulo isósceles 11"/>
+            <p:cNvSpPr/>
+            <p:nvPr/>
+          </p:nvSpPr>
+          <p:spPr>
+            <a:xfrm>
+              <a:off x="6819967" y="482368"/>
+              <a:ext cx="441826" cy="313508"/>
+            </a:xfrm>
+            <a:prstGeom prst="triangle">
+              <a:avLst/>
+            </a:prstGeom>
+          </p:spPr>
+          <p:style>
+            <a:lnRef idx="2">
+              <a:schemeClr val="dk1"/>
+            </a:lnRef>
+            <a:fillRef idx="1">
+              <a:schemeClr val="lt1"/>
+            </a:fillRef>
+            <a:effectRef idx="0">
+              <a:schemeClr val="dk1"/>
+            </a:effectRef>
+            <a:fontRef idx="minor">
+              <a:schemeClr val="dk1"/>
+            </a:fontRef>
+          </p:style>
+          <p:txBody>
+            <a:bodyPr rtlCol="0" anchor="ctr"/>
+            <a:lstStyle/>
+            <a:p>
+              <a:pPr algn="ctr"/>
+              <a:endParaRPr lang="pt-BR"/>
+            </a:p>
+          </p:txBody>
+        </p:sp>
+        <p:sp>
+          <p:nvSpPr>
+            <p:cNvPr id="13" name="Triângulo isósceles 12"/>
+            <p:cNvSpPr/>
+            <p:nvPr/>
+          </p:nvSpPr>
+          <p:spPr>
+            <a:xfrm rot="10800000">
+              <a:off x="6762190" y="5225143"/>
+              <a:ext cx="557381" cy="313508"/>
+            </a:xfrm>
+            <a:prstGeom prst="triangle">
+              <a:avLst/>
+            </a:prstGeom>
+          </p:spPr>
+          <p:style>
+            <a:lnRef idx="2">
+              <a:schemeClr val="dk1"/>
+            </a:lnRef>
+            <a:fillRef idx="1">
+              <a:schemeClr val="lt1"/>
+            </a:fillRef>
+            <a:effectRef idx="0">
+              <a:schemeClr val="dk1"/>
+            </a:effectRef>
+            <a:fontRef idx="minor">
+              <a:schemeClr val="dk1"/>
+            </a:fontRef>
+          </p:style>
+          <p:txBody>
+            <a:bodyPr rtlCol="0" anchor="ctr"/>
+            <a:lstStyle/>
+            <a:p>
+              <a:pPr algn="ctr"/>
+              <a:endParaRPr lang="pt-BR"/>
+            </a:p>
+          </p:txBody>
+        </p:sp>
+      </p:grpSp>
+      <p:sp>
+        <p:nvSpPr>
+          <p:cNvPr id="21" name="Retângulo 20"/>
+          <p:cNvSpPr/>
+          <p:nvPr/>
+        </p:nvSpPr>
+        <p:spPr>
+          <a:xfrm>
+            <a:off x="4898572" y="815949"/>
+            <a:ext cx="757647" cy="470264"/>
+          </a:xfrm>
+          <a:prstGeom prst="rect">
+            <a:avLst/>
+          </a:prstGeom>
+        </p:spPr>
+        <p:style>
+          <a:lnRef idx="2">
+            <a:schemeClr val="accent1">
+              <a:shade val="50000"/>
+            </a:schemeClr>
+          </a:lnRef>
+          <a:fillRef idx="1">
+            <a:schemeClr val="accent1"/>
+          </a:fillRef>
+          <a:effectRef idx="0">
+            <a:schemeClr val="accent1"/>
+          </a:effectRef>
+          <a:fontRef idx="minor">
+            <a:schemeClr val="lt1"/>
+          </a:fontRef>
+        </p:style>
+        <p:txBody>
+          <a:bodyPr rtlCol="0" anchor="ctr"/>
+          <a:lstStyle/>
+          <a:p>
+            <a:pPr algn="ctr"/>
+            <a:r>
+              <a:rPr lang="pt-BR" dirty="0" smtClean="0"/>
+              <a:t>00:00</a:t>
+            </a:r>
+            <a:endParaRPr lang="pt-BR" dirty="0"/>
+          </a:p>
+        </p:txBody>
+      </p:sp>
+      <p:sp>
+        <p:nvSpPr>
+          <p:cNvPr id="22" name="Retângulo 21"/>
+          <p:cNvSpPr/>
+          <p:nvPr/>
+        </p:nvSpPr>
+        <p:spPr>
+          <a:xfrm>
+            <a:off x="4898572" y="1293224"/>
+            <a:ext cx="757647" cy="470264"/>
+          </a:xfrm>
+          <a:prstGeom prst="rect">
+            <a:avLst/>
+          </a:prstGeom>
+        </p:spPr>
+        <p:style>
+          <a:lnRef idx="2">
+            <a:schemeClr val="accent1">
+              <a:shade val="50000"/>
+            </a:schemeClr>
+          </a:lnRef>
+          <a:fillRef idx="1">
+            <a:schemeClr val="accent1"/>
+          </a:fillRef>
+          <a:effectRef idx="0">
+            <a:schemeClr val="accent1"/>
+          </a:effectRef>
+          <a:fontRef idx="minor">
+            <a:schemeClr val="lt1"/>
+          </a:fontRef>
+        </p:style>
+        <p:txBody>
+          <a:bodyPr rtlCol="0" anchor="ctr"/>
+          <a:lstStyle/>
+          <a:p>
+            <a:pPr algn="ctr"/>
+            <a:r>
+              <a:rPr lang="pt-BR" dirty="0" smtClean="0"/>
+              <a:t>01:00</a:t>
+            </a:r>
+            <a:endParaRPr lang="pt-BR" dirty="0"/>
+          </a:p>
+        </p:txBody>
+      </p:sp>
+      <p:sp>
+        <p:nvSpPr>
+          <p:cNvPr id="24" name="Retângulo 23"/>
+          <p:cNvSpPr/>
+          <p:nvPr/>
+        </p:nvSpPr>
+        <p:spPr>
+          <a:xfrm>
+            <a:off x="4898572" y="1756473"/>
+            <a:ext cx="757647" cy="470264"/>
+          </a:xfrm>
+          <a:prstGeom prst="rect">
+            <a:avLst/>
+          </a:prstGeom>
+        </p:spPr>
+        <p:style>
+          <a:lnRef idx="2">
+            <a:schemeClr val="accent1">
+              <a:shade val="50000"/>
+            </a:schemeClr>
+          </a:lnRef>
+          <a:fillRef idx="1">
+            <a:schemeClr val="accent1"/>
+          </a:fillRef>
+          <a:effectRef idx="0">
+            <a:schemeClr val="accent1"/>
+          </a:effectRef>
+          <a:fontRef idx="minor">
+            <a:schemeClr val="lt1"/>
+          </a:fontRef>
+        </p:style>
+        <p:txBody>
+          <a:bodyPr rtlCol="0" anchor="ctr"/>
+          <a:lstStyle/>
+          <a:p>
+            <a:pPr algn="ctr"/>
+            <a:r>
+              <a:rPr lang="pt-BR" dirty="0" smtClean="0"/>
+              <a:t>02:00</a:t>
+            </a:r>
+            <a:endParaRPr lang="pt-BR" dirty="0"/>
+          </a:p>
+        </p:txBody>
+      </p:sp>
+      <p:sp>
+        <p:nvSpPr>
+          <p:cNvPr id="25" name="Retângulo 24"/>
+          <p:cNvSpPr/>
+          <p:nvPr/>
+        </p:nvSpPr>
+        <p:spPr>
+          <a:xfrm>
+            <a:off x="4898572" y="2233748"/>
+            <a:ext cx="757647" cy="470264"/>
+          </a:xfrm>
+          <a:prstGeom prst="rect">
+            <a:avLst/>
+          </a:prstGeom>
+        </p:spPr>
+        <p:style>
+          <a:lnRef idx="2">
+            <a:schemeClr val="accent1">
+              <a:shade val="50000"/>
+            </a:schemeClr>
+          </a:lnRef>
+          <a:fillRef idx="1">
+            <a:schemeClr val="accent1"/>
+          </a:fillRef>
+          <a:effectRef idx="0">
+            <a:schemeClr val="accent1"/>
+          </a:effectRef>
+          <a:fontRef idx="minor">
+            <a:schemeClr val="lt1"/>
+          </a:fontRef>
+        </p:style>
+        <p:txBody>
+          <a:bodyPr rtlCol="0" anchor="ctr"/>
+          <a:lstStyle/>
+          <a:p>
+            <a:pPr algn="ctr"/>
+            <a:r>
+              <a:rPr lang="pt-BR" dirty="0" smtClean="0"/>
+              <a:t>03:00</a:t>
+            </a:r>
+            <a:endParaRPr lang="pt-BR" dirty="0"/>
+          </a:p>
+        </p:txBody>
+      </p:sp>
+      <p:sp>
+        <p:nvSpPr>
+          <p:cNvPr id="26" name="Retângulo 25"/>
+          <p:cNvSpPr/>
+          <p:nvPr/>
+        </p:nvSpPr>
+        <p:spPr>
+          <a:xfrm>
+            <a:off x="4898572" y="2711023"/>
+            <a:ext cx="757647" cy="470264"/>
+          </a:xfrm>
+          <a:prstGeom prst="rect">
+            <a:avLst/>
+          </a:prstGeom>
+        </p:spPr>
+        <p:style>
+          <a:lnRef idx="2">
+            <a:schemeClr val="accent1">
+              <a:shade val="50000"/>
+            </a:schemeClr>
+          </a:lnRef>
+          <a:fillRef idx="1">
+            <a:schemeClr val="accent1"/>
+          </a:fillRef>
+          <a:effectRef idx="0">
+            <a:schemeClr val="accent1"/>
+          </a:effectRef>
+          <a:fontRef idx="minor">
+            <a:schemeClr val="lt1"/>
+          </a:fontRef>
+        </p:style>
+        <p:txBody>
+          <a:bodyPr rtlCol="0" anchor="ctr"/>
+          <a:lstStyle/>
+          <a:p>
+            <a:pPr algn="ctr"/>
+            <a:r>
+              <a:rPr lang="pt-BR" dirty="0" smtClean="0"/>
+              <a:t>04:00</a:t>
+            </a:r>
+            <a:endParaRPr lang="pt-BR" dirty="0"/>
+          </a:p>
+        </p:txBody>
+      </p:sp>
+      <p:sp>
+        <p:nvSpPr>
+          <p:cNvPr id="27" name="Retângulo 26"/>
+          <p:cNvSpPr/>
+          <p:nvPr/>
+        </p:nvSpPr>
+        <p:spPr>
+          <a:xfrm>
+            <a:off x="4898572" y="3188298"/>
+            <a:ext cx="757647" cy="470264"/>
+          </a:xfrm>
+          <a:prstGeom prst="rect">
+            <a:avLst/>
+          </a:prstGeom>
+        </p:spPr>
+        <p:style>
+          <a:lnRef idx="2">
+            <a:schemeClr val="accent1">
+              <a:shade val="50000"/>
+            </a:schemeClr>
+          </a:lnRef>
+          <a:fillRef idx="1">
+            <a:schemeClr val="accent1"/>
+          </a:fillRef>
+          <a:effectRef idx="0">
+            <a:schemeClr val="accent1"/>
+          </a:effectRef>
+          <a:fontRef idx="minor">
+            <a:schemeClr val="lt1"/>
+          </a:fontRef>
+        </p:style>
+        <p:txBody>
+          <a:bodyPr rtlCol="0" anchor="ctr"/>
+          <a:lstStyle/>
+          <a:p>
+            <a:pPr algn="ctr"/>
+            <a:r>
+              <a:rPr lang="pt-BR" dirty="0" smtClean="0"/>
+              <a:t>05:00</a:t>
+            </a:r>
+            <a:endParaRPr lang="pt-BR" dirty="0"/>
+          </a:p>
+        </p:txBody>
+      </p:sp>
+      <p:sp>
+        <p:nvSpPr>
+          <p:cNvPr id="28" name="Retângulo 27"/>
+          <p:cNvSpPr/>
+          <p:nvPr/>
+        </p:nvSpPr>
+        <p:spPr>
+          <a:xfrm>
+            <a:off x="4898572" y="3651547"/>
+            <a:ext cx="757647" cy="470264"/>
+          </a:xfrm>
+          <a:prstGeom prst="rect">
+            <a:avLst/>
+          </a:prstGeom>
+        </p:spPr>
+        <p:style>
+          <a:lnRef idx="2">
+            <a:schemeClr val="accent1">
+              <a:shade val="50000"/>
+            </a:schemeClr>
+          </a:lnRef>
+          <a:fillRef idx="1">
+            <a:schemeClr val="accent1"/>
+          </a:fillRef>
+          <a:effectRef idx="0">
+            <a:schemeClr val="accent1"/>
+          </a:effectRef>
+          <a:fontRef idx="minor">
+            <a:schemeClr val="lt1"/>
+          </a:fontRef>
+        </p:style>
+        <p:txBody>
+          <a:bodyPr rtlCol="0" anchor="ctr"/>
+          <a:lstStyle/>
+          <a:p>
+            <a:pPr algn="ctr"/>
+            <a:r>
+              <a:rPr lang="pt-BR" dirty="0" smtClean="0"/>
+              <a:t>06:00</a:t>
+            </a:r>
+            <a:endParaRPr lang="pt-BR" dirty="0"/>
+          </a:p>
+        </p:txBody>
+      </p:sp>
+      <p:sp>
+        <p:nvSpPr>
+          <p:cNvPr id="29" name="Retângulo 28"/>
+          <p:cNvSpPr/>
+          <p:nvPr/>
+        </p:nvSpPr>
+        <p:spPr>
+          <a:xfrm>
+            <a:off x="4898572" y="4128822"/>
+            <a:ext cx="757647" cy="470264"/>
+          </a:xfrm>
+          <a:prstGeom prst="rect">
+            <a:avLst/>
+          </a:prstGeom>
+        </p:spPr>
+        <p:style>
+          <a:lnRef idx="2">
+            <a:schemeClr val="accent1">
+              <a:shade val="50000"/>
+            </a:schemeClr>
+          </a:lnRef>
+          <a:fillRef idx="1">
+            <a:schemeClr val="accent1"/>
+          </a:fillRef>
+          <a:effectRef idx="0">
+            <a:schemeClr val="accent1"/>
+          </a:effectRef>
+          <a:fontRef idx="minor">
+            <a:schemeClr val="lt1"/>
+          </a:fontRef>
+        </p:style>
+        <p:txBody>
+          <a:bodyPr rtlCol="0" anchor="ctr"/>
+          <a:lstStyle/>
+          <a:p>
+            <a:pPr algn="ctr"/>
+            <a:r>
+              <a:rPr lang="pt-BR" dirty="0" smtClean="0"/>
+              <a:t>07:00</a:t>
+            </a:r>
+          </a:p>
+        </p:txBody>
+      </p:sp>
+      <p:sp>
+        <p:nvSpPr>
+          <p:cNvPr id="30" name="Retângulo 29"/>
+          <p:cNvSpPr/>
+          <p:nvPr/>
+        </p:nvSpPr>
+        <p:spPr>
+          <a:xfrm>
+            <a:off x="4898571" y="4585060"/>
+            <a:ext cx="757647" cy="470264"/>
+          </a:xfrm>
+          <a:prstGeom prst="rect">
+            <a:avLst/>
+          </a:prstGeom>
+        </p:spPr>
+        <p:style>
+          <a:lnRef idx="2">
+            <a:schemeClr val="accent1">
+              <a:shade val="50000"/>
+            </a:schemeClr>
+          </a:lnRef>
+          <a:fillRef idx="1">
+            <a:schemeClr val="accent1"/>
+          </a:fillRef>
+          <a:effectRef idx="0">
+            <a:schemeClr val="accent1"/>
+          </a:effectRef>
+          <a:fontRef idx="minor">
+            <a:schemeClr val="lt1"/>
+          </a:fontRef>
+        </p:style>
+        <p:txBody>
+          <a:bodyPr rtlCol="0" anchor="ctr"/>
+          <a:lstStyle/>
+          <a:p>
+            <a:pPr algn="ctr"/>
+            <a:r>
+              <a:rPr lang="pt-BR" dirty="0" smtClean="0"/>
+              <a:t>08:00</a:t>
+            </a:r>
+            <a:endParaRPr lang="pt-BR" dirty="0"/>
+          </a:p>
+        </p:txBody>
+      </p:sp>
+      <p:sp>
+        <p:nvSpPr>
+          <p:cNvPr id="31" name="Retângulo 30"/>
+          <p:cNvSpPr/>
+          <p:nvPr/>
+        </p:nvSpPr>
+        <p:spPr>
+          <a:xfrm>
+            <a:off x="4898571" y="5028235"/>
+            <a:ext cx="757647" cy="183845"/>
+          </a:xfrm>
+          <a:prstGeom prst="rect">
+            <a:avLst/>
+          </a:prstGeom>
+        </p:spPr>
+        <p:style>
+          <a:lnRef idx="2">
+            <a:schemeClr val="accent1">
+              <a:shade val="50000"/>
+            </a:schemeClr>
+          </a:lnRef>
+          <a:fillRef idx="1">
+            <a:schemeClr val="accent1"/>
+          </a:fillRef>
+          <a:effectRef idx="0">
+            <a:schemeClr val="accent1"/>
+          </a:effectRef>
+          <a:fontRef idx="minor">
+            <a:schemeClr val="lt1"/>
+          </a:fontRef>
+        </p:style>
+        <p:txBody>
+          <a:bodyPr rtlCol="0" anchor="ctr"/>
+          <a:lstStyle/>
+          <a:p>
+            <a:pPr algn="ctr"/>
+            <a:endParaRPr lang="pt-BR" dirty="0"/>
+          </a:p>
+        </p:txBody>
+      </p:sp>
+      <p:sp>
+        <p:nvSpPr>
+          <p:cNvPr id="32" name="Retângulo 31"/>
+          <p:cNvSpPr/>
+          <p:nvPr/>
+        </p:nvSpPr>
+        <p:spPr>
+          <a:xfrm>
+            <a:off x="5656218" y="815949"/>
+            <a:ext cx="3526972" cy="477275"/>
+          </a:xfrm>
+          <a:prstGeom prst="rect">
+            <a:avLst/>
+          </a:prstGeom>
+        </p:spPr>
+        <p:style>
+          <a:lnRef idx="2">
+            <a:schemeClr val="dk1"/>
+          </a:lnRef>
+          <a:fillRef idx="1">
+            <a:schemeClr val="lt1"/>
+          </a:fillRef>
+          <a:effectRef idx="0">
+            <a:schemeClr val="dk1"/>
+          </a:effectRef>
+          <a:fontRef idx="minor">
+            <a:schemeClr val="dk1"/>
+          </a:fontRef>
+        </p:style>
+        <p:txBody>
+          <a:bodyPr rtlCol="0" anchor="ctr"/>
+          <a:lstStyle/>
+          <a:p>
+            <a:pPr algn="ctr"/>
+            <a:r>
+              <a:rPr lang="pt-BR" dirty="0" smtClean="0"/>
+              <a:t>Indisponível</a:t>
+            </a:r>
+            <a:endParaRPr lang="pt-BR" dirty="0"/>
+          </a:p>
+        </p:txBody>
+      </p:sp>
+      <p:sp>
+        <p:nvSpPr>
+          <p:cNvPr id="33" name="Retângulo 32"/>
+          <p:cNvSpPr/>
+          <p:nvPr/>
+        </p:nvSpPr>
+        <p:spPr>
+          <a:xfrm>
+            <a:off x="5656218" y="1296248"/>
+            <a:ext cx="3526972" cy="477275"/>
+          </a:xfrm>
+          <a:prstGeom prst="rect">
+            <a:avLst/>
+          </a:prstGeom>
+        </p:spPr>
+        <p:style>
+          <a:lnRef idx="2">
+            <a:schemeClr val="dk1"/>
+          </a:lnRef>
+          <a:fillRef idx="1">
+            <a:schemeClr val="lt1"/>
+          </a:fillRef>
+          <a:effectRef idx="0">
+            <a:schemeClr val="dk1"/>
+          </a:effectRef>
+          <a:fontRef idx="minor">
+            <a:schemeClr val="dk1"/>
+          </a:fontRef>
+        </p:style>
+        <p:txBody>
+          <a:bodyPr rtlCol="0" anchor="ctr"/>
+          <a:lstStyle/>
+          <a:p>
+            <a:pPr algn="ctr"/>
+            <a:r>
+              <a:rPr lang="pt-BR" dirty="0" smtClean="0"/>
+              <a:t>Indisponível</a:t>
+            </a:r>
+            <a:endParaRPr lang="pt-BR" dirty="0"/>
+          </a:p>
+        </p:txBody>
+      </p:sp>
+      <p:sp>
+        <p:nvSpPr>
+          <p:cNvPr id="34" name="Retângulo 33"/>
+          <p:cNvSpPr/>
+          <p:nvPr/>
+        </p:nvSpPr>
+        <p:spPr>
+          <a:xfrm>
+            <a:off x="5656218" y="1748984"/>
+            <a:ext cx="3526972" cy="484283"/>
+          </a:xfrm>
+          <a:prstGeom prst="rect">
+            <a:avLst/>
+          </a:prstGeom>
+        </p:spPr>
+        <p:style>
+          <a:lnRef idx="2">
+            <a:schemeClr val="dk1"/>
+          </a:lnRef>
+          <a:fillRef idx="1">
+            <a:schemeClr val="lt1"/>
+          </a:fillRef>
+          <a:effectRef idx="0">
+            <a:schemeClr val="dk1"/>
+          </a:effectRef>
+          <a:fontRef idx="minor">
+            <a:schemeClr val="dk1"/>
+          </a:fontRef>
+        </p:style>
+        <p:txBody>
+          <a:bodyPr rtlCol="0" anchor="ctr"/>
+          <a:lstStyle/>
+          <a:p>
+            <a:pPr algn="ctr"/>
+            <a:r>
+              <a:rPr lang="pt-BR"/>
+              <a:t>Indisponível</a:t>
+            </a:r>
+            <a:endParaRPr lang="pt-BR" dirty="0"/>
+          </a:p>
+        </p:txBody>
+      </p:sp>
+      <p:sp>
+        <p:nvSpPr>
+          <p:cNvPr id="35" name="Retângulo 34"/>
+          <p:cNvSpPr/>
+          <p:nvPr/>
+        </p:nvSpPr>
+        <p:spPr>
+          <a:xfrm>
+            <a:off x="5656218" y="2236773"/>
+            <a:ext cx="3526972" cy="481264"/>
+          </a:xfrm>
+          <a:prstGeom prst="rect">
+            <a:avLst/>
+          </a:prstGeom>
+        </p:spPr>
+        <p:style>
+          <a:lnRef idx="2">
+            <a:schemeClr val="dk1"/>
+          </a:lnRef>
+          <a:fillRef idx="1">
+            <a:schemeClr val="lt1"/>
+          </a:fillRef>
+          <a:effectRef idx="0">
+            <a:schemeClr val="dk1"/>
+          </a:effectRef>
+          <a:fontRef idx="minor">
+            <a:schemeClr val="dk1"/>
+          </a:fontRef>
+        </p:style>
+        <p:txBody>
+          <a:bodyPr rtlCol="0" anchor="ctr"/>
+          <a:lstStyle/>
+          <a:p>
+            <a:pPr algn="ctr"/>
+            <a:r>
+              <a:rPr lang="pt-BR"/>
+              <a:t>Indisponível</a:t>
+            </a:r>
+            <a:endParaRPr lang="pt-BR" dirty="0"/>
+          </a:p>
+        </p:txBody>
+      </p:sp>
+      <p:sp>
+        <p:nvSpPr>
+          <p:cNvPr id="36" name="Retângulo 35"/>
+          <p:cNvSpPr/>
+          <p:nvPr/>
+        </p:nvSpPr>
+        <p:spPr>
+          <a:xfrm>
+            <a:off x="5656218" y="2707518"/>
+            <a:ext cx="3526972" cy="477275"/>
+          </a:xfrm>
+          <a:prstGeom prst="rect">
+            <a:avLst/>
+          </a:prstGeom>
+        </p:spPr>
+        <p:style>
+          <a:lnRef idx="2">
+            <a:schemeClr val="dk1"/>
+          </a:lnRef>
+          <a:fillRef idx="1">
+            <a:schemeClr val="lt1"/>
+          </a:fillRef>
+          <a:effectRef idx="0">
+            <a:schemeClr val="dk1"/>
+          </a:effectRef>
+          <a:fontRef idx="minor">
+            <a:schemeClr val="dk1"/>
+          </a:fontRef>
+        </p:style>
+        <p:txBody>
+          <a:bodyPr rtlCol="0" anchor="ctr"/>
+          <a:lstStyle/>
+          <a:p>
+            <a:pPr algn="ctr"/>
+            <a:r>
+              <a:rPr lang="pt-BR"/>
+              <a:t>Indisponível</a:t>
+            </a:r>
+            <a:endParaRPr lang="pt-BR" dirty="0"/>
+          </a:p>
+        </p:txBody>
+      </p:sp>
+      <p:sp>
+        <p:nvSpPr>
+          <p:cNvPr id="37" name="Retângulo 36"/>
+          <p:cNvSpPr/>
+          <p:nvPr/>
+        </p:nvSpPr>
+        <p:spPr>
+          <a:xfrm>
+            <a:off x="5656218" y="3187335"/>
+            <a:ext cx="3526972" cy="477275"/>
+          </a:xfrm>
+          <a:prstGeom prst="rect">
+            <a:avLst/>
+          </a:prstGeom>
+        </p:spPr>
+        <p:style>
+          <a:lnRef idx="2">
+            <a:schemeClr val="dk1"/>
+          </a:lnRef>
+          <a:fillRef idx="1">
+            <a:schemeClr val="lt1"/>
+          </a:fillRef>
+          <a:effectRef idx="0">
+            <a:schemeClr val="dk1"/>
+          </a:effectRef>
+          <a:fontRef idx="minor">
+            <a:schemeClr val="dk1"/>
+          </a:fontRef>
+        </p:style>
+        <p:txBody>
+          <a:bodyPr rtlCol="0" anchor="ctr"/>
+          <a:lstStyle/>
+          <a:p>
+            <a:pPr algn="ctr"/>
+            <a:r>
+              <a:rPr lang="pt-BR"/>
+              <a:t>Indisponível</a:t>
+            </a:r>
+            <a:endParaRPr lang="pt-BR" dirty="0"/>
+          </a:p>
+        </p:txBody>
+      </p:sp>
+      <p:sp>
+        <p:nvSpPr>
+          <p:cNvPr id="38" name="Retângulo 37"/>
+          <p:cNvSpPr/>
+          <p:nvPr/>
+        </p:nvSpPr>
+        <p:spPr>
+          <a:xfrm>
+            <a:off x="5656218" y="3653132"/>
+            <a:ext cx="3526972" cy="477275"/>
+          </a:xfrm>
+          <a:prstGeom prst="rect">
+            <a:avLst/>
+          </a:prstGeom>
+        </p:spPr>
+        <p:style>
+          <a:lnRef idx="2">
+            <a:schemeClr val="dk1"/>
+          </a:lnRef>
+          <a:fillRef idx="1">
+            <a:schemeClr val="lt1"/>
+          </a:fillRef>
+          <a:effectRef idx="0">
+            <a:schemeClr val="dk1"/>
+          </a:effectRef>
+          <a:fontRef idx="minor">
+            <a:schemeClr val="dk1"/>
+          </a:fontRef>
+        </p:style>
+        <p:txBody>
+          <a:bodyPr rtlCol="0" anchor="ctr"/>
+          <a:lstStyle/>
+          <a:p>
+            <a:pPr algn="ctr"/>
+            <a:r>
+              <a:rPr lang="pt-BR"/>
+              <a:t>Indisponível</a:t>
+            </a:r>
+            <a:endParaRPr lang="pt-BR" dirty="0"/>
+          </a:p>
+        </p:txBody>
+      </p:sp>
+      <p:sp>
+        <p:nvSpPr>
+          <p:cNvPr id="39" name="Retângulo 38"/>
+          <p:cNvSpPr/>
+          <p:nvPr/>
+        </p:nvSpPr>
+        <p:spPr>
+          <a:xfrm>
+            <a:off x="5656218" y="4131846"/>
+            <a:ext cx="3526972" cy="477275"/>
+          </a:xfrm>
+          <a:prstGeom prst="rect">
+            <a:avLst/>
+          </a:prstGeom>
+        </p:spPr>
+        <p:style>
+          <a:lnRef idx="2">
+            <a:schemeClr val="dk1"/>
+          </a:lnRef>
+          <a:fillRef idx="1">
+            <a:schemeClr val="lt1"/>
+          </a:fillRef>
+          <a:effectRef idx="0">
+            <a:schemeClr val="dk1"/>
+          </a:effectRef>
+          <a:fontRef idx="minor">
+            <a:schemeClr val="dk1"/>
+          </a:fontRef>
+        </p:style>
+        <p:txBody>
+          <a:bodyPr rtlCol="0" anchor="ctr"/>
+          <a:lstStyle/>
+          <a:p>
+            <a:pPr algn="ctr"/>
+            <a:r>
+              <a:rPr lang="pt-BR" dirty="0" smtClean="0"/>
+              <a:t>Valdemar Brito</a:t>
+            </a:r>
+            <a:endParaRPr lang="pt-BR" dirty="0"/>
+          </a:p>
+        </p:txBody>
+      </p:sp>
+      <p:sp>
+        <p:nvSpPr>
+          <p:cNvPr id="41" name="Retângulo 40"/>
+          <p:cNvSpPr/>
+          <p:nvPr/>
+        </p:nvSpPr>
+        <p:spPr>
+          <a:xfrm>
+            <a:off x="5658737" y="4578049"/>
+            <a:ext cx="3526972" cy="477275"/>
+          </a:xfrm>
+          <a:prstGeom prst="rect">
+            <a:avLst/>
+          </a:prstGeom>
+        </p:spPr>
+        <p:style>
+          <a:lnRef idx="2">
+            <a:schemeClr val="dk1"/>
+          </a:lnRef>
+          <a:fillRef idx="1">
+            <a:schemeClr val="lt1"/>
+          </a:fillRef>
+          <a:effectRef idx="0">
+            <a:schemeClr val="dk1"/>
+          </a:effectRef>
+          <a:fontRef idx="minor">
+            <a:schemeClr val="dk1"/>
+          </a:fontRef>
+        </p:style>
+        <p:txBody>
+          <a:bodyPr rtlCol="0" anchor="ctr"/>
+          <a:lstStyle/>
+          <a:p>
+            <a:pPr algn="ctr"/>
+            <a:endParaRPr lang="pt-BR"/>
+          </a:p>
+        </p:txBody>
+      </p:sp>
+      <p:sp>
+        <p:nvSpPr>
+          <p:cNvPr id="42" name="Retângulo Arredondado 41"/>
+          <p:cNvSpPr/>
+          <p:nvPr/>
+        </p:nvSpPr>
+        <p:spPr>
+          <a:xfrm>
+            <a:off x="8281853" y="5966218"/>
+            <a:ext cx="1502229" cy="404948"/>
+          </a:xfrm>
+          <a:prstGeom prst="roundRect">
+            <a:avLst/>
+          </a:prstGeom>
+        </p:spPr>
+        <p:style>
+          <a:lnRef idx="2">
+            <a:schemeClr val="accent1">
+              <a:shade val="50000"/>
+            </a:schemeClr>
+          </a:lnRef>
+          <a:fillRef idx="1">
+            <a:schemeClr val="accent1"/>
+          </a:fillRef>
+          <a:effectRef idx="0">
+            <a:schemeClr val="accent1"/>
+          </a:effectRef>
+          <a:fontRef idx="minor">
+            <a:schemeClr val="lt1"/>
+          </a:fontRef>
+        </p:style>
+        <p:txBody>
+          <a:bodyPr rtlCol="0" anchor="ctr"/>
+          <a:lstStyle/>
+          <a:p>
+            <a:pPr algn="ctr"/>
+            <a:r>
+              <a:rPr lang="pt-BR" dirty="0" smtClean="0"/>
+              <a:t>Confirmar</a:t>
+            </a:r>
+            <a:endParaRPr lang="pt-BR" dirty="0"/>
+          </a:p>
+        </p:txBody>
+      </p:sp>
+      <p:graphicFrame>
+        <p:nvGraphicFramePr>
+          <p:cNvPr id="43" name="Tabela 42"/>
+          <p:cNvGraphicFramePr>
+            <a:graphicFrameLocks noGrp="1"/>
+          </p:cNvGraphicFramePr>
+          <p:nvPr/>
+        </p:nvGraphicFramePr>
+        <p:xfrm>
+          <a:off x="663689" y="2718035"/>
+          <a:ext cx="4065068" cy="2820615"/>
+        </p:xfrm>
+        <a:graphic>
+          <a:graphicData uri="http://schemas.openxmlformats.org/drawingml/2006/table">
+            <a:tbl>
+              <a:tblPr firstRow="1" bandRow="1">
+                <a:tableStyleId>{5C22544A-7EE6-4342-B048-85BDC9FD1C3A}</a:tableStyleId>
+              </a:tblPr>
+              <a:tblGrid>
+                <a:gridCol w="580724">
+                  <a:extLst>
+                    <a:ext uri="{9D8B030D-6E8A-4147-A177-3AD203B41FA5}">
+                      <a16:colId xmlns:a16="http://schemas.microsoft.com/office/drawing/2014/main" val="2178240852"/>
+                    </a:ext>
+                  </a:extLst>
+                </a:gridCol>
+                <a:gridCol w="580724">
+                  <a:extLst>
+                    <a:ext uri="{9D8B030D-6E8A-4147-A177-3AD203B41FA5}">
+                      <a16:colId xmlns:a16="http://schemas.microsoft.com/office/drawing/2014/main" val="893968468"/>
+                    </a:ext>
+                  </a:extLst>
+                </a:gridCol>
+                <a:gridCol w="580724">
+                  <a:extLst>
+                    <a:ext uri="{9D8B030D-6E8A-4147-A177-3AD203B41FA5}">
+                      <a16:colId xmlns:a16="http://schemas.microsoft.com/office/drawing/2014/main" val="1780453"/>
+                    </a:ext>
+                  </a:extLst>
+                </a:gridCol>
+                <a:gridCol w="580724">
+                  <a:extLst>
+                    <a:ext uri="{9D8B030D-6E8A-4147-A177-3AD203B41FA5}">
+                      <a16:colId xmlns:a16="http://schemas.microsoft.com/office/drawing/2014/main" val="2198646424"/>
+                    </a:ext>
+                  </a:extLst>
+                </a:gridCol>
+                <a:gridCol w="580724">
+                  <a:extLst>
+                    <a:ext uri="{9D8B030D-6E8A-4147-A177-3AD203B41FA5}">
+                      <a16:colId xmlns:a16="http://schemas.microsoft.com/office/drawing/2014/main" val="3272303127"/>
+                    </a:ext>
+                  </a:extLst>
+                </a:gridCol>
+                <a:gridCol w="580724">
+                  <a:extLst>
+                    <a:ext uri="{9D8B030D-6E8A-4147-A177-3AD203B41FA5}">
+                      <a16:colId xmlns:a16="http://schemas.microsoft.com/office/drawing/2014/main" val="3651930426"/>
+                    </a:ext>
+                  </a:extLst>
+                </a:gridCol>
+                <a:gridCol w="580724">
+                  <a:extLst>
+                    <a:ext uri="{9D8B030D-6E8A-4147-A177-3AD203B41FA5}">
+                      <a16:colId xmlns:a16="http://schemas.microsoft.com/office/drawing/2014/main" val="152288878"/>
+                    </a:ext>
+                  </a:extLst>
+                </a:gridCol>
+              </a:tblGrid>
+              <a:tr h="564123">
+                <a:tc>
+                  <a:txBody>
+                    <a:bodyPr/>
+                    <a:lstStyle/>
+                    <a:p>
+                      <a:endParaRPr lang="pt-BR" dirty="0"/>
+                    </a:p>
+                  </a:txBody>
+                  <a:tcPr/>
+                </a:tc>
+                <a:tc>
+                  <a:txBody>
+                    <a:bodyPr/>
+                    <a:lstStyle/>
+                    <a:p>
+                      <a:endParaRPr lang="pt-BR"/>
+                    </a:p>
+                  </a:txBody>
+                  <a:tcPr/>
+                </a:tc>
+                <a:tc>
+                  <a:txBody>
+                    <a:bodyPr/>
+                    <a:lstStyle/>
+                    <a:p>
+                      <a:endParaRPr lang="pt-BR"/>
+                    </a:p>
+                  </a:txBody>
+                  <a:tcPr/>
+                </a:tc>
+                <a:tc>
+                  <a:txBody>
+                    <a:bodyPr/>
+                    <a:lstStyle/>
+                    <a:p>
+                      <a:endParaRPr lang="pt-BR"/>
+                    </a:p>
+                  </a:txBody>
+                  <a:tcPr/>
+                </a:tc>
+                <a:tc>
+                  <a:txBody>
+                    <a:bodyPr/>
+                    <a:lstStyle/>
+                    <a:p>
+                      <a:endParaRPr lang="pt-BR"/>
+                    </a:p>
+                  </a:txBody>
+                  <a:tcPr/>
+                </a:tc>
+                <a:tc>
+                  <a:txBody>
+                    <a:bodyPr/>
+                    <a:lstStyle/>
+                    <a:p>
+                      <a:endParaRPr lang="pt-BR"/>
+                    </a:p>
+                  </a:txBody>
+                  <a:tcPr/>
+                </a:tc>
+                <a:tc>
+                  <a:txBody>
+                    <a:bodyPr/>
+                    <a:lstStyle/>
+                    <a:p>
+                      <a:endParaRPr lang="pt-BR"/>
+                    </a:p>
+                  </a:txBody>
+                  <a:tcPr/>
+                </a:tc>
+                <a:extLst>
+                  <a:ext uri="{0D108BD9-81ED-4DB2-BD59-A6C34878D82A}">
+                    <a16:rowId xmlns:a16="http://schemas.microsoft.com/office/drawing/2014/main" val="3654838123"/>
+                  </a:ext>
+                </a:extLst>
+              </a:tr>
+              <a:tr h="564123">
+                <a:tc>
+                  <a:txBody>
+                    <a:bodyPr/>
+                    <a:lstStyle/>
+                    <a:p>
+                      <a:endParaRPr lang="pt-BR"/>
+                    </a:p>
+                  </a:txBody>
+                  <a:tcPr/>
+                </a:tc>
+                <a:tc>
+                  <a:txBody>
+                    <a:bodyPr/>
+                    <a:lstStyle/>
+                    <a:p>
+                      <a:endParaRPr lang="pt-BR"/>
+                    </a:p>
+                  </a:txBody>
+                  <a:tcPr/>
+                </a:tc>
+                <a:tc>
+                  <a:txBody>
+                    <a:bodyPr/>
+                    <a:lstStyle/>
+                    <a:p>
+                      <a:endParaRPr lang="pt-BR"/>
+                    </a:p>
+                  </a:txBody>
+                  <a:tcPr/>
+                </a:tc>
+                <a:tc>
+                  <a:txBody>
+                    <a:bodyPr/>
+                    <a:lstStyle/>
+                    <a:p>
+                      <a:endParaRPr lang="pt-BR"/>
+                    </a:p>
+                  </a:txBody>
+                  <a:tcPr/>
+                </a:tc>
+                <a:tc>
+                  <a:txBody>
+                    <a:bodyPr/>
+                    <a:lstStyle/>
+                    <a:p>
+                      <a:endParaRPr lang="pt-BR"/>
+                    </a:p>
+                  </a:txBody>
+                  <a:tcPr/>
+                </a:tc>
+                <a:tc>
+                  <a:txBody>
+                    <a:bodyPr/>
+                    <a:lstStyle/>
+                    <a:p>
+                      <a:endParaRPr lang="pt-BR"/>
+                    </a:p>
+                  </a:txBody>
+                  <a:tcPr/>
+                </a:tc>
+                <a:tc>
+                  <a:txBody>
+                    <a:bodyPr/>
+                    <a:lstStyle/>
+                    <a:p>
+                      <a:endParaRPr lang="pt-BR"/>
+                    </a:p>
+                  </a:txBody>
+                  <a:tcPr/>
+                </a:tc>
+                <a:extLst>
+                  <a:ext uri="{0D108BD9-81ED-4DB2-BD59-A6C34878D82A}">
+                    <a16:rowId xmlns:a16="http://schemas.microsoft.com/office/drawing/2014/main" val="916380572"/>
+                  </a:ext>
+                </a:extLst>
+              </a:tr>
+              <a:tr h="564123">
+                <a:tc>
+                  <a:txBody>
+                    <a:bodyPr/>
+                    <a:lstStyle/>
+                    <a:p>
+                      <a:endParaRPr lang="pt-BR"/>
+                    </a:p>
+                  </a:txBody>
+                  <a:tcPr/>
+                </a:tc>
+                <a:tc>
+                  <a:txBody>
+                    <a:bodyPr/>
+                    <a:lstStyle/>
+                    <a:p>
+                      <a:endParaRPr lang="pt-BR"/>
+                    </a:p>
+                  </a:txBody>
+                  <a:tcPr/>
+                </a:tc>
+                <a:tc>
+                  <a:txBody>
+                    <a:bodyPr/>
+                    <a:lstStyle/>
+                    <a:p>
+                      <a:endParaRPr lang="pt-BR"/>
+                    </a:p>
+                  </a:txBody>
+                  <a:tcPr/>
+                </a:tc>
+                <a:tc>
+                  <a:txBody>
+                    <a:bodyPr/>
+                    <a:lstStyle/>
+                    <a:p>
+                      <a:endParaRPr lang="pt-BR"/>
+                    </a:p>
+                  </a:txBody>
+                  <a:tcPr/>
+                </a:tc>
+                <a:tc>
+                  <a:txBody>
+                    <a:bodyPr/>
+                    <a:lstStyle/>
+                    <a:p>
+                      <a:endParaRPr lang="pt-BR"/>
+                    </a:p>
+                  </a:txBody>
+                  <a:tcPr/>
+                </a:tc>
+                <a:tc>
+                  <a:txBody>
+                    <a:bodyPr/>
+                    <a:lstStyle/>
+                    <a:p>
+                      <a:endParaRPr lang="pt-BR"/>
+                    </a:p>
+                  </a:txBody>
+                  <a:tcPr/>
+                </a:tc>
+                <a:tc>
+                  <a:txBody>
+                    <a:bodyPr/>
+                    <a:lstStyle/>
+                    <a:p>
+                      <a:endParaRPr lang="pt-BR"/>
+                    </a:p>
+                  </a:txBody>
+                  <a:tcPr/>
+                </a:tc>
+                <a:extLst>
+                  <a:ext uri="{0D108BD9-81ED-4DB2-BD59-A6C34878D82A}">
+                    <a16:rowId xmlns:a16="http://schemas.microsoft.com/office/drawing/2014/main" val="883338013"/>
+                  </a:ext>
+                </a:extLst>
+              </a:tr>
+              <a:tr h="564123">
+                <a:tc>
+                  <a:txBody>
+                    <a:bodyPr/>
+                    <a:lstStyle/>
+                    <a:p>
+                      <a:endParaRPr lang="pt-BR"/>
+                    </a:p>
+                  </a:txBody>
+                  <a:tcPr/>
+                </a:tc>
+                <a:tc>
+                  <a:txBody>
+                    <a:bodyPr/>
+                    <a:lstStyle/>
+                    <a:p>
+                      <a:endParaRPr lang="pt-BR"/>
+                    </a:p>
+                  </a:txBody>
+                  <a:tcPr/>
+                </a:tc>
+                <a:tc>
+                  <a:txBody>
+                    <a:bodyPr/>
+                    <a:lstStyle/>
+                    <a:p>
+                      <a:endParaRPr lang="pt-BR"/>
+                    </a:p>
+                  </a:txBody>
+                  <a:tcPr/>
+                </a:tc>
+                <a:tc>
+                  <a:txBody>
+                    <a:bodyPr/>
+                    <a:lstStyle/>
+                    <a:p>
+                      <a:endParaRPr lang="pt-BR"/>
+                    </a:p>
+                  </a:txBody>
+                  <a:tcPr/>
+                </a:tc>
+                <a:tc>
+                  <a:txBody>
+                    <a:bodyPr/>
+                    <a:lstStyle/>
+                    <a:p>
+                      <a:endParaRPr lang="pt-BR"/>
+                    </a:p>
+                  </a:txBody>
+                  <a:tcPr/>
+                </a:tc>
+                <a:tc>
+                  <a:txBody>
+                    <a:bodyPr/>
+                    <a:lstStyle/>
+                    <a:p>
+                      <a:endParaRPr lang="pt-BR" dirty="0"/>
+                    </a:p>
+                  </a:txBody>
+                  <a:tcPr/>
+                </a:tc>
+                <a:tc>
+                  <a:txBody>
+                    <a:bodyPr/>
+                    <a:lstStyle/>
+                    <a:p>
+                      <a:endParaRPr lang="pt-BR"/>
+                    </a:p>
+                  </a:txBody>
+                  <a:tcPr/>
+                </a:tc>
+                <a:extLst>
+                  <a:ext uri="{0D108BD9-81ED-4DB2-BD59-A6C34878D82A}">
+                    <a16:rowId xmlns:a16="http://schemas.microsoft.com/office/drawing/2014/main" val="392017305"/>
+                  </a:ext>
+                </a:extLst>
+              </a:tr>
+              <a:tr h="564123">
+                <a:tc>
+                  <a:txBody>
+                    <a:bodyPr/>
+                    <a:lstStyle/>
+                    <a:p>
+                      <a:endParaRPr lang="pt-BR"/>
+                    </a:p>
+                  </a:txBody>
+                  <a:tcPr/>
+                </a:tc>
+                <a:tc>
+                  <a:txBody>
+                    <a:bodyPr/>
+                    <a:lstStyle/>
+                    <a:p>
+                      <a:endParaRPr lang="pt-BR"/>
+                    </a:p>
+                  </a:txBody>
+                  <a:tcPr/>
+                </a:tc>
+                <a:tc>
+                  <a:txBody>
+                    <a:bodyPr/>
+                    <a:lstStyle/>
+                    <a:p>
+                      <a:endParaRPr lang="pt-BR"/>
+                    </a:p>
+                  </a:txBody>
+                  <a:tcPr/>
+                </a:tc>
+                <a:tc>
+                  <a:txBody>
+                    <a:bodyPr/>
+                    <a:lstStyle/>
+                    <a:p>
+                      <a:endParaRPr lang="pt-BR"/>
+                    </a:p>
+                  </a:txBody>
+                  <a:tcPr/>
+                </a:tc>
+                <a:tc>
+                  <a:txBody>
+                    <a:bodyPr/>
+                    <a:lstStyle/>
+                    <a:p>
+                      <a:endParaRPr lang="pt-BR"/>
+                    </a:p>
+                  </a:txBody>
+                  <a:tcPr/>
+                </a:tc>
+                <a:tc>
+                  <a:txBody>
+                    <a:bodyPr/>
+                    <a:lstStyle/>
+                    <a:p>
+                      <a:endParaRPr lang="pt-BR"/>
+                    </a:p>
+                  </a:txBody>
+                  <a:tcPr/>
+                </a:tc>
+                <a:tc>
+                  <a:txBody>
+                    <a:bodyPr/>
+                    <a:lstStyle/>
+                    <a:p>
+                      <a:endParaRPr lang="pt-BR" dirty="0"/>
+                    </a:p>
+                  </a:txBody>
+                  <a:tcPr/>
+                </a:tc>
+                <a:extLst>
+                  <a:ext uri="{0D108BD9-81ED-4DB2-BD59-A6C34878D82A}">
+                    <a16:rowId xmlns:a16="http://schemas.microsoft.com/office/drawing/2014/main" val="2124904493"/>
+                  </a:ext>
+                </a:extLst>
+              </a:tr>
+            </a:tbl>
+          </a:graphicData>
+        </a:graphic>
+      </p:graphicFrame>
+      <p:sp>
+        <p:nvSpPr>
+          <p:cNvPr id="44" name="Retângulo 43"/>
+          <p:cNvSpPr/>
+          <p:nvPr/>
+        </p:nvSpPr>
+        <p:spPr>
+          <a:xfrm>
+            <a:off x="1449976" y="2247048"/>
+            <a:ext cx="2508069" cy="470745"/>
+          </a:xfrm>
+          <a:prstGeom prst="rect">
+            <a:avLst/>
+          </a:prstGeom>
+        </p:spPr>
+        <p:style>
+          <a:lnRef idx="2">
+            <a:schemeClr val="accent1">
+              <a:shade val="50000"/>
+            </a:schemeClr>
+          </a:lnRef>
+          <a:fillRef idx="1">
+            <a:schemeClr val="accent1"/>
+          </a:fillRef>
+          <a:effectRef idx="0">
+            <a:schemeClr val="accent1"/>
+          </a:effectRef>
+          <a:fontRef idx="minor">
+            <a:schemeClr val="lt1"/>
+          </a:fontRef>
+        </p:style>
+        <p:txBody>
+          <a:bodyPr rtlCol="0" anchor="ctr"/>
+          <a:lstStyle/>
+          <a:p>
+            <a:pPr algn="ctr"/>
+            <a:r>
+              <a:rPr lang="pt-BR" dirty="0" smtClean="0"/>
+              <a:t>Mês</a:t>
+            </a:r>
+            <a:endParaRPr lang="pt-BR" dirty="0"/>
+          </a:p>
+        </p:txBody>
+      </p:sp>
+      <p:sp>
+        <p:nvSpPr>
+          <p:cNvPr id="45" name="Seta para a Direita 44"/>
+          <p:cNvSpPr/>
+          <p:nvPr/>
+        </p:nvSpPr>
+        <p:spPr>
+          <a:xfrm>
+            <a:off x="4193174" y="2264820"/>
+            <a:ext cx="470261" cy="439192"/>
+          </a:xfrm>
+          <a:prstGeom prst="rightArrow">
+            <a:avLst/>
+          </a:prstGeom>
+        </p:spPr>
+        <p:style>
+          <a:lnRef idx="2">
+            <a:schemeClr val="accent1">
+              <a:shade val="50000"/>
+            </a:schemeClr>
+          </a:lnRef>
+          <a:fillRef idx="1">
+            <a:schemeClr val="accent1"/>
+          </a:fillRef>
+          <a:effectRef idx="0">
+            <a:schemeClr val="accent1"/>
+          </a:effectRef>
+          <a:fontRef idx="minor">
+            <a:schemeClr val="lt1"/>
+          </a:fontRef>
+        </p:style>
+        <p:txBody>
+          <a:bodyPr rtlCol="0" anchor="ctr"/>
+          <a:lstStyle/>
+          <a:p>
+            <a:pPr algn="ctr"/>
+            <a:endParaRPr lang="pt-BR"/>
+          </a:p>
+        </p:txBody>
+      </p:sp>
+      <p:sp>
+        <p:nvSpPr>
+          <p:cNvPr id="46" name="Seta para a Direita 45"/>
+          <p:cNvSpPr/>
+          <p:nvPr/>
+        </p:nvSpPr>
+        <p:spPr>
+          <a:xfrm rot="10800000">
+            <a:off x="744583" y="2264820"/>
+            <a:ext cx="470263" cy="453214"/>
+          </a:xfrm>
+          <a:prstGeom prst="rightArrow">
+            <a:avLst/>
+          </a:prstGeom>
+        </p:spPr>
+        <p:style>
+          <a:lnRef idx="2">
+            <a:schemeClr val="accent1">
+              <a:shade val="50000"/>
+            </a:schemeClr>
+          </a:lnRef>
+          <a:fillRef idx="1">
+            <a:schemeClr val="accent1"/>
+          </a:fillRef>
+          <a:effectRef idx="0">
+            <a:schemeClr val="accent1"/>
+          </a:effectRef>
+          <a:fontRef idx="minor">
+            <a:schemeClr val="lt1"/>
+          </a:fontRef>
+        </p:style>
+        <p:txBody>
+          <a:bodyPr rtlCol="0" anchor="ctr"/>
+          <a:lstStyle/>
+          <a:p>
+            <a:pPr algn="ctr"/>
+            <a:endParaRPr lang="pt-BR"/>
+          </a:p>
+        </p:txBody>
+      </p:sp>
+    </p:spTree>
+    <p:extLst>
+      <p:ext uri="{BB962C8B-B14F-4D97-AF65-F5344CB8AC3E}">
+        <p14:creationId xmlns:p14="http://schemas.microsoft.com/office/powerpoint/2010/main" val="1295480954"/>
       </p:ext>
     </p:extLst>
   </p:cSld>
